--- a/01 Classes/Aula 08 - Programação Microcontroladores - Periféricos Externos- Mostradores e Interrupções.pptx
+++ b/01 Classes/Aula 08 - Programação Microcontroladores - Periféricos Externos- Mostradores e Interrupções.pptx
@@ -5,18 +5,32 @@
     <p:sldMasterId id="2147483648" r:id="rId1"/>
   </p:sldMasterIdLst>
   <p:notesMasterIdLst>
-    <p:notesMasterId r:id="rId11"/>
+    <p:notesMasterId r:id="rId25"/>
   </p:notesMasterIdLst>
   <p:sldIdLst>
     <p:sldId id="256" r:id="rId2"/>
     <p:sldId id="291" r:id="rId3"/>
     <p:sldId id="340" r:id="rId4"/>
-    <p:sldId id="341" r:id="rId5"/>
-    <p:sldId id="333" r:id="rId6"/>
-    <p:sldId id="323" r:id="rId7"/>
-    <p:sldId id="334" r:id="rId8"/>
-    <p:sldId id="337" r:id="rId9"/>
-    <p:sldId id="309" r:id="rId10"/>
+    <p:sldId id="342" r:id="rId5"/>
+    <p:sldId id="343" r:id="rId6"/>
+    <p:sldId id="344" r:id="rId7"/>
+    <p:sldId id="345" r:id="rId8"/>
+    <p:sldId id="349" r:id="rId9"/>
+    <p:sldId id="350" r:id="rId10"/>
+    <p:sldId id="351" r:id="rId11"/>
+    <p:sldId id="347" r:id="rId12"/>
+    <p:sldId id="352" r:id="rId13"/>
+    <p:sldId id="353" r:id="rId14"/>
+    <p:sldId id="341" r:id="rId15"/>
+    <p:sldId id="354" r:id="rId16"/>
+    <p:sldId id="355" r:id="rId17"/>
+    <p:sldId id="333" r:id="rId18"/>
+    <p:sldId id="323" r:id="rId19"/>
+    <p:sldId id="334" r:id="rId20"/>
+    <p:sldId id="346" r:id="rId21"/>
+    <p:sldId id="348" r:id="rId22"/>
+    <p:sldId id="337" r:id="rId23"/>
+    <p:sldId id="309" r:id="rId24"/>
   </p:sldIdLst>
   <p:sldSz cx="9144000" cy="5143500" type="screen16x9"/>
   <p:notesSz cx="6858000" cy="9144000"/>
@@ -563,6 +577,666 @@
 </p:notes>
 </file>
 
+<file path=ppt/notesSlides/notesSlide10.xml><?xml version="1.0" encoding="utf-8"?>
+<p:notes xmlns:a="http://schemas.openxmlformats.org/drawingml/2006/main" xmlns:r="http://schemas.openxmlformats.org/officeDocument/2006/relationships" xmlns:p="http://schemas.openxmlformats.org/presentationml/2006/main">
+  <p:cSld>
+    <p:spTree>
+      <p:nvGrpSpPr>
+        <p:cNvPr id="1" name=""/>
+        <p:cNvGrpSpPr/>
+        <p:nvPr/>
+      </p:nvGrpSpPr>
+      <p:grpSpPr>
+        <a:xfrm>
+          <a:off x="0" y="0"/>
+          <a:ext cx="0" cy="0"/>
+          <a:chOff x="0" y="0"/>
+          <a:chExt cx="0" cy="0"/>
+        </a:xfrm>
+      </p:grpSpPr>
+      <p:sp>
+        <p:nvSpPr>
+          <p:cNvPr id="2" name="Espaço Reservado para Imagem de Slide 1"/>
+          <p:cNvSpPr>
+            <a:spLocks noGrp="1" noRot="1" noChangeAspect="1"/>
+          </p:cNvSpPr>
+          <p:nvPr>
+            <p:ph type="sldImg"/>
+          </p:nvPr>
+        </p:nvSpPr>
+        <p:spPr>
+          <a:xfrm>
+            <a:off x="381000" y="685800"/>
+            <a:ext cx="6096000" cy="3429000"/>
+          </a:xfrm>
+        </p:spPr>
+      </p:sp>
+      <p:sp>
+        <p:nvSpPr>
+          <p:cNvPr id="3" name="Espaço Reservado para Anotações 2"/>
+          <p:cNvSpPr>
+            <a:spLocks noGrp="1"/>
+          </p:cNvSpPr>
+          <p:nvPr>
+            <p:ph type="body" idx="1"/>
+          </p:nvPr>
+        </p:nvSpPr>
+        <p:spPr/>
+        <p:txBody>
+          <a:bodyPr/>
+          <a:lstStyle/>
+          <a:p>
+            <a:endParaRPr lang="pt-BR" dirty="0"/>
+          </a:p>
+        </p:txBody>
+      </p:sp>
+    </p:spTree>
+    <p:extLst>
+      <p:ext uri="{BB962C8B-B14F-4D97-AF65-F5344CB8AC3E}">
+        <p14:creationId xmlns:p14="http://schemas.microsoft.com/office/powerpoint/2010/main" val="2183806261"/>
+      </p:ext>
+    </p:extLst>
+  </p:cSld>
+  <p:clrMapOvr>
+    <a:masterClrMapping/>
+  </p:clrMapOvr>
+</p:notes>
+</file>
+
+<file path=ppt/notesSlides/notesSlide11.xml><?xml version="1.0" encoding="utf-8"?>
+<p:notes xmlns:a="http://schemas.openxmlformats.org/drawingml/2006/main" xmlns:r="http://schemas.openxmlformats.org/officeDocument/2006/relationships" xmlns:p="http://schemas.openxmlformats.org/presentationml/2006/main">
+  <p:cSld>
+    <p:spTree>
+      <p:nvGrpSpPr>
+        <p:cNvPr id="1" name=""/>
+        <p:cNvGrpSpPr/>
+        <p:nvPr/>
+      </p:nvGrpSpPr>
+      <p:grpSpPr>
+        <a:xfrm>
+          <a:off x="0" y="0"/>
+          <a:ext cx="0" cy="0"/>
+          <a:chOff x="0" y="0"/>
+          <a:chExt cx="0" cy="0"/>
+        </a:xfrm>
+      </p:grpSpPr>
+      <p:sp>
+        <p:nvSpPr>
+          <p:cNvPr id="2" name="Espaço Reservado para Imagem de Slide 1"/>
+          <p:cNvSpPr>
+            <a:spLocks noGrp="1" noRot="1" noChangeAspect="1"/>
+          </p:cNvSpPr>
+          <p:nvPr>
+            <p:ph type="sldImg"/>
+          </p:nvPr>
+        </p:nvSpPr>
+        <p:spPr>
+          <a:xfrm>
+            <a:off x="381000" y="685800"/>
+            <a:ext cx="6096000" cy="3429000"/>
+          </a:xfrm>
+        </p:spPr>
+      </p:sp>
+      <p:sp>
+        <p:nvSpPr>
+          <p:cNvPr id="3" name="Espaço Reservado para Anotações 2"/>
+          <p:cNvSpPr>
+            <a:spLocks noGrp="1"/>
+          </p:cNvSpPr>
+          <p:nvPr>
+            <p:ph type="body" idx="1"/>
+          </p:nvPr>
+        </p:nvSpPr>
+        <p:spPr/>
+        <p:txBody>
+          <a:bodyPr/>
+          <a:lstStyle/>
+          <a:p>
+            <a:endParaRPr lang="pt-BR" dirty="0"/>
+          </a:p>
+        </p:txBody>
+      </p:sp>
+    </p:spTree>
+    <p:extLst>
+      <p:ext uri="{BB962C8B-B14F-4D97-AF65-F5344CB8AC3E}">
+        <p14:creationId xmlns:p14="http://schemas.microsoft.com/office/powerpoint/2010/main" val="4285901469"/>
+      </p:ext>
+    </p:extLst>
+  </p:cSld>
+  <p:clrMapOvr>
+    <a:masterClrMapping/>
+  </p:clrMapOvr>
+</p:notes>
+</file>
+
+<file path=ppt/notesSlides/notesSlide12.xml><?xml version="1.0" encoding="utf-8"?>
+<p:notes xmlns:a="http://schemas.openxmlformats.org/drawingml/2006/main" xmlns:r="http://schemas.openxmlformats.org/officeDocument/2006/relationships" xmlns:p="http://schemas.openxmlformats.org/presentationml/2006/main">
+  <p:cSld>
+    <p:spTree>
+      <p:nvGrpSpPr>
+        <p:cNvPr id="1" name=""/>
+        <p:cNvGrpSpPr/>
+        <p:nvPr/>
+      </p:nvGrpSpPr>
+      <p:grpSpPr>
+        <a:xfrm>
+          <a:off x="0" y="0"/>
+          <a:ext cx="0" cy="0"/>
+          <a:chOff x="0" y="0"/>
+          <a:chExt cx="0" cy="0"/>
+        </a:xfrm>
+      </p:grpSpPr>
+      <p:sp>
+        <p:nvSpPr>
+          <p:cNvPr id="2" name="Espaço Reservado para Imagem de Slide 1"/>
+          <p:cNvSpPr>
+            <a:spLocks noGrp="1" noRot="1" noChangeAspect="1"/>
+          </p:cNvSpPr>
+          <p:nvPr>
+            <p:ph type="sldImg"/>
+          </p:nvPr>
+        </p:nvSpPr>
+        <p:spPr>
+          <a:xfrm>
+            <a:off x="381000" y="685800"/>
+            <a:ext cx="6096000" cy="3429000"/>
+          </a:xfrm>
+        </p:spPr>
+      </p:sp>
+      <p:sp>
+        <p:nvSpPr>
+          <p:cNvPr id="3" name="Espaço Reservado para Anotações 2"/>
+          <p:cNvSpPr>
+            <a:spLocks noGrp="1"/>
+          </p:cNvSpPr>
+          <p:nvPr>
+            <p:ph type="body" idx="1"/>
+          </p:nvPr>
+        </p:nvSpPr>
+        <p:spPr/>
+        <p:txBody>
+          <a:bodyPr/>
+          <a:lstStyle/>
+          <a:p>
+            <a:endParaRPr lang="pt-BR" dirty="0"/>
+          </a:p>
+        </p:txBody>
+      </p:sp>
+    </p:spTree>
+    <p:extLst>
+      <p:ext uri="{BB962C8B-B14F-4D97-AF65-F5344CB8AC3E}">
+        <p14:creationId xmlns:p14="http://schemas.microsoft.com/office/powerpoint/2010/main" val="3058120270"/>
+      </p:ext>
+    </p:extLst>
+  </p:cSld>
+  <p:clrMapOvr>
+    <a:masterClrMapping/>
+  </p:clrMapOvr>
+</p:notes>
+</file>
+
+<file path=ppt/notesSlides/notesSlide13.xml><?xml version="1.0" encoding="utf-8"?>
+<p:notes xmlns:a="http://schemas.openxmlformats.org/drawingml/2006/main" xmlns:r="http://schemas.openxmlformats.org/officeDocument/2006/relationships" xmlns:p="http://schemas.openxmlformats.org/presentationml/2006/main">
+  <p:cSld>
+    <p:spTree>
+      <p:nvGrpSpPr>
+        <p:cNvPr id="1" name=""/>
+        <p:cNvGrpSpPr/>
+        <p:nvPr/>
+      </p:nvGrpSpPr>
+      <p:grpSpPr>
+        <a:xfrm>
+          <a:off x="0" y="0"/>
+          <a:ext cx="0" cy="0"/>
+          <a:chOff x="0" y="0"/>
+          <a:chExt cx="0" cy="0"/>
+        </a:xfrm>
+      </p:grpSpPr>
+      <p:sp>
+        <p:nvSpPr>
+          <p:cNvPr id="2" name="Espaço Reservado para Imagem de Slide 1"/>
+          <p:cNvSpPr>
+            <a:spLocks noGrp="1" noRot="1" noChangeAspect="1"/>
+          </p:cNvSpPr>
+          <p:nvPr>
+            <p:ph type="sldImg"/>
+          </p:nvPr>
+        </p:nvSpPr>
+        <p:spPr>
+          <a:xfrm>
+            <a:off x="381000" y="685800"/>
+            <a:ext cx="6096000" cy="3429000"/>
+          </a:xfrm>
+        </p:spPr>
+      </p:sp>
+      <p:sp>
+        <p:nvSpPr>
+          <p:cNvPr id="3" name="Espaço Reservado para Anotações 2"/>
+          <p:cNvSpPr>
+            <a:spLocks noGrp="1"/>
+          </p:cNvSpPr>
+          <p:nvPr>
+            <p:ph type="body" idx="1"/>
+          </p:nvPr>
+        </p:nvSpPr>
+        <p:spPr/>
+        <p:txBody>
+          <a:bodyPr/>
+          <a:lstStyle/>
+          <a:p>
+            <a:endParaRPr lang="pt-BR" dirty="0"/>
+          </a:p>
+        </p:txBody>
+      </p:sp>
+    </p:spTree>
+    <p:extLst>
+      <p:ext uri="{BB962C8B-B14F-4D97-AF65-F5344CB8AC3E}">
+        <p14:creationId xmlns:p14="http://schemas.microsoft.com/office/powerpoint/2010/main" val="1511746403"/>
+      </p:ext>
+    </p:extLst>
+  </p:cSld>
+  <p:clrMapOvr>
+    <a:masterClrMapping/>
+  </p:clrMapOvr>
+</p:notes>
+</file>
+
+<file path=ppt/notesSlides/notesSlide14.xml><?xml version="1.0" encoding="utf-8"?>
+<p:notes xmlns:a="http://schemas.openxmlformats.org/drawingml/2006/main" xmlns:r="http://schemas.openxmlformats.org/officeDocument/2006/relationships" xmlns:p="http://schemas.openxmlformats.org/presentationml/2006/main">
+  <p:cSld>
+    <p:spTree>
+      <p:nvGrpSpPr>
+        <p:cNvPr id="1" name=""/>
+        <p:cNvGrpSpPr/>
+        <p:nvPr/>
+      </p:nvGrpSpPr>
+      <p:grpSpPr>
+        <a:xfrm>
+          <a:off x="0" y="0"/>
+          <a:ext cx="0" cy="0"/>
+          <a:chOff x="0" y="0"/>
+          <a:chExt cx="0" cy="0"/>
+        </a:xfrm>
+      </p:grpSpPr>
+      <p:sp>
+        <p:nvSpPr>
+          <p:cNvPr id="2" name="Espaço Reservado para Imagem de Slide 1"/>
+          <p:cNvSpPr>
+            <a:spLocks noGrp="1" noRot="1" noChangeAspect="1"/>
+          </p:cNvSpPr>
+          <p:nvPr>
+            <p:ph type="sldImg"/>
+          </p:nvPr>
+        </p:nvSpPr>
+        <p:spPr>
+          <a:xfrm>
+            <a:off x="381000" y="685800"/>
+            <a:ext cx="6096000" cy="3429000"/>
+          </a:xfrm>
+        </p:spPr>
+      </p:sp>
+      <p:sp>
+        <p:nvSpPr>
+          <p:cNvPr id="3" name="Espaço Reservado para Anotações 2"/>
+          <p:cNvSpPr>
+            <a:spLocks noGrp="1"/>
+          </p:cNvSpPr>
+          <p:nvPr>
+            <p:ph type="body" idx="1"/>
+          </p:nvPr>
+        </p:nvSpPr>
+        <p:spPr/>
+        <p:txBody>
+          <a:bodyPr/>
+          <a:lstStyle/>
+          <a:p>
+            <a:endParaRPr lang="pt-BR" dirty="0"/>
+          </a:p>
+        </p:txBody>
+      </p:sp>
+    </p:spTree>
+    <p:extLst>
+      <p:ext uri="{BB962C8B-B14F-4D97-AF65-F5344CB8AC3E}">
+        <p14:creationId xmlns:p14="http://schemas.microsoft.com/office/powerpoint/2010/main" val="2966805498"/>
+      </p:ext>
+    </p:extLst>
+  </p:cSld>
+  <p:clrMapOvr>
+    <a:masterClrMapping/>
+  </p:clrMapOvr>
+</p:notes>
+</file>
+
+<file path=ppt/notesSlides/notesSlide15.xml><?xml version="1.0" encoding="utf-8"?>
+<p:notes xmlns:a="http://schemas.openxmlformats.org/drawingml/2006/main" xmlns:r="http://schemas.openxmlformats.org/officeDocument/2006/relationships" xmlns:p="http://schemas.openxmlformats.org/presentationml/2006/main">
+  <p:cSld>
+    <p:spTree>
+      <p:nvGrpSpPr>
+        <p:cNvPr id="1" name=""/>
+        <p:cNvGrpSpPr/>
+        <p:nvPr/>
+      </p:nvGrpSpPr>
+      <p:grpSpPr>
+        <a:xfrm>
+          <a:off x="0" y="0"/>
+          <a:ext cx="0" cy="0"/>
+          <a:chOff x="0" y="0"/>
+          <a:chExt cx="0" cy="0"/>
+        </a:xfrm>
+      </p:grpSpPr>
+      <p:sp>
+        <p:nvSpPr>
+          <p:cNvPr id="2" name="Espaço Reservado para Imagem de Slide 1"/>
+          <p:cNvSpPr>
+            <a:spLocks noGrp="1" noRot="1" noChangeAspect="1"/>
+          </p:cNvSpPr>
+          <p:nvPr>
+            <p:ph type="sldImg"/>
+          </p:nvPr>
+        </p:nvSpPr>
+        <p:spPr>
+          <a:xfrm>
+            <a:off x="381000" y="685800"/>
+            <a:ext cx="6096000" cy="3429000"/>
+          </a:xfrm>
+        </p:spPr>
+      </p:sp>
+      <p:sp>
+        <p:nvSpPr>
+          <p:cNvPr id="3" name="Espaço Reservado para Anotações 2"/>
+          <p:cNvSpPr>
+            <a:spLocks noGrp="1"/>
+          </p:cNvSpPr>
+          <p:nvPr>
+            <p:ph type="body" idx="1"/>
+          </p:nvPr>
+        </p:nvSpPr>
+        <p:spPr/>
+        <p:txBody>
+          <a:bodyPr/>
+          <a:lstStyle/>
+          <a:p>
+            <a:endParaRPr lang="pt-BR" dirty="0"/>
+          </a:p>
+        </p:txBody>
+      </p:sp>
+    </p:spTree>
+    <p:extLst>
+      <p:ext uri="{BB962C8B-B14F-4D97-AF65-F5344CB8AC3E}">
+        <p14:creationId xmlns:p14="http://schemas.microsoft.com/office/powerpoint/2010/main" val="3473137805"/>
+      </p:ext>
+    </p:extLst>
+  </p:cSld>
+  <p:clrMapOvr>
+    <a:masterClrMapping/>
+  </p:clrMapOvr>
+</p:notes>
+</file>
+
+<file path=ppt/notesSlides/notesSlide16.xml><?xml version="1.0" encoding="utf-8"?>
+<p:notes xmlns:a="http://schemas.openxmlformats.org/drawingml/2006/main" xmlns:r="http://schemas.openxmlformats.org/officeDocument/2006/relationships" xmlns:p="http://schemas.openxmlformats.org/presentationml/2006/main">
+  <p:cSld>
+    <p:spTree>
+      <p:nvGrpSpPr>
+        <p:cNvPr id="1" name=""/>
+        <p:cNvGrpSpPr/>
+        <p:nvPr/>
+      </p:nvGrpSpPr>
+      <p:grpSpPr>
+        <a:xfrm>
+          <a:off x="0" y="0"/>
+          <a:ext cx="0" cy="0"/>
+          <a:chOff x="0" y="0"/>
+          <a:chExt cx="0" cy="0"/>
+        </a:xfrm>
+      </p:grpSpPr>
+      <p:sp>
+        <p:nvSpPr>
+          <p:cNvPr id="2" name="Espaço Reservado para Imagem de Slide 1"/>
+          <p:cNvSpPr>
+            <a:spLocks noGrp="1" noRot="1" noChangeAspect="1"/>
+          </p:cNvSpPr>
+          <p:nvPr>
+            <p:ph type="sldImg"/>
+          </p:nvPr>
+        </p:nvSpPr>
+        <p:spPr>
+          <a:xfrm>
+            <a:off x="381000" y="685800"/>
+            <a:ext cx="6096000" cy="3429000"/>
+          </a:xfrm>
+        </p:spPr>
+      </p:sp>
+      <p:sp>
+        <p:nvSpPr>
+          <p:cNvPr id="3" name="Espaço Reservado para Anotações 2"/>
+          <p:cNvSpPr>
+            <a:spLocks noGrp="1"/>
+          </p:cNvSpPr>
+          <p:nvPr>
+            <p:ph type="body" idx="1"/>
+          </p:nvPr>
+        </p:nvSpPr>
+        <p:spPr/>
+        <p:txBody>
+          <a:bodyPr/>
+          <a:lstStyle/>
+          <a:p>
+            <a:endParaRPr lang="pt-BR" dirty="0"/>
+          </a:p>
+        </p:txBody>
+      </p:sp>
+    </p:spTree>
+    <p:extLst>
+      <p:ext uri="{BB962C8B-B14F-4D97-AF65-F5344CB8AC3E}">
+        <p14:creationId xmlns:p14="http://schemas.microsoft.com/office/powerpoint/2010/main" val="585304384"/>
+      </p:ext>
+    </p:extLst>
+  </p:cSld>
+  <p:clrMapOvr>
+    <a:masterClrMapping/>
+  </p:clrMapOvr>
+</p:notes>
+</file>
+
+<file path=ppt/notesSlides/notesSlide17.xml><?xml version="1.0" encoding="utf-8"?>
+<p:notes xmlns:a="http://schemas.openxmlformats.org/drawingml/2006/main" xmlns:r="http://schemas.openxmlformats.org/officeDocument/2006/relationships" xmlns:p="http://schemas.openxmlformats.org/presentationml/2006/main">
+  <p:cSld>
+    <p:spTree>
+      <p:nvGrpSpPr>
+        <p:cNvPr id="1" name=""/>
+        <p:cNvGrpSpPr/>
+        <p:nvPr/>
+      </p:nvGrpSpPr>
+      <p:grpSpPr>
+        <a:xfrm>
+          <a:off x="0" y="0"/>
+          <a:ext cx="0" cy="0"/>
+          <a:chOff x="0" y="0"/>
+          <a:chExt cx="0" cy="0"/>
+        </a:xfrm>
+      </p:grpSpPr>
+      <p:sp>
+        <p:nvSpPr>
+          <p:cNvPr id="2" name="Espaço Reservado para Imagem de Slide 1"/>
+          <p:cNvSpPr>
+            <a:spLocks noGrp="1" noRot="1" noChangeAspect="1"/>
+          </p:cNvSpPr>
+          <p:nvPr>
+            <p:ph type="sldImg"/>
+          </p:nvPr>
+        </p:nvSpPr>
+        <p:spPr>
+          <a:xfrm>
+            <a:off x="381000" y="685800"/>
+            <a:ext cx="6096000" cy="3429000"/>
+          </a:xfrm>
+        </p:spPr>
+      </p:sp>
+      <p:sp>
+        <p:nvSpPr>
+          <p:cNvPr id="3" name="Espaço Reservado para Anotações 2"/>
+          <p:cNvSpPr>
+            <a:spLocks noGrp="1"/>
+          </p:cNvSpPr>
+          <p:nvPr>
+            <p:ph type="body" idx="1"/>
+          </p:nvPr>
+        </p:nvSpPr>
+        <p:spPr/>
+        <p:txBody>
+          <a:bodyPr/>
+          <a:lstStyle/>
+          <a:p>
+            <a:endParaRPr lang="pt-BR" dirty="0"/>
+          </a:p>
+        </p:txBody>
+      </p:sp>
+    </p:spTree>
+    <p:extLst>
+      <p:ext uri="{BB962C8B-B14F-4D97-AF65-F5344CB8AC3E}">
+        <p14:creationId xmlns:p14="http://schemas.microsoft.com/office/powerpoint/2010/main" val="2709569597"/>
+      </p:ext>
+    </p:extLst>
+  </p:cSld>
+  <p:clrMapOvr>
+    <a:masterClrMapping/>
+  </p:clrMapOvr>
+</p:notes>
+</file>
+
+<file path=ppt/notesSlides/notesSlide18.xml><?xml version="1.0" encoding="utf-8"?>
+<p:notes xmlns:a="http://schemas.openxmlformats.org/drawingml/2006/main" xmlns:r="http://schemas.openxmlformats.org/officeDocument/2006/relationships" xmlns:p="http://schemas.openxmlformats.org/presentationml/2006/main">
+  <p:cSld>
+    <p:spTree>
+      <p:nvGrpSpPr>
+        <p:cNvPr id="1" name=""/>
+        <p:cNvGrpSpPr/>
+        <p:nvPr/>
+      </p:nvGrpSpPr>
+      <p:grpSpPr>
+        <a:xfrm>
+          <a:off x="0" y="0"/>
+          <a:ext cx="0" cy="0"/>
+          <a:chOff x="0" y="0"/>
+          <a:chExt cx="0" cy="0"/>
+        </a:xfrm>
+      </p:grpSpPr>
+      <p:sp>
+        <p:nvSpPr>
+          <p:cNvPr id="2" name="Espaço Reservado para Imagem de Slide 1"/>
+          <p:cNvSpPr>
+            <a:spLocks noGrp="1" noRot="1" noChangeAspect="1"/>
+          </p:cNvSpPr>
+          <p:nvPr>
+            <p:ph type="sldImg"/>
+          </p:nvPr>
+        </p:nvSpPr>
+        <p:spPr>
+          <a:xfrm>
+            <a:off x="381000" y="685800"/>
+            <a:ext cx="6096000" cy="3429000"/>
+          </a:xfrm>
+        </p:spPr>
+      </p:sp>
+      <p:sp>
+        <p:nvSpPr>
+          <p:cNvPr id="3" name="Espaço Reservado para Anotações 2"/>
+          <p:cNvSpPr>
+            <a:spLocks noGrp="1"/>
+          </p:cNvSpPr>
+          <p:nvPr>
+            <p:ph type="body" idx="1"/>
+          </p:nvPr>
+        </p:nvSpPr>
+        <p:spPr/>
+        <p:txBody>
+          <a:bodyPr/>
+          <a:lstStyle/>
+          <a:p>
+            <a:endParaRPr lang="pt-BR" dirty="0"/>
+          </a:p>
+        </p:txBody>
+      </p:sp>
+    </p:spTree>
+    <p:extLst>
+      <p:ext uri="{BB962C8B-B14F-4D97-AF65-F5344CB8AC3E}">
+        <p14:creationId xmlns:p14="http://schemas.microsoft.com/office/powerpoint/2010/main" val="2296249050"/>
+      </p:ext>
+    </p:extLst>
+  </p:cSld>
+  <p:clrMapOvr>
+    <a:masterClrMapping/>
+  </p:clrMapOvr>
+</p:notes>
+</file>
+
+<file path=ppt/notesSlides/notesSlide19.xml><?xml version="1.0" encoding="utf-8"?>
+<p:notes xmlns:a="http://schemas.openxmlformats.org/drawingml/2006/main" xmlns:r="http://schemas.openxmlformats.org/officeDocument/2006/relationships" xmlns:p="http://schemas.openxmlformats.org/presentationml/2006/main">
+  <p:cSld>
+    <p:spTree>
+      <p:nvGrpSpPr>
+        <p:cNvPr id="1" name=""/>
+        <p:cNvGrpSpPr/>
+        <p:nvPr/>
+      </p:nvGrpSpPr>
+      <p:grpSpPr>
+        <a:xfrm>
+          <a:off x="0" y="0"/>
+          <a:ext cx="0" cy="0"/>
+          <a:chOff x="0" y="0"/>
+          <a:chExt cx="0" cy="0"/>
+        </a:xfrm>
+      </p:grpSpPr>
+      <p:sp>
+        <p:nvSpPr>
+          <p:cNvPr id="2" name="Espaço Reservado para Imagem de Slide 1"/>
+          <p:cNvSpPr>
+            <a:spLocks noGrp="1" noRot="1" noChangeAspect="1"/>
+          </p:cNvSpPr>
+          <p:nvPr>
+            <p:ph type="sldImg"/>
+          </p:nvPr>
+        </p:nvSpPr>
+        <p:spPr>
+          <a:xfrm>
+            <a:off x="381000" y="685800"/>
+            <a:ext cx="6096000" cy="3429000"/>
+          </a:xfrm>
+        </p:spPr>
+      </p:sp>
+      <p:sp>
+        <p:nvSpPr>
+          <p:cNvPr id="3" name="Espaço Reservado para Anotações 2"/>
+          <p:cNvSpPr>
+            <a:spLocks noGrp="1"/>
+          </p:cNvSpPr>
+          <p:nvPr>
+            <p:ph type="body" idx="1"/>
+          </p:nvPr>
+        </p:nvSpPr>
+        <p:spPr/>
+        <p:txBody>
+          <a:bodyPr/>
+          <a:lstStyle/>
+          <a:p>
+            <a:endParaRPr lang="pt-BR" dirty="0"/>
+          </a:p>
+        </p:txBody>
+      </p:sp>
+    </p:spTree>
+    <p:extLst>
+      <p:ext uri="{BB962C8B-B14F-4D97-AF65-F5344CB8AC3E}">
+        <p14:creationId xmlns:p14="http://schemas.microsoft.com/office/powerpoint/2010/main" val="2614658292"/>
+      </p:ext>
+    </p:extLst>
+  </p:cSld>
+  <p:clrMapOvr>
+    <a:masterClrMapping/>
+  </p:clrMapOvr>
+</p:notes>
+</file>
+
 <file path=ppt/notesSlides/notesSlide2.xml><?xml version="1.0" encoding="utf-8"?>
 <p:notes xmlns:a="http://schemas.openxmlformats.org/drawingml/2006/main" xmlns:r="http://schemas.openxmlformats.org/officeDocument/2006/relationships" xmlns:p="http://schemas.openxmlformats.org/presentationml/2006/main">
   <p:cSld>
@@ -620,6 +1294,138 @@
     <p:extLst>
       <p:ext uri="{BB962C8B-B14F-4D97-AF65-F5344CB8AC3E}">
         <p14:creationId xmlns:p14="http://schemas.microsoft.com/office/powerpoint/2010/main" val="2076218858"/>
+      </p:ext>
+    </p:extLst>
+  </p:cSld>
+  <p:clrMapOvr>
+    <a:masterClrMapping/>
+  </p:clrMapOvr>
+</p:notes>
+</file>
+
+<file path=ppt/notesSlides/notesSlide20.xml><?xml version="1.0" encoding="utf-8"?>
+<p:notes xmlns:a="http://schemas.openxmlformats.org/drawingml/2006/main" xmlns:r="http://schemas.openxmlformats.org/officeDocument/2006/relationships" xmlns:p="http://schemas.openxmlformats.org/presentationml/2006/main">
+  <p:cSld>
+    <p:spTree>
+      <p:nvGrpSpPr>
+        <p:cNvPr id="1" name=""/>
+        <p:cNvGrpSpPr/>
+        <p:nvPr/>
+      </p:nvGrpSpPr>
+      <p:grpSpPr>
+        <a:xfrm>
+          <a:off x="0" y="0"/>
+          <a:ext cx="0" cy="0"/>
+          <a:chOff x="0" y="0"/>
+          <a:chExt cx="0" cy="0"/>
+        </a:xfrm>
+      </p:grpSpPr>
+      <p:sp>
+        <p:nvSpPr>
+          <p:cNvPr id="2" name="Espaço Reservado para Imagem de Slide 1"/>
+          <p:cNvSpPr>
+            <a:spLocks noGrp="1" noRot="1" noChangeAspect="1"/>
+          </p:cNvSpPr>
+          <p:nvPr>
+            <p:ph type="sldImg"/>
+          </p:nvPr>
+        </p:nvSpPr>
+        <p:spPr>
+          <a:xfrm>
+            <a:off x="381000" y="685800"/>
+            <a:ext cx="6096000" cy="3429000"/>
+          </a:xfrm>
+        </p:spPr>
+      </p:sp>
+      <p:sp>
+        <p:nvSpPr>
+          <p:cNvPr id="3" name="Espaço Reservado para Anotações 2"/>
+          <p:cNvSpPr>
+            <a:spLocks noGrp="1"/>
+          </p:cNvSpPr>
+          <p:nvPr>
+            <p:ph type="body" idx="1"/>
+          </p:nvPr>
+        </p:nvSpPr>
+        <p:spPr/>
+        <p:txBody>
+          <a:bodyPr/>
+          <a:lstStyle/>
+          <a:p>
+            <a:endParaRPr lang="pt-BR" dirty="0"/>
+          </a:p>
+        </p:txBody>
+      </p:sp>
+    </p:spTree>
+    <p:extLst>
+      <p:ext uri="{BB962C8B-B14F-4D97-AF65-F5344CB8AC3E}">
+        <p14:creationId xmlns:p14="http://schemas.microsoft.com/office/powerpoint/2010/main" val="19001895"/>
+      </p:ext>
+    </p:extLst>
+  </p:cSld>
+  <p:clrMapOvr>
+    <a:masterClrMapping/>
+  </p:clrMapOvr>
+</p:notes>
+</file>
+
+<file path=ppt/notesSlides/notesSlide21.xml><?xml version="1.0" encoding="utf-8"?>
+<p:notes xmlns:a="http://schemas.openxmlformats.org/drawingml/2006/main" xmlns:r="http://schemas.openxmlformats.org/officeDocument/2006/relationships" xmlns:p="http://schemas.openxmlformats.org/presentationml/2006/main">
+  <p:cSld>
+    <p:spTree>
+      <p:nvGrpSpPr>
+        <p:cNvPr id="1" name=""/>
+        <p:cNvGrpSpPr/>
+        <p:nvPr/>
+      </p:nvGrpSpPr>
+      <p:grpSpPr>
+        <a:xfrm>
+          <a:off x="0" y="0"/>
+          <a:ext cx="0" cy="0"/>
+          <a:chOff x="0" y="0"/>
+          <a:chExt cx="0" cy="0"/>
+        </a:xfrm>
+      </p:grpSpPr>
+      <p:sp>
+        <p:nvSpPr>
+          <p:cNvPr id="2" name="Espaço Reservado para Imagem de Slide 1"/>
+          <p:cNvSpPr>
+            <a:spLocks noGrp="1" noRot="1" noChangeAspect="1"/>
+          </p:cNvSpPr>
+          <p:nvPr>
+            <p:ph type="sldImg"/>
+          </p:nvPr>
+        </p:nvSpPr>
+        <p:spPr>
+          <a:xfrm>
+            <a:off x="381000" y="685800"/>
+            <a:ext cx="6096000" cy="3429000"/>
+          </a:xfrm>
+        </p:spPr>
+      </p:sp>
+      <p:sp>
+        <p:nvSpPr>
+          <p:cNvPr id="3" name="Espaço Reservado para Anotações 2"/>
+          <p:cNvSpPr>
+            <a:spLocks noGrp="1"/>
+          </p:cNvSpPr>
+          <p:nvPr>
+            <p:ph type="body" idx="1"/>
+          </p:nvPr>
+        </p:nvSpPr>
+        <p:spPr/>
+        <p:txBody>
+          <a:bodyPr/>
+          <a:lstStyle/>
+          <a:p>
+            <a:endParaRPr lang="pt-BR" dirty="0"/>
+          </a:p>
+        </p:txBody>
+      </p:sp>
+    </p:spTree>
+    <p:extLst>
+      <p:ext uri="{BB962C8B-B14F-4D97-AF65-F5344CB8AC3E}">
+        <p14:creationId xmlns:p14="http://schemas.microsoft.com/office/powerpoint/2010/main" val="4290351292"/>
       </p:ext>
     </p:extLst>
   </p:cSld>
@@ -685,7 +1491,7 @@
     </p:spTree>
     <p:extLst>
       <p:ext uri="{BB962C8B-B14F-4D97-AF65-F5344CB8AC3E}">
-        <p14:creationId xmlns:p14="http://schemas.microsoft.com/office/powerpoint/2010/main" val="1511746403"/>
+        <p14:creationId xmlns:p14="http://schemas.microsoft.com/office/powerpoint/2010/main" val="81755270"/>
       </p:ext>
     </p:extLst>
   </p:cSld>
@@ -751,7 +1557,7 @@
     </p:spTree>
     <p:extLst>
       <p:ext uri="{BB962C8B-B14F-4D97-AF65-F5344CB8AC3E}">
-        <p14:creationId xmlns:p14="http://schemas.microsoft.com/office/powerpoint/2010/main" val="585304384"/>
+        <p14:creationId xmlns:p14="http://schemas.microsoft.com/office/powerpoint/2010/main" val="1331968665"/>
       </p:ext>
     </p:extLst>
   </p:cSld>
@@ -817,7 +1623,7 @@
     </p:spTree>
     <p:extLst>
       <p:ext uri="{BB962C8B-B14F-4D97-AF65-F5344CB8AC3E}">
-        <p14:creationId xmlns:p14="http://schemas.microsoft.com/office/powerpoint/2010/main" val="2709569597"/>
+        <p14:creationId xmlns:p14="http://schemas.microsoft.com/office/powerpoint/2010/main" val="856395155"/>
       </p:ext>
     </p:extLst>
   </p:cSld>
@@ -883,7 +1689,7 @@
     </p:spTree>
     <p:extLst>
       <p:ext uri="{BB962C8B-B14F-4D97-AF65-F5344CB8AC3E}">
-        <p14:creationId xmlns:p14="http://schemas.microsoft.com/office/powerpoint/2010/main" val="2296249050"/>
+        <p14:creationId xmlns:p14="http://schemas.microsoft.com/office/powerpoint/2010/main" val="1362187292"/>
       </p:ext>
     </p:extLst>
   </p:cSld>
@@ -949,7 +1755,139 @@
     </p:spTree>
     <p:extLst>
       <p:ext uri="{BB962C8B-B14F-4D97-AF65-F5344CB8AC3E}">
-        <p14:creationId xmlns:p14="http://schemas.microsoft.com/office/powerpoint/2010/main" val="4290351292"/>
+        <p14:creationId xmlns:p14="http://schemas.microsoft.com/office/powerpoint/2010/main" val="1745742547"/>
+      </p:ext>
+    </p:extLst>
+  </p:cSld>
+  <p:clrMapOvr>
+    <a:masterClrMapping/>
+  </p:clrMapOvr>
+</p:notes>
+</file>
+
+<file path=ppt/notesSlides/notesSlide8.xml><?xml version="1.0" encoding="utf-8"?>
+<p:notes xmlns:a="http://schemas.openxmlformats.org/drawingml/2006/main" xmlns:r="http://schemas.openxmlformats.org/officeDocument/2006/relationships" xmlns:p="http://schemas.openxmlformats.org/presentationml/2006/main">
+  <p:cSld>
+    <p:spTree>
+      <p:nvGrpSpPr>
+        <p:cNvPr id="1" name=""/>
+        <p:cNvGrpSpPr/>
+        <p:nvPr/>
+      </p:nvGrpSpPr>
+      <p:grpSpPr>
+        <a:xfrm>
+          <a:off x="0" y="0"/>
+          <a:ext cx="0" cy="0"/>
+          <a:chOff x="0" y="0"/>
+          <a:chExt cx="0" cy="0"/>
+        </a:xfrm>
+      </p:grpSpPr>
+      <p:sp>
+        <p:nvSpPr>
+          <p:cNvPr id="2" name="Espaço Reservado para Imagem de Slide 1"/>
+          <p:cNvSpPr>
+            <a:spLocks noGrp="1" noRot="1" noChangeAspect="1"/>
+          </p:cNvSpPr>
+          <p:nvPr>
+            <p:ph type="sldImg"/>
+          </p:nvPr>
+        </p:nvSpPr>
+        <p:spPr>
+          <a:xfrm>
+            <a:off x="381000" y="685800"/>
+            <a:ext cx="6096000" cy="3429000"/>
+          </a:xfrm>
+        </p:spPr>
+      </p:sp>
+      <p:sp>
+        <p:nvSpPr>
+          <p:cNvPr id="3" name="Espaço Reservado para Anotações 2"/>
+          <p:cNvSpPr>
+            <a:spLocks noGrp="1"/>
+          </p:cNvSpPr>
+          <p:nvPr>
+            <p:ph type="body" idx="1"/>
+          </p:nvPr>
+        </p:nvSpPr>
+        <p:spPr/>
+        <p:txBody>
+          <a:bodyPr/>
+          <a:lstStyle/>
+          <a:p>
+            <a:endParaRPr lang="pt-BR" dirty="0"/>
+          </a:p>
+        </p:txBody>
+      </p:sp>
+    </p:spTree>
+    <p:extLst>
+      <p:ext uri="{BB962C8B-B14F-4D97-AF65-F5344CB8AC3E}">
+        <p14:creationId xmlns:p14="http://schemas.microsoft.com/office/powerpoint/2010/main" val="410716295"/>
+      </p:ext>
+    </p:extLst>
+  </p:cSld>
+  <p:clrMapOvr>
+    <a:masterClrMapping/>
+  </p:clrMapOvr>
+</p:notes>
+</file>
+
+<file path=ppt/notesSlides/notesSlide9.xml><?xml version="1.0" encoding="utf-8"?>
+<p:notes xmlns:a="http://schemas.openxmlformats.org/drawingml/2006/main" xmlns:r="http://schemas.openxmlformats.org/officeDocument/2006/relationships" xmlns:p="http://schemas.openxmlformats.org/presentationml/2006/main">
+  <p:cSld>
+    <p:spTree>
+      <p:nvGrpSpPr>
+        <p:cNvPr id="1" name=""/>
+        <p:cNvGrpSpPr/>
+        <p:nvPr/>
+      </p:nvGrpSpPr>
+      <p:grpSpPr>
+        <a:xfrm>
+          <a:off x="0" y="0"/>
+          <a:ext cx="0" cy="0"/>
+          <a:chOff x="0" y="0"/>
+          <a:chExt cx="0" cy="0"/>
+        </a:xfrm>
+      </p:grpSpPr>
+      <p:sp>
+        <p:nvSpPr>
+          <p:cNvPr id="2" name="Espaço Reservado para Imagem de Slide 1"/>
+          <p:cNvSpPr>
+            <a:spLocks noGrp="1" noRot="1" noChangeAspect="1"/>
+          </p:cNvSpPr>
+          <p:nvPr>
+            <p:ph type="sldImg"/>
+          </p:nvPr>
+        </p:nvSpPr>
+        <p:spPr>
+          <a:xfrm>
+            <a:off x="381000" y="685800"/>
+            <a:ext cx="6096000" cy="3429000"/>
+          </a:xfrm>
+        </p:spPr>
+      </p:sp>
+      <p:sp>
+        <p:nvSpPr>
+          <p:cNvPr id="3" name="Espaço Reservado para Anotações 2"/>
+          <p:cNvSpPr>
+            <a:spLocks noGrp="1"/>
+          </p:cNvSpPr>
+          <p:nvPr>
+            <p:ph type="body" idx="1"/>
+          </p:nvPr>
+        </p:nvSpPr>
+        <p:spPr/>
+        <p:txBody>
+          <a:bodyPr/>
+          <a:lstStyle/>
+          <a:p>
+            <a:endParaRPr lang="pt-BR" dirty="0"/>
+          </a:p>
+        </p:txBody>
+      </p:sp>
+    </p:spTree>
+    <p:extLst>
+      <p:ext uri="{BB962C8B-B14F-4D97-AF65-F5344CB8AC3E}">
+        <p14:creationId xmlns:p14="http://schemas.microsoft.com/office/powerpoint/2010/main" val="656512511"/>
       </p:ext>
     </p:extLst>
   </p:cSld>
@@ -3896,6 +4834,3129 @@
 </p:sld>
 </file>
 
+<file path=ppt/slides/slide10.xml><?xml version="1.0" encoding="utf-8"?>
+<p:sld xmlns:a="http://schemas.openxmlformats.org/drawingml/2006/main" xmlns:r="http://schemas.openxmlformats.org/officeDocument/2006/relationships" xmlns:p="http://schemas.openxmlformats.org/presentationml/2006/main">
+  <p:cSld>
+    <p:spTree>
+      <p:nvGrpSpPr>
+        <p:cNvPr id="1" name=""/>
+        <p:cNvGrpSpPr/>
+        <p:nvPr/>
+      </p:nvGrpSpPr>
+      <p:grpSpPr>
+        <a:xfrm>
+          <a:off x="0" y="0"/>
+          <a:ext cx="0" cy="0"/>
+          <a:chOff x="0" y="0"/>
+          <a:chExt cx="0" cy="0"/>
+        </a:xfrm>
+      </p:grpSpPr>
+      <p:sp>
+        <p:nvSpPr>
+          <p:cNvPr id="6" name="Title 1"/>
+          <p:cNvSpPr>
+            <a:spLocks noGrp="1"/>
+          </p:cNvSpPr>
+          <p:nvPr>
+            <p:ph type="title"/>
+          </p:nvPr>
+        </p:nvSpPr>
+        <p:spPr>
+          <a:xfrm>
+            <a:off x="457200" y="205980"/>
+            <a:ext cx="8229600" cy="857251"/>
+          </a:xfrm>
+        </p:spPr>
+        <p:txBody>
+          <a:bodyPr>
+            <a:normAutofit/>
+          </a:bodyPr>
+          <a:lstStyle/>
+          <a:p>
+            <a:r>
+              <a:rPr lang="en-US" b="1" dirty="0">
+                <a:solidFill>
+                  <a:srgbClr val="0070C0"/>
+                </a:solidFill>
+              </a:rPr>
+              <a:t>Display LCD</a:t>
+            </a:r>
+          </a:p>
+        </p:txBody>
+      </p:sp>
+      <p:sp>
+        <p:nvSpPr>
+          <p:cNvPr id="8" name="Text Placeholder 2"/>
+          <p:cNvSpPr>
+            <a:spLocks noGrp="1"/>
+          </p:cNvSpPr>
+          <p:nvPr>
+            <p:ph type="body" sz="half" idx="1"/>
+          </p:nvPr>
+        </p:nvSpPr>
+        <p:spPr>
+          <a:xfrm>
+            <a:off x="142865" y="965915"/>
+            <a:ext cx="8865056" cy="3971605"/>
+          </a:xfrm>
+        </p:spPr>
+        <p:txBody>
+          <a:bodyPr>
+            <a:noAutofit/>
+          </a:bodyPr>
+          <a:lstStyle/>
+          <a:p>
+            <a:pPr marL="0" indent="0" algn="just">
+              <a:buNone/>
+            </a:pPr>
+            <a:r>
+              <a:rPr lang="pt-BR" sz="2000" b="1" dirty="0">
+                <a:solidFill>
+                  <a:schemeClr val="tx1"/>
+                </a:solidFill>
+                <a:latin typeface="Times New Roman" panose="02020603050405020304" pitchFamily="18" charset="0"/>
+                <a:cs typeface="Times New Roman" panose="02020603050405020304" pitchFamily="18" charset="0"/>
+              </a:rPr>
+              <a:t>Display LCD 16x2 c/ Back Azul e Módulo Serial I2C (</a:t>
+            </a:r>
+            <a:r>
+              <a:rPr lang="pt-BR" sz="2000" b="1" dirty="0">
+                <a:solidFill>
+                  <a:srgbClr val="FF0000"/>
+                </a:solidFill>
+                <a:latin typeface="Times New Roman" panose="02020603050405020304" pitchFamily="18" charset="0"/>
+                <a:cs typeface="Times New Roman" panose="02020603050405020304" pitchFamily="18" charset="0"/>
+              </a:rPr>
+              <a:t>Philips</a:t>
+            </a:r>
+            <a:r>
+              <a:rPr lang="pt-BR" sz="2000" b="1" dirty="0">
+                <a:solidFill>
+                  <a:schemeClr val="tx1"/>
+                </a:solidFill>
+                <a:latin typeface="Times New Roman" panose="02020603050405020304" pitchFamily="18" charset="0"/>
+                <a:cs typeface="Times New Roman" panose="02020603050405020304" pitchFamily="18" charset="0"/>
+              </a:rPr>
+              <a:t>)</a:t>
+            </a:r>
+          </a:p>
+          <a:p>
+            <a:pPr marL="0" indent="0" algn="just">
+              <a:buNone/>
+            </a:pPr>
+            <a:endParaRPr lang="pt-BR" sz="2000" dirty="0">
+              <a:solidFill>
+                <a:schemeClr val="tx1"/>
+              </a:solidFill>
+              <a:latin typeface="Times New Roman" panose="02020603050405020304" pitchFamily="18" charset="0"/>
+              <a:cs typeface="Times New Roman" panose="02020603050405020304" pitchFamily="18" charset="0"/>
+            </a:endParaRPr>
+          </a:p>
+          <a:p>
+            <a:pPr marL="0" indent="0" algn="just">
+              <a:buNone/>
+            </a:pPr>
+            <a:r>
+              <a:rPr lang="pt-BR" sz="2000" dirty="0">
+                <a:solidFill>
+                  <a:schemeClr val="tx1"/>
+                </a:solidFill>
+                <a:latin typeface="Times New Roman" panose="02020603050405020304" pitchFamily="18" charset="0"/>
+                <a:cs typeface="Times New Roman" panose="02020603050405020304" pitchFamily="18" charset="0"/>
+              </a:rPr>
+              <a:t>Quantidade de pinos disponíveis no Arduino é limitada, pois após </a:t>
+            </a:r>
+            <a:r>
+              <a:rPr lang="pt-BR" sz="2000" b="1" dirty="0">
+                <a:solidFill>
+                  <a:schemeClr val="tx1"/>
+                </a:solidFill>
+                <a:latin typeface="Times New Roman" panose="02020603050405020304" pitchFamily="18" charset="0"/>
+                <a:cs typeface="Times New Roman" panose="02020603050405020304" pitchFamily="18" charset="0"/>
+              </a:rPr>
+              <a:t>conectar display e sensores</a:t>
+            </a:r>
+            <a:r>
+              <a:rPr lang="pt-BR" sz="2000" dirty="0">
+                <a:solidFill>
+                  <a:schemeClr val="tx1"/>
+                </a:solidFill>
+                <a:latin typeface="Times New Roman" panose="02020603050405020304" pitchFamily="18" charset="0"/>
+                <a:cs typeface="Times New Roman" panose="02020603050405020304" pitchFamily="18" charset="0"/>
+              </a:rPr>
+              <a:t> sobram poucos pinos para uso.</a:t>
+            </a:r>
+          </a:p>
+          <a:p>
+            <a:pPr marL="0" indent="0" algn="just">
+              <a:buNone/>
+            </a:pPr>
+            <a:endParaRPr lang="pt-BR" sz="2000" dirty="0">
+              <a:solidFill>
+                <a:schemeClr val="tx1"/>
+              </a:solidFill>
+              <a:latin typeface="Times New Roman" panose="02020603050405020304" pitchFamily="18" charset="0"/>
+              <a:cs typeface="Times New Roman" panose="02020603050405020304" pitchFamily="18" charset="0"/>
+            </a:endParaRPr>
+          </a:p>
+          <a:p>
+            <a:pPr marL="0" indent="0" algn="just">
+              <a:buNone/>
+            </a:pPr>
+            <a:r>
+              <a:rPr lang="pt-BR" sz="2000" dirty="0">
+                <a:solidFill>
+                  <a:schemeClr val="tx1"/>
+                </a:solidFill>
+                <a:latin typeface="Times New Roman" panose="02020603050405020304" pitchFamily="18" charset="0"/>
+                <a:cs typeface="Times New Roman" panose="02020603050405020304" pitchFamily="18" charset="0"/>
+              </a:rPr>
+              <a:t>Existe um </a:t>
+            </a:r>
+            <a:r>
+              <a:rPr lang="pt-BR" sz="2000" b="1" dirty="0">
+                <a:solidFill>
+                  <a:schemeClr val="tx1"/>
+                </a:solidFill>
+                <a:latin typeface="Times New Roman" panose="02020603050405020304" pitchFamily="18" charset="0"/>
+                <a:cs typeface="Times New Roman" panose="02020603050405020304" pitchFamily="18" charset="0"/>
+              </a:rPr>
+              <a:t>módulo de interface I2C</a:t>
+            </a:r>
+            <a:r>
+              <a:rPr lang="pt-BR" sz="2000" dirty="0">
+                <a:solidFill>
+                  <a:schemeClr val="tx1"/>
+                </a:solidFill>
+                <a:latin typeface="Times New Roman" panose="02020603050405020304" pitchFamily="18" charset="0"/>
+                <a:cs typeface="Times New Roman" panose="02020603050405020304" pitchFamily="18" charset="0"/>
+              </a:rPr>
+              <a:t> aonde pode controlar o display </a:t>
+            </a:r>
+            <a:r>
+              <a:rPr lang="pt-BR" sz="2000" dirty="0" err="1">
+                <a:solidFill>
+                  <a:schemeClr val="tx1"/>
+                </a:solidFill>
+                <a:latin typeface="Times New Roman" panose="02020603050405020304" pitchFamily="18" charset="0"/>
+                <a:cs typeface="Times New Roman" panose="02020603050405020304" pitchFamily="18" charset="0"/>
+              </a:rPr>
+              <a:t>lcd</a:t>
+            </a:r>
+            <a:r>
+              <a:rPr lang="pt-BR" sz="2000" dirty="0">
+                <a:solidFill>
+                  <a:schemeClr val="tx1"/>
+                </a:solidFill>
+                <a:latin typeface="Times New Roman" panose="02020603050405020304" pitchFamily="18" charset="0"/>
+                <a:cs typeface="Times New Roman" panose="02020603050405020304" pitchFamily="18" charset="0"/>
+              </a:rPr>
+              <a:t> usando apenas 2 pinos de dados (</a:t>
+            </a:r>
+            <a:r>
+              <a:rPr lang="pt-BR" sz="2000" b="1" dirty="0">
+                <a:solidFill>
+                  <a:srgbClr val="FF0000"/>
+                </a:solidFill>
+                <a:latin typeface="Times New Roman" panose="02020603050405020304" pitchFamily="18" charset="0"/>
+                <a:cs typeface="Times New Roman" panose="02020603050405020304" pitchFamily="18" charset="0"/>
+              </a:rPr>
+              <a:t>SDA, </a:t>
+            </a:r>
+            <a:r>
+              <a:rPr lang="pt-BR" sz="2000" b="1" dirty="0">
+                <a:solidFill>
+                  <a:schemeClr val="tx1"/>
+                </a:solidFill>
+                <a:latin typeface="Times New Roman" panose="02020603050405020304" pitchFamily="18" charset="0"/>
+                <a:cs typeface="Times New Roman" panose="02020603050405020304" pitchFamily="18" charset="0"/>
+              </a:rPr>
+              <a:t>serial data</a:t>
+            </a:r>
+            <a:r>
+              <a:rPr lang="pt-BR" sz="2000" b="1" dirty="0">
+                <a:solidFill>
+                  <a:srgbClr val="FF0000"/>
+                </a:solidFill>
+                <a:latin typeface="Times New Roman" panose="02020603050405020304" pitchFamily="18" charset="0"/>
+                <a:cs typeface="Times New Roman" panose="02020603050405020304" pitchFamily="18" charset="0"/>
+              </a:rPr>
+              <a:t> e SCL, </a:t>
+            </a:r>
+            <a:r>
+              <a:rPr lang="pt-BR" sz="2000" b="1" dirty="0">
+                <a:solidFill>
+                  <a:schemeClr val="tx1"/>
+                </a:solidFill>
+                <a:latin typeface="Times New Roman" panose="02020603050405020304" pitchFamily="18" charset="0"/>
+                <a:cs typeface="Times New Roman" panose="02020603050405020304" pitchFamily="18" charset="0"/>
+              </a:rPr>
+              <a:t>serial </a:t>
+            </a:r>
+            <a:r>
+              <a:rPr lang="pt-BR" sz="2000" b="1" dirty="0" err="1">
+                <a:solidFill>
+                  <a:schemeClr val="tx1"/>
+                </a:solidFill>
+                <a:latin typeface="Times New Roman" panose="02020603050405020304" pitchFamily="18" charset="0"/>
+                <a:cs typeface="Times New Roman" panose="02020603050405020304" pitchFamily="18" charset="0"/>
+              </a:rPr>
+              <a:t>clock</a:t>
+            </a:r>
+            <a:r>
+              <a:rPr lang="pt-BR" sz="2000" dirty="0">
+                <a:solidFill>
+                  <a:schemeClr val="tx1"/>
+                </a:solidFill>
+                <a:latin typeface="Times New Roman" panose="02020603050405020304" pitchFamily="18" charset="0"/>
+                <a:cs typeface="Times New Roman" panose="02020603050405020304" pitchFamily="18" charset="0"/>
+              </a:rPr>
+              <a:t>).</a:t>
+            </a:r>
+          </a:p>
+          <a:p>
+            <a:pPr marL="0" indent="0" algn="just">
+              <a:buNone/>
+            </a:pPr>
+            <a:endParaRPr lang="pt-BR" sz="2000" dirty="0">
+              <a:solidFill>
+                <a:schemeClr val="tx1"/>
+              </a:solidFill>
+              <a:latin typeface="Times New Roman" panose="02020603050405020304" pitchFamily="18" charset="0"/>
+              <a:cs typeface="Times New Roman" panose="02020603050405020304" pitchFamily="18" charset="0"/>
+            </a:endParaRPr>
+          </a:p>
+          <a:p>
+            <a:pPr marL="0" indent="0" algn="just">
+              <a:buNone/>
+            </a:pPr>
+            <a:r>
+              <a:rPr lang="pt-BR" sz="2000" dirty="0">
+                <a:solidFill>
+                  <a:schemeClr val="tx1"/>
+                </a:solidFill>
+                <a:latin typeface="Times New Roman" panose="02020603050405020304" pitchFamily="18" charset="0"/>
+                <a:cs typeface="Times New Roman" panose="02020603050405020304" pitchFamily="18" charset="0"/>
+              </a:rPr>
+              <a:t>			</a:t>
+            </a:r>
+            <a:r>
+              <a:rPr lang="pt-BR" sz="2000" dirty="0">
+                <a:solidFill>
+                  <a:schemeClr val="tx1"/>
+                </a:solidFill>
+                <a:latin typeface="Times New Roman" panose="02020603050405020304" pitchFamily="18" charset="0"/>
+                <a:cs typeface="Times New Roman" panose="02020603050405020304" pitchFamily="18" charset="0"/>
+                <a:hlinkClick r:id="rId3"/>
+              </a:rPr>
+              <a:t>https://youtu.be/ptQrPmuGtBo</a:t>
+            </a:r>
+            <a:endParaRPr lang="pt-BR" sz="2000" dirty="0">
+              <a:solidFill>
+                <a:schemeClr val="tx1"/>
+              </a:solidFill>
+              <a:latin typeface="Times New Roman" panose="02020603050405020304" pitchFamily="18" charset="0"/>
+              <a:cs typeface="Times New Roman" panose="02020603050405020304" pitchFamily="18" charset="0"/>
+            </a:endParaRPr>
+          </a:p>
+          <a:p>
+            <a:pPr marL="0" indent="0" algn="just">
+              <a:buNone/>
+            </a:pPr>
+            <a:endParaRPr lang="pt-BR" sz="2000" dirty="0">
+              <a:solidFill>
+                <a:schemeClr val="tx1"/>
+              </a:solidFill>
+              <a:latin typeface="Times New Roman" panose="02020603050405020304" pitchFamily="18" charset="0"/>
+              <a:cs typeface="Times New Roman" panose="02020603050405020304" pitchFamily="18" charset="0"/>
+            </a:endParaRPr>
+          </a:p>
+          <a:p>
+            <a:pPr marL="0" indent="0" algn="just">
+              <a:buNone/>
+            </a:pPr>
+            <a:endParaRPr lang="pt-BR" sz="2000" dirty="0">
+              <a:solidFill>
+                <a:schemeClr val="tx1"/>
+              </a:solidFill>
+              <a:latin typeface="Times New Roman" panose="02020603050405020304" pitchFamily="18" charset="0"/>
+              <a:cs typeface="Times New Roman" panose="02020603050405020304" pitchFamily="18" charset="0"/>
+            </a:endParaRPr>
+          </a:p>
+        </p:txBody>
+      </p:sp>
+    </p:spTree>
+    <p:extLst>
+      <p:ext uri="{BB962C8B-B14F-4D97-AF65-F5344CB8AC3E}">
+        <p14:creationId xmlns:p14="http://schemas.microsoft.com/office/powerpoint/2010/main" val="2940405668"/>
+      </p:ext>
+    </p:extLst>
+  </p:cSld>
+  <p:clrMapOvr>
+    <a:masterClrMapping/>
+  </p:clrMapOvr>
+  <p:transition spd="med"/>
+</p:sld>
+</file>
+
+<file path=ppt/slides/slide11.xml><?xml version="1.0" encoding="utf-8"?>
+<p:sld xmlns:a="http://schemas.openxmlformats.org/drawingml/2006/main" xmlns:r="http://schemas.openxmlformats.org/officeDocument/2006/relationships" xmlns:p="http://schemas.openxmlformats.org/presentationml/2006/main">
+  <p:cSld>
+    <p:spTree>
+      <p:nvGrpSpPr>
+        <p:cNvPr id="1" name=""/>
+        <p:cNvGrpSpPr/>
+        <p:nvPr/>
+      </p:nvGrpSpPr>
+      <p:grpSpPr>
+        <a:xfrm>
+          <a:off x="0" y="0"/>
+          <a:ext cx="0" cy="0"/>
+          <a:chOff x="0" y="0"/>
+          <a:chExt cx="0" cy="0"/>
+        </a:xfrm>
+      </p:grpSpPr>
+      <p:sp>
+        <p:nvSpPr>
+          <p:cNvPr id="6" name="Title 1"/>
+          <p:cNvSpPr>
+            <a:spLocks noGrp="1"/>
+          </p:cNvSpPr>
+          <p:nvPr>
+            <p:ph type="title"/>
+          </p:nvPr>
+        </p:nvSpPr>
+        <p:spPr>
+          <a:xfrm>
+            <a:off x="457200" y="205980"/>
+            <a:ext cx="8229600" cy="857251"/>
+          </a:xfrm>
+        </p:spPr>
+        <p:txBody>
+          <a:bodyPr>
+            <a:normAutofit/>
+          </a:bodyPr>
+          <a:lstStyle/>
+          <a:p>
+            <a:r>
+              <a:rPr lang="en-US" b="1" dirty="0">
+                <a:solidFill>
+                  <a:srgbClr val="0070C0"/>
+                </a:solidFill>
+              </a:rPr>
+              <a:t>Displays </a:t>
+            </a:r>
+            <a:r>
+              <a:rPr lang="en-US" b="1" dirty="0" err="1">
+                <a:solidFill>
+                  <a:srgbClr val="0070C0"/>
+                </a:solidFill>
+              </a:rPr>
+              <a:t>Alfanuméricos</a:t>
+            </a:r>
+            <a:r>
+              <a:rPr lang="en-US" b="1" dirty="0">
+                <a:solidFill>
+                  <a:srgbClr val="0070C0"/>
+                </a:solidFill>
+              </a:rPr>
+              <a:t> (LCD)</a:t>
+            </a:r>
+          </a:p>
+        </p:txBody>
+      </p:sp>
+      <p:sp>
+        <p:nvSpPr>
+          <p:cNvPr id="8" name="Text Placeholder 2"/>
+          <p:cNvSpPr>
+            <a:spLocks noGrp="1"/>
+          </p:cNvSpPr>
+          <p:nvPr>
+            <p:ph type="body" sz="half" idx="1"/>
+          </p:nvPr>
+        </p:nvSpPr>
+        <p:spPr>
+          <a:xfrm>
+            <a:off x="142865" y="965915"/>
+            <a:ext cx="8865056" cy="3971605"/>
+          </a:xfrm>
+        </p:spPr>
+        <p:txBody>
+          <a:bodyPr>
+            <a:noAutofit/>
+          </a:bodyPr>
+          <a:lstStyle/>
+          <a:p>
+            <a:pPr marL="0" indent="0" algn="just">
+              <a:buNone/>
+            </a:pPr>
+            <a:r>
+              <a:rPr lang="pt-BR" sz="2000" dirty="0">
+                <a:solidFill>
+                  <a:schemeClr val="tx1"/>
+                </a:solidFill>
+                <a:latin typeface="Times New Roman" panose="02020603050405020304" pitchFamily="18" charset="0"/>
+                <a:cs typeface="Times New Roman" panose="02020603050405020304" pitchFamily="18" charset="0"/>
+              </a:rPr>
+              <a:t>Os </a:t>
+            </a:r>
+            <a:r>
+              <a:rPr lang="pt-BR" sz="2000" b="1" dirty="0">
+                <a:solidFill>
+                  <a:schemeClr val="tx1"/>
+                </a:solidFill>
+                <a:latin typeface="Times New Roman" panose="02020603050405020304" pitchFamily="18" charset="0"/>
+                <a:cs typeface="Times New Roman" panose="02020603050405020304" pitchFamily="18" charset="0"/>
+              </a:rPr>
+              <a:t>Displays LCD de Alfanuméricos</a:t>
+            </a:r>
+            <a:r>
+              <a:rPr lang="pt-BR" sz="2000" dirty="0">
+                <a:solidFill>
+                  <a:schemeClr val="tx1"/>
+                </a:solidFill>
+                <a:latin typeface="Times New Roman" panose="02020603050405020304" pitchFamily="18" charset="0"/>
+                <a:cs typeface="Times New Roman" panose="02020603050405020304" pitchFamily="18" charset="0"/>
+              </a:rPr>
+              <a:t> tem a função de responder a um comando do usuário com caracteres alfanuméricos. </a:t>
+            </a:r>
+          </a:p>
+          <a:p>
+            <a:pPr marL="0" indent="0" algn="just">
+              <a:buNone/>
+            </a:pPr>
+            <a:endParaRPr lang="pt-BR" sz="2000" dirty="0">
+              <a:solidFill>
+                <a:schemeClr val="tx1"/>
+              </a:solidFill>
+              <a:latin typeface="Times New Roman" panose="02020603050405020304" pitchFamily="18" charset="0"/>
+              <a:cs typeface="Times New Roman" panose="02020603050405020304" pitchFamily="18" charset="0"/>
+            </a:endParaRPr>
+          </a:p>
+          <a:p>
+            <a:pPr marL="0" indent="0" algn="just">
+              <a:buNone/>
+            </a:pPr>
+            <a:r>
+              <a:rPr lang="pt-BR" sz="2000" dirty="0">
+                <a:solidFill>
+                  <a:schemeClr val="tx1"/>
+                </a:solidFill>
+                <a:latin typeface="Times New Roman" panose="02020603050405020304" pitchFamily="18" charset="0"/>
+                <a:cs typeface="Times New Roman" panose="02020603050405020304" pitchFamily="18" charset="0"/>
+              </a:rPr>
+              <a:t>Os modelos podem ser com </a:t>
+            </a:r>
+            <a:r>
+              <a:rPr lang="pt-BR" sz="2000" b="1" dirty="0" err="1">
+                <a:solidFill>
+                  <a:schemeClr val="tx1"/>
+                </a:solidFill>
+                <a:latin typeface="Times New Roman" panose="02020603050405020304" pitchFamily="18" charset="0"/>
+                <a:cs typeface="Times New Roman" panose="02020603050405020304" pitchFamily="18" charset="0"/>
+              </a:rPr>
+              <a:t>Backlight</a:t>
+            </a:r>
+            <a:r>
+              <a:rPr lang="pt-BR" sz="2000" dirty="0">
+                <a:solidFill>
+                  <a:schemeClr val="tx1"/>
+                </a:solidFill>
+                <a:latin typeface="Times New Roman" panose="02020603050405020304" pitchFamily="18" charset="0"/>
+                <a:cs typeface="Times New Roman" panose="02020603050405020304" pitchFamily="18" charset="0"/>
+              </a:rPr>
+              <a:t> ou </a:t>
+            </a:r>
+            <a:r>
+              <a:rPr lang="pt-BR" sz="2000" b="1" dirty="0">
+                <a:solidFill>
+                  <a:srgbClr val="FF0000"/>
+                </a:solidFill>
+                <a:latin typeface="Times New Roman" panose="02020603050405020304" pitchFamily="18" charset="0"/>
+                <a:cs typeface="Times New Roman" panose="02020603050405020304" pitchFamily="18" charset="0"/>
+              </a:rPr>
+              <a:t>Sem </a:t>
+            </a:r>
+            <a:r>
+              <a:rPr lang="pt-BR" sz="2000" b="1" dirty="0" err="1">
+                <a:solidFill>
+                  <a:srgbClr val="FF0000"/>
+                </a:solidFill>
+                <a:latin typeface="Times New Roman" panose="02020603050405020304" pitchFamily="18" charset="0"/>
+                <a:cs typeface="Times New Roman" panose="02020603050405020304" pitchFamily="18" charset="0"/>
+              </a:rPr>
+              <a:t>Backlight</a:t>
+            </a:r>
+            <a:r>
+              <a:rPr lang="pt-BR" sz="2000" dirty="0">
+                <a:solidFill>
+                  <a:schemeClr val="tx1"/>
+                </a:solidFill>
+                <a:latin typeface="Times New Roman" panose="02020603050405020304" pitchFamily="18" charset="0"/>
+                <a:cs typeface="Times New Roman" panose="02020603050405020304" pitchFamily="18" charset="0"/>
+              </a:rPr>
+              <a:t>, que é a </a:t>
+            </a:r>
+            <a:r>
+              <a:rPr lang="pt-BR" sz="2000" b="1" dirty="0">
+                <a:solidFill>
+                  <a:schemeClr val="tx1"/>
+                </a:solidFill>
+                <a:latin typeface="Times New Roman" panose="02020603050405020304" pitchFamily="18" charset="0"/>
+                <a:cs typeface="Times New Roman" panose="02020603050405020304" pitchFamily="18" charset="0"/>
+              </a:rPr>
+              <a:t>luz de fundo no display</a:t>
+            </a:r>
+            <a:r>
+              <a:rPr lang="pt-BR" sz="2000" dirty="0">
+                <a:solidFill>
+                  <a:schemeClr val="tx1"/>
+                </a:solidFill>
+                <a:latin typeface="Times New Roman" panose="02020603050405020304" pitchFamily="18" charset="0"/>
+                <a:cs typeface="Times New Roman" panose="02020603050405020304" pitchFamily="18" charset="0"/>
+              </a:rPr>
+              <a:t>, permitindo a leitura em ambientes com baixa luminosidade, como por exemplo o </a:t>
+            </a:r>
+            <a:r>
+              <a:rPr lang="pt-BR" sz="2000" b="1" dirty="0">
+                <a:solidFill>
+                  <a:schemeClr val="tx1"/>
+                </a:solidFill>
+                <a:latin typeface="Times New Roman" panose="02020603050405020304" pitchFamily="18" charset="0"/>
+                <a:cs typeface="Times New Roman" panose="02020603050405020304" pitchFamily="18" charset="0"/>
+              </a:rPr>
+              <a:t>Display de 16x2</a:t>
+            </a:r>
+            <a:r>
+              <a:rPr lang="pt-BR" sz="2000" dirty="0">
+                <a:solidFill>
+                  <a:schemeClr val="tx1"/>
+                </a:solidFill>
+                <a:latin typeface="Times New Roman" panose="02020603050405020304" pitchFamily="18" charset="0"/>
+                <a:cs typeface="Times New Roman" panose="02020603050405020304" pitchFamily="18" charset="0"/>
+              </a:rPr>
+              <a:t> (16 colunas e 2 linhas).</a:t>
+            </a:r>
+          </a:p>
+          <a:p>
+            <a:pPr marL="0" indent="0" algn="just">
+              <a:buNone/>
+            </a:pPr>
+            <a:endParaRPr lang="pt-BR" sz="2000" dirty="0">
+              <a:solidFill>
+                <a:schemeClr val="tx1"/>
+              </a:solidFill>
+              <a:latin typeface="Times New Roman" panose="02020603050405020304" pitchFamily="18" charset="0"/>
+              <a:cs typeface="Times New Roman" panose="02020603050405020304" pitchFamily="18" charset="0"/>
+            </a:endParaRPr>
+          </a:p>
+          <a:p>
+            <a:pPr marL="0" indent="0" algn="just">
+              <a:buNone/>
+            </a:pPr>
+            <a:r>
+              <a:rPr lang="pt-BR" sz="2000" b="1" dirty="0">
+                <a:solidFill>
+                  <a:srgbClr val="FF0000"/>
+                </a:solidFill>
+                <a:latin typeface="Times New Roman" panose="02020603050405020304" pitchFamily="18" charset="0"/>
+                <a:cs typeface="Times New Roman" panose="02020603050405020304" pitchFamily="18" charset="0"/>
+              </a:rPr>
+              <a:t>Aplicações</a:t>
+            </a:r>
+            <a:r>
+              <a:rPr lang="pt-BR" sz="2000" dirty="0">
+                <a:solidFill>
+                  <a:schemeClr val="tx1"/>
+                </a:solidFill>
+                <a:latin typeface="Times New Roman" panose="02020603050405020304" pitchFamily="18" charset="0"/>
+                <a:cs typeface="Times New Roman" panose="02020603050405020304" pitchFamily="18" charset="0"/>
+              </a:rPr>
+              <a:t>:</a:t>
+            </a:r>
+          </a:p>
+          <a:p>
+            <a:pPr marL="0" indent="0" algn="just">
+              <a:buNone/>
+            </a:pPr>
+            <a:r>
+              <a:rPr lang="pt-BR" sz="2000" dirty="0">
+                <a:solidFill>
+                  <a:schemeClr val="tx1"/>
+                </a:solidFill>
+                <a:latin typeface="Times New Roman" panose="02020603050405020304" pitchFamily="18" charset="0"/>
+                <a:cs typeface="Times New Roman" panose="02020603050405020304" pitchFamily="18" charset="0"/>
+              </a:rPr>
+              <a:t>Podem ser </a:t>
+            </a:r>
+            <a:r>
+              <a:rPr lang="pt-BR" sz="2000" b="1" dirty="0">
+                <a:solidFill>
+                  <a:schemeClr val="tx1"/>
+                </a:solidFill>
+                <a:latin typeface="Times New Roman" panose="02020603050405020304" pitchFamily="18" charset="0"/>
+                <a:cs typeface="Times New Roman" panose="02020603050405020304" pitchFamily="18" charset="0"/>
+              </a:rPr>
+              <a:t>utilizados em projetos</a:t>
+            </a:r>
+            <a:r>
+              <a:rPr lang="pt-BR" sz="2000" dirty="0">
+                <a:solidFill>
+                  <a:schemeClr val="tx1"/>
+                </a:solidFill>
+                <a:latin typeface="Times New Roman" panose="02020603050405020304" pitchFamily="18" charset="0"/>
+                <a:cs typeface="Times New Roman" panose="02020603050405020304" pitchFamily="18" charset="0"/>
+              </a:rPr>
+              <a:t> em que seja necessário </a:t>
+            </a:r>
+            <a:r>
+              <a:rPr lang="pt-BR" sz="2000" b="1" dirty="0">
+                <a:solidFill>
+                  <a:srgbClr val="FF0000"/>
+                </a:solidFill>
+                <a:latin typeface="Times New Roman" panose="02020603050405020304" pitchFamily="18" charset="0"/>
+                <a:cs typeface="Times New Roman" panose="02020603050405020304" pitchFamily="18" charset="0"/>
+              </a:rPr>
+              <a:t>exibir informações em tempo real</a:t>
+            </a:r>
+            <a:r>
+              <a:rPr lang="pt-BR" sz="2000" dirty="0">
+                <a:solidFill>
+                  <a:schemeClr val="tx1"/>
+                </a:solidFill>
+                <a:latin typeface="Times New Roman" panose="02020603050405020304" pitchFamily="18" charset="0"/>
+                <a:cs typeface="Times New Roman" panose="02020603050405020304" pitchFamily="18" charset="0"/>
+              </a:rPr>
+              <a:t>, como </a:t>
+            </a:r>
+            <a:r>
+              <a:rPr lang="pt-BR" sz="2000" b="1" dirty="0">
+                <a:solidFill>
+                  <a:schemeClr val="tx1"/>
+                </a:solidFill>
+                <a:latin typeface="Times New Roman" panose="02020603050405020304" pitchFamily="18" charset="0"/>
+                <a:cs typeface="Times New Roman" panose="02020603050405020304" pitchFamily="18" charset="0"/>
+              </a:rPr>
+              <a:t>temperatura</a:t>
+            </a:r>
+            <a:r>
+              <a:rPr lang="pt-BR" sz="2000" dirty="0">
+                <a:solidFill>
+                  <a:schemeClr val="tx1"/>
+                </a:solidFill>
+                <a:latin typeface="Times New Roman" panose="02020603050405020304" pitchFamily="18" charset="0"/>
+                <a:cs typeface="Times New Roman" panose="02020603050405020304" pitchFamily="18" charset="0"/>
+              </a:rPr>
+              <a:t>, </a:t>
+            </a:r>
+            <a:r>
+              <a:rPr lang="pt-BR" sz="2000" b="1" dirty="0">
+                <a:solidFill>
+                  <a:schemeClr val="tx1"/>
+                </a:solidFill>
+                <a:latin typeface="Times New Roman" panose="02020603050405020304" pitchFamily="18" charset="0"/>
+                <a:cs typeface="Times New Roman" panose="02020603050405020304" pitchFamily="18" charset="0"/>
+              </a:rPr>
+              <a:t>umidade</a:t>
+            </a:r>
+            <a:r>
+              <a:rPr lang="pt-BR" sz="2000" dirty="0">
+                <a:solidFill>
+                  <a:schemeClr val="tx1"/>
+                </a:solidFill>
+                <a:latin typeface="Times New Roman" panose="02020603050405020304" pitchFamily="18" charset="0"/>
+                <a:cs typeface="Times New Roman" panose="02020603050405020304" pitchFamily="18" charset="0"/>
+              </a:rPr>
+              <a:t>, </a:t>
+            </a:r>
+            <a:r>
+              <a:rPr lang="pt-BR" sz="2000" b="1" dirty="0">
+                <a:solidFill>
+                  <a:schemeClr val="tx1"/>
+                </a:solidFill>
+                <a:latin typeface="Times New Roman" panose="02020603050405020304" pitchFamily="18" charset="0"/>
+                <a:cs typeface="Times New Roman" panose="02020603050405020304" pitchFamily="18" charset="0"/>
+              </a:rPr>
+              <a:t>mensagens de erro</a:t>
+            </a:r>
+            <a:r>
+              <a:rPr lang="pt-BR" sz="2000" dirty="0">
+                <a:solidFill>
+                  <a:schemeClr val="tx1"/>
+                </a:solidFill>
+                <a:latin typeface="Times New Roman" panose="02020603050405020304" pitchFamily="18" charset="0"/>
+                <a:cs typeface="Times New Roman" panose="02020603050405020304" pitchFamily="18" charset="0"/>
+              </a:rPr>
+              <a:t> etc.</a:t>
+            </a:r>
+          </a:p>
+        </p:txBody>
+      </p:sp>
+    </p:spTree>
+    <p:extLst>
+      <p:ext uri="{BB962C8B-B14F-4D97-AF65-F5344CB8AC3E}">
+        <p14:creationId xmlns:p14="http://schemas.microsoft.com/office/powerpoint/2010/main" val="4046209731"/>
+      </p:ext>
+    </p:extLst>
+  </p:cSld>
+  <p:clrMapOvr>
+    <a:masterClrMapping/>
+  </p:clrMapOvr>
+  <p:transition spd="med"/>
+</p:sld>
+</file>
+
+<file path=ppt/slides/slide12.xml><?xml version="1.0" encoding="utf-8"?>
+<p:sld xmlns:a="http://schemas.openxmlformats.org/drawingml/2006/main" xmlns:r="http://schemas.openxmlformats.org/officeDocument/2006/relationships" xmlns:p="http://schemas.openxmlformats.org/presentationml/2006/main">
+  <p:cSld>
+    <p:spTree>
+      <p:nvGrpSpPr>
+        <p:cNvPr id="1" name=""/>
+        <p:cNvGrpSpPr/>
+        <p:nvPr/>
+      </p:nvGrpSpPr>
+      <p:grpSpPr>
+        <a:xfrm>
+          <a:off x="0" y="0"/>
+          <a:ext cx="0" cy="0"/>
+          <a:chOff x="0" y="0"/>
+          <a:chExt cx="0" cy="0"/>
+        </a:xfrm>
+      </p:grpSpPr>
+      <p:sp>
+        <p:nvSpPr>
+          <p:cNvPr id="6" name="Title 1"/>
+          <p:cNvSpPr>
+            <a:spLocks noGrp="1"/>
+          </p:cNvSpPr>
+          <p:nvPr>
+            <p:ph type="title"/>
+          </p:nvPr>
+        </p:nvSpPr>
+        <p:spPr>
+          <a:xfrm>
+            <a:off x="457200" y="205980"/>
+            <a:ext cx="8229600" cy="857251"/>
+          </a:xfrm>
+        </p:spPr>
+        <p:txBody>
+          <a:bodyPr>
+            <a:normAutofit/>
+          </a:bodyPr>
+          <a:lstStyle/>
+          <a:p>
+            <a:r>
+              <a:rPr lang="en-US" b="1" dirty="0">
+                <a:solidFill>
+                  <a:srgbClr val="0070C0"/>
+                </a:solidFill>
+              </a:rPr>
+              <a:t>Displays </a:t>
+            </a:r>
+            <a:r>
+              <a:rPr lang="en-US" b="1" dirty="0" err="1">
+                <a:solidFill>
+                  <a:srgbClr val="0070C0"/>
+                </a:solidFill>
+              </a:rPr>
+              <a:t>Gráficos</a:t>
+            </a:r>
+            <a:r>
+              <a:rPr lang="en-US" b="1" dirty="0">
+                <a:solidFill>
+                  <a:srgbClr val="0070C0"/>
+                </a:solidFill>
+              </a:rPr>
+              <a:t> (LCD)</a:t>
+            </a:r>
+          </a:p>
+        </p:txBody>
+      </p:sp>
+      <p:sp>
+        <p:nvSpPr>
+          <p:cNvPr id="8" name="Text Placeholder 2"/>
+          <p:cNvSpPr>
+            <a:spLocks noGrp="1"/>
+          </p:cNvSpPr>
+          <p:nvPr>
+            <p:ph type="body" sz="half" idx="1"/>
+          </p:nvPr>
+        </p:nvSpPr>
+        <p:spPr>
+          <a:xfrm>
+            <a:off x="142865" y="965915"/>
+            <a:ext cx="8865056" cy="3971605"/>
+          </a:xfrm>
+        </p:spPr>
+        <p:txBody>
+          <a:bodyPr>
+            <a:noAutofit/>
+          </a:bodyPr>
+          <a:lstStyle/>
+          <a:p>
+            <a:pPr marL="0" indent="0" algn="just">
+              <a:buNone/>
+            </a:pPr>
+            <a:r>
+              <a:rPr lang="pt-BR" sz="2000" dirty="0">
+                <a:solidFill>
+                  <a:schemeClr val="tx1"/>
+                </a:solidFill>
+                <a:latin typeface="Times New Roman" panose="02020603050405020304" pitchFamily="18" charset="0"/>
+                <a:cs typeface="Times New Roman" panose="02020603050405020304" pitchFamily="18" charset="0"/>
+              </a:rPr>
+              <a:t>São componentes relativamente baratos e oferecem, dependendo do uso, uma forma mais </a:t>
+            </a:r>
+            <a:r>
+              <a:rPr lang="pt-BR" sz="2000" b="1" dirty="0">
+                <a:solidFill>
+                  <a:schemeClr val="tx1"/>
+                </a:solidFill>
+                <a:latin typeface="Times New Roman" panose="02020603050405020304" pitchFamily="18" charset="0"/>
+                <a:cs typeface="Times New Roman" panose="02020603050405020304" pitchFamily="18" charset="0"/>
+              </a:rPr>
+              <a:t>eficaz do que o serial monitor</a:t>
+            </a:r>
+            <a:r>
+              <a:rPr lang="pt-BR" sz="2000" dirty="0">
+                <a:solidFill>
+                  <a:schemeClr val="tx1"/>
+                </a:solidFill>
+                <a:latin typeface="Times New Roman" panose="02020603050405020304" pitchFamily="18" charset="0"/>
+                <a:cs typeface="Times New Roman" panose="02020603050405020304" pitchFamily="18" charset="0"/>
+              </a:rPr>
+              <a:t> para acompanhamento de dados.</a:t>
+            </a:r>
+          </a:p>
+          <a:p>
+            <a:pPr marL="0" indent="0" algn="just">
+              <a:buNone/>
+            </a:pPr>
+            <a:endParaRPr lang="pt-BR" sz="2000" dirty="0">
+              <a:solidFill>
+                <a:schemeClr val="tx1"/>
+              </a:solidFill>
+              <a:latin typeface="Times New Roman" panose="02020603050405020304" pitchFamily="18" charset="0"/>
+              <a:cs typeface="Times New Roman" panose="02020603050405020304" pitchFamily="18" charset="0"/>
+            </a:endParaRPr>
+          </a:p>
+          <a:p>
+            <a:pPr marL="0" indent="0" algn="just">
+              <a:buNone/>
+            </a:pPr>
+            <a:r>
+              <a:rPr lang="pt-BR" sz="2000" dirty="0">
+                <a:solidFill>
+                  <a:schemeClr val="tx1"/>
+                </a:solidFill>
+                <a:latin typeface="Times New Roman" panose="02020603050405020304" pitchFamily="18" charset="0"/>
+                <a:cs typeface="Times New Roman" panose="02020603050405020304" pitchFamily="18" charset="0"/>
+              </a:rPr>
+              <a:t>O </a:t>
+            </a:r>
+            <a:r>
+              <a:rPr lang="pt-BR" sz="2000" b="1" dirty="0">
+                <a:solidFill>
+                  <a:srgbClr val="FF0000"/>
+                </a:solidFill>
+                <a:latin typeface="Times New Roman" panose="02020603050405020304" pitchFamily="18" charset="0"/>
+                <a:cs typeface="Times New Roman" panose="02020603050405020304" pitchFamily="18" charset="0"/>
+              </a:rPr>
+              <a:t>Display é um dispositivo eletrônico</a:t>
+            </a:r>
+            <a:r>
+              <a:rPr lang="pt-BR" sz="2000" dirty="0">
+                <a:solidFill>
+                  <a:srgbClr val="FF0000"/>
+                </a:solidFill>
+                <a:latin typeface="Times New Roman" panose="02020603050405020304" pitchFamily="18" charset="0"/>
+                <a:cs typeface="Times New Roman" panose="02020603050405020304" pitchFamily="18" charset="0"/>
+              </a:rPr>
+              <a:t> </a:t>
+            </a:r>
+            <a:r>
+              <a:rPr lang="pt-BR" sz="2000" dirty="0">
+                <a:solidFill>
+                  <a:schemeClr val="tx1"/>
+                </a:solidFill>
+                <a:latin typeface="Times New Roman" panose="02020603050405020304" pitchFamily="18" charset="0"/>
+                <a:cs typeface="Times New Roman" panose="02020603050405020304" pitchFamily="18" charset="0"/>
+              </a:rPr>
+              <a:t>que permite a interação visual entre o usuário e a máquina. </a:t>
+            </a:r>
+          </a:p>
+          <a:p>
+            <a:pPr marL="0" indent="0" algn="just">
+              <a:buNone/>
+            </a:pPr>
+            <a:endParaRPr lang="pt-BR" sz="2000" dirty="0">
+              <a:solidFill>
+                <a:schemeClr val="tx1"/>
+              </a:solidFill>
+              <a:latin typeface="Times New Roman" panose="02020603050405020304" pitchFamily="18" charset="0"/>
+              <a:cs typeface="Times New Roman" panose="02020603050405020304" pitchFamily="18" charset="0"/>
+            </a:endParaRPr>
+          </a:p>
+          <a:p>
+            <a:pPr marL="0" indent="0" algn="just">
+              <a:buNone/>
+            </a:pPr>
+            <a:r>
+              <a:rPr lang="pt-BR" sz="2000" dirty="0">
+                <a:solidFill>
+                  <a:schemeClr val="tx1"/>
+                </a:solidFill>
+                <a:latin typeface="Times New Roman" panose="02020603050405020304" pitchFamily="18" charset="0"/>
+                <a:cs typeface="Times New Roman" panose="02020603050405020304" pitchFamily="18" charset="0"/>
+              </a:rPr>
+              <a:t>Display </a:t>
+            </a:r>
+            <a:r>
+              <a:rPr lang="pt-BR" sz="2000" b="1" dirty="0">
+                <a:solidFill>
+                  <a:schemeClr val="tx1"/>
+                </a:solidFill>
+                <a:latin typeface="Times New Roman" panose="02020603050405020304" pitchFamily="18" charset="0"/>
+                <a:cs typeface="Times New Roman" panose="02020603050405020304" pitchFamily="18" charset="0"/>
+              </a:rPr>
+              <a:t>LCD 128x64 Pixels </a:t>
+            </a:r>
+            <a:r>
+              <a:rPr lang="pt-BR" sz="2000" dirty="0">
+                <a:solidFill>
+                  <a:schemeClr val="tx1"/>
+                </a:solidFill>
+                <a:latin typeface="Times New Roman" panose="02020603050405020304" pitchFamily="18" charset="0"/>
+                <a:cs typeface="Times New Roman" panose="02020603050405020304" pitchFamily="18" charset="0"/>
+              </a:rPr>
+              <a:t>com Fundo Azul</a:t>
+            </a:r>
+          </a:p>
+        </p:txBody>
+      </p:sp>
+    </p:spTree>
+    <p:extLst>
+      <p:ext uri="{BB962C8B-B14F-4D97-AF65-F5344CB8AC3E}">
+        <p14:creationId xmlns:p14="http://schemas.microsoft.com/office/powerpoint/2010/main" val="1883531884"/>
+      </p:ext>
+    </p:extLst>
+  </p:cSld>
+  <p:clrMapOvr>
+    <a:masterClrMapping/>
+  </p:clrMapOvr>
+  <p:transition spd="med"/>
+</p:sld>
+</file>
+
+<file path=ppt/slides/slide13.xml><?xml version="1.0" encoding="utf-8"?>
+<p:sld xmlns:a="http://schemas.openxmlformats.org/drawingml/2006/main" xmlns:r="http://schemas.openxmlformats.org/officeDocument/2006/relationships" xmlns:p="http://schemas.openxmlformats.org/presentationml/2006/main">
+  <p:cSld>
+    <p:spTree>
+      <p:nvGrpSpPr>
+        <p:cNvPr id="1" name=""/>
+        <p:cNvGrpSpPr/>
+        <p:nvPr/>
+      </p:nvGrpSpPr>
+      <p:grpSpPr>
+        <a:xfrm>
+          <a:off x="0" y="0"/>
+          <a:ext cx="0" cy="0"/>
+          <a:chOff x="0" y="0"/>
+          <a:chExt cx="0" cy="0"/>
+        </a:xfrm>
+      </p:grpSpPr>
+      <p:sp>
+        <p:nvSpPr>
+          <p:cNvPr id="6" name="Title 1"/>
+          <p:cNvSpPr>
+            <a:spLocks noGrp="1"/>
+          </p:cNvSpPr>
+          <p:nvPr>
+            <p:ph type="title"/>
+          </p:nvPr>
+        </p:nvSpPr>
+        <p:spPr>
+          <a:xfrm>
+            <a:off x="457200" y="205980"/>
+            <a:ext cx="8229600" cy="857251"/>
+          </a:xfrm>
+        </p:spPr>
+        <p:txBody>
+          <a:bodyPr>
+            <a:normAutofit/>
+          </a:bodyPr>
+          <a:lstStyle/>
+          <a:p>
+            <a:r>
+              <a:rPr lang="en-US" b="1" dirty="0">
+                <a:solidFill>
+                  <a:srgbClr val="0070C0"/>
+                </a:solidFill>
+              </a:rPr>
+              <a:t>Displays </a:t>
+            </a:r>
+            <a:r>
+              <a:rPr lang="en-US" b="1" dirty="0" err="1">
+                <a:solidFill>
+                  <a:srgbClr val="0070C0"/>
+                </a:solidFill>
+              </a:rPr>
+              <a:t>Gráficos</a:t>
+            </a:r>
+            <a:r>
+              <a:rPr lang="en-US" b="1" dirty="0">
+                <a:solidFill>
+                  <a:srgbClr val="0070C0"/>
+                </a:solidFill>
+              </a:rPr>
+              <a:t> (LCD)</a:t>
+            </a:r>
+          </a:p>
+        </p:txBody>
+      </p:sp>
+      <p:sp>
+        <p:nvSpPr>
+          <p:cNvPr id="8" name="Text Placeholder 2"/>
+          <p:cNvSpPr>
+            <a:spLocks noGrp="1"/>
+          </p:cNvSpPr>
+          <p:nvPr>
+            <p:ph type="body" sz="half" idx="1"/>
+          </p:nvPr>
+        </p:nvSpPr>
+        <p:spPr>
+          <a:xfrm>
+            <a:off x="142865" y="965915"/>
+            <a:ext cx="8865056" cy="3971605"/>
+          </a:xfrm>
+        </p:spPr>
+        <p:txBody>
+          <a:bodyPr>
+            <a:noAutofit/>
+          </a:bodyPr>
+          <a:lstStyle/>
+          <a:p>
+            <a:pPr marL="0" indent="0" algn="just">
+              <a:buNone/>
+            </a:pPr>
+            <a:r>
+              <a:rPr lang="pt-BR" sz="2000" dirty="0">
+                <a:solidFill>
+                  <a:schemeClr val="tx1"/>
+                </a:solidFill>
+                <a:latin typeface="Times New Roman" panose="02020603050405020304" pitchFamily="18" charset="0"/>
+                <a:cs typeface="Times New Roman" panose="02020603050405020304" pitchFamily="18" charset="0"/>
+              </a:rPr>
+              <a:t>Usando este componente é possível </a:t>
+            </a:r>
+            <a:r>
+              <a:rPr lang="pt-BR" sz="2000" b="1" dirty="0">
+                <a:solidFill>
+                  <a:schemeClr val="tx1"/>
+                </a:solidFill>
+                <a:latin typeface="Times New Roman" panose="02020603050405020304" pitchFamily="18" charset="0"/>
+                <a:cs typeface="Times New Roman" panose="02020603050405020304" pitchFamily="18" charset="0"/>
+              </a:rPr>
+              <a:t>enviar textos, números, símbolos, imagens ou indicar o que o microcontrolador está executando</a:t>
+            </a:r>
+            <a:r>
+              <a:rPr lang="pt-BR" sz="2000" dirty="0">
+                <a:solidFill>
+                  <a:schemeClr val="tx1"/>
+                </a:solidFill>
+                <a:latin typeface="Times New Roman" panose="02020603050405020304" pitchFamily="18" charset="0"/>
+                <a:cs typeface="Times New Roman" panose="02020603050405020304" pitchFamily="18" charset="0"/>
+              </a:rPr>
+              <a:t>, os dados que estão sendo coletados e / ou os dados que estão sendo transmitidos.</a:t>
+            </a:r>
+          </a:p>
+          <a:p>
+            <a:pPr marL="0" indent="0" algn="just">
+              <a:buNone/>
+            </a:pPr>
+            <a:endParaRPr lang="pt-BR" sz="2000" dirty="0">
+              <a:solidFill>
+                <a:schemeClr val="tx1"/>
+              </a:solidFill>
+              <a:latin typeface="Times New Roman" panose="02020603050405020304" pitchFamily="18" charset="0"/>
+              <a:cs typeface="Times New Roman" panose="02020603050405020304" pitchFamily="18" charset="0"/>
+            </a:endParaRPr>
+          </a:p>
+          <a:p>
+            <a:pPr marL="0" indent="0" algn="just">
+              <a:buNone/>
+            </a:pPr>
+            <a:endParaRPr lang="pt-BR" sz="2000" dirty="0">
+              <a:solidFill>
+                <a:schemeClr val="tx1"/>
+              </a:solidFill>
+              <a:latin typeface="Times New Roman" panose="02020603050405020304" pitchFamily="18" charset="0"/>
+              <a:cs typeface="Times New Roman" panose="02020603050405020304" pitchFamily="18" charset="0"/>
+            </a:endParaRPr>
+          </a:p>
+          <a:p>
+            <a:pPr marL="0" indent="0" algn="just">
+              <a:buNone/>
+            </a:pPr>
+            <a:endParaRPr lang="pt-BR" sz="2000" dirty="0">
+              <a:solidFill>
+                <a:schemeClr val="tx1"/>
+              </a:solidFill>
+              <a:latin typeface="Times New Roman" panose="02020603050405020304" pitchFamily="18" charset="0"/>
+              <a:cs typeface="Times New Roman" panose="02020603050405020304" pitchFamily="18" charset="0"/>
+            </a:endParaRPr>
+          </a:p>
+          <a:p>
+            <a:pPr marL="0" indent="0" algn="just">
+              <a:buNone/>
+            </a:pPr>
+            <a:endParaRPr lang="pt-BR" sz="2000" dirty="0">
+              <a:solidFill>
+                <a:schemeClr val="tx1"/>
+              </a:solidFill>
+              <a:latin typeface="Times New Roman" panose="02020603050405020304" pitchFamily="18" charset="0"/>
+              <a:cs typeface="Times New Roman" panose="02020603050405020304" pitchFamily="18" charset="0"/>
+            </a:endParaRPr>
+          </a:p>
+          <a:p>
+            <a:pPr marL="0" indent="0" algn="just">
+              <a:buNone/>
+            </a:pPr>
+            <a:endParaRPr lang="pt-BR" sz="2000" dirty="0">
+              <a:solidFill>
+                <a:schemeClr val="tx1"/>
+              </a:solidFill>
+              <a:latin typeface="Times New Roman" panose="02020603050405020304" pitchFamily="18" charset="0"/>
+              <a:cs typeface="Times New Roman" panose="02020603050405020304" pitchFamily="18" charset="0"/>
+            </a:endParaRPr>
+          </a:p>
+          <a:p>
+            <a:pPr marL="0" indent="0" algn="just">
+              <a:buNone/>
+            </a:pPr>
+            <a:endParaRPr lang="pt-BR" sz="2000" dirty="0">
+              <a:solidFill>
+                <a:schemeClr val="tx1"/>
+              </a:solidFill>
+              <a:latin typeface="Times New Roman" panose="02020603050405020304" pitchFamily="18" charset="0"/>
+              <a:cs typeface="Times New Roman" panose="02020603050405020304" pitchFamily="18" charset="0"/>
+            </a:endParaRPr>
+          </a:p>
+          <a:p>
+            <a:pPr marL="0" indent="0" algn="just">
+              <a:buNone/>
+            </a:pPr>
+            <a:endParaRPr lang="pt-BR" sz="2000" dirty="0">
+              <a:solidFill>
+                <a:schemeClr val="tx1"/>
+              </a:solidFill>
+              <a:latin typeface="Times New Roman" panose="02020603050405020304" pitchFamily="18" charset="0"/>
+              <a:cs typeface="Times New Roman" panose="02020603050405020304" pitchFamily="18" charset="0"/>
+            </a:endParaRPr>
+          </a:p>
+          <a:p>
+            <a:pPr marL="0" indent="0" algn="just">
+              <a:buNone/>
+            </a:pPr>
+            <a:r>
+              <a:rPr lang="pt-BR" sz="2000" dirty="0">
+                <a:solidFill>
+                  <a:schemeClr val="tx1"/>
+                </a:solidFill>
+                <a:latin typeface="Times New Roman" panose="02020603050405020304" pitchFamily="18" charset="0"/>
+                <a:cs typeface="Times New Roman" panose="02020603050405020304" pitchFamily="18" charset="0"/>
+              </a:rPr>
+              <a:t>	</a:t>
+            </a:r>
+            <a:r>
+              <a:rPr lang="pt-BR" sz="2000" dirty="0">
+                <a:solidFill>
+                  <a:schemeClr val="tx1"/>
+                </a:solidFill>
+                <a:latin typeface="Times New Roman" panose="02020603050405020304" pitchFamily="18" charset="0"/>
+                <a:cs typeface="Times New Roman" panose="02020603050405020304" pitchFamily="18" charset="0"/>
+                <a:hlinkClick r:id="rId3"/>
+              </a:rPr>
+              <a:t>https://youtu.be/7yUHWK1ZZ8E</a:t>
+            </a:r>
+            <a:r>
+              <a:rPr lang="pt-BR" sz="2000" dirty="0">
+                <a:solidFill>
+                  <a:schemeClr val="tx1"/>
+                </a:solidFill>
+                <a:latin typeface="Times New Roman" panose="02020603050405020304" pitchFamily="18" charset="0"/>
+                <a:cs typeface="Times New Roman" panose="02020603050405020304" pitchFamily="18" charset="0"/>
+              </a:rPr>
+              <a:t> </a:t>
+            </a:r>
+          </a:p>
+        </p:txBody>
+      </p:sp>
+      <p:pic>
+        <p:nvPicPr>
+          <p:cNvPr id="3" name="Imagem 2">
+            <a:extLst>
+              <a:ext uri="{FF2B5EF4-FFF2-40B4-BE49-F238E27FC236}">
+                <a16:creationId xmlns:a16="http://schemas.microsoft.com/office/drawing/2014/main" id="{DD9A1109-7835-6C55-5BE5-627AA1317956}"/>
+              </a:ext>
+            </a:extLst>
+          </p:cNvPr>
+          <p:cNvPicPr>
+            <a:picLocks noChangeAspect="1"/>
+          </p:cNvPicPr>
+          <p:nvPr/>
+        </p:nvPicPr>
+        <p:blipFill>
+          <a:blip r:embed="rId4"/>
+          <a:stretch>
+            <a:fillRect/>
+          </a:stretch>
+        </p:blipFill>
+        <p:spPr>
+          <a:xfrm>
+            <a:off x="155374" y="2025603"/>
+            <a:ext cx="3219450" cy="2457450"/>
+          </a:xfrm>
+          <a:prstGeom prst="rect">
+            <a:avLst/>
+          </a:prstGeom>
+        </p:spPr>
+      </p:pic>
+      <p:pic>
+        <p:nvPicPr>
+          <p:cNvPr id="4" name="Imagem 3">
+            <a:extLst>
+              <a:ext uri="{FF2B5EF4-FFF2-40B4-BE49-F238E27FC236}">
+                <a16:creationId xmlns:a16="http://schemas.microsoft.com/office/drawing/2014/main" id="{E8305517-2E60-2C64-F405-2C953E5ACC0F}"/>
+              </a:ext>
+            </a:extLst>
+          </p:cNvPr>
+          <p:cNvPicPr>
+            <a:picLocks noChangeAspect="1"/>
+          </p:cNvPicPr>
+          <p:nvPr/>
+        </p:nvPicPr>
+        <p:blipFill>
+          <a:blip r:embed="rId5"/>
+          <a:stretch>
+            <a:fillRect/>
+          </a:stretch>
+        </p:blipFill>
+        <p:spPr>
+          <a:xfrm>
+            <a:off x="3438850" y="2238830"/>
+            <a:ext cx="5608514" cy="2075592"/>
+          </a:xfrm>
+          <a:prstGeom prst="rect">
+            <a:avLst/>
+          </a:prstGeom>
+        </p:spPr>
+      </p:pic>
+    </p:spTree>
+    <p:extLst>
+      <p:ext uri="{BB962C8B-B14F-4D97-AF65-F5344CB8AC3E}">
+        <p14:creationId xmlns:p14="http://schemas.microsoft.com/office/powerpoint/2010/main" val="255363072"/>
+      </p:ext>
+    </p:extLst>
+  </p:cSld>
+  <p:clrMapOvr>
+    <a:masterClrMapping/>
+  </p:clrMapOvr>
+  <p:transition spd="med"/>
+</p:sld>
+</file>
+
+<file path=ppt/slides/slide14.xml><?xml version="1.0" encoding="utf-8"?>
+<p:sld xmlns:a="http://schemas.openxmlformats.org/drawingml/2006/main" xmlns:r="http://schemas.openxmlformats.org/officeDocument/2006/relationships" xmlns:p="http://schemas.openxmlformats.org/presentationml/2006/main">
+  <p:cSld>
+    <p:spTree>
+      <p:nvGrpSpPr>
+        <p:cNvPr id="1" name=""/>
+        <p:cNvGrpSpPr/>
+        <p:nvPr/>
+      </p:nvGrpSpPr>
+      <p:grpSpPr>
+        <a:xfrm>
+          <a:off x="0" y="0"/>
+          <a:ext cx="0" cy="0"/>
+          <a:chOff x="0" y="0"/>
+          <a:chExt cx="0" cy="0"/>
+        </a:xfrm>
+      </p:grpSpPr>
+      <p:sp>
+        <p:nvSpPr>
+          <p:cNvPr id="6" name="Title 1"/>
+          <p:cNvSpPr>
+            <a:spLocks noGrp="1"/>
+          </p:cNvSpPr>
+          <p:nvPr>
+            <p:ph type="title"/>
+          </p:nvPr>
+        </p:nvSpPr>
+        <p:spPr>
+          <a:xfrm>
+            <a:off x="457200" y="205980"/>
+            <a:ext cx="8229600" cy="857251"/>
+          </a:xfrm>
+        </p:spPr>
+        <p:txBody>
+          <a:bodyPr>
+            <a:normAutofit/>
+          </a:bodyPr>
+          <a:lstStyle/>
+          <a:p>
+            <a:r>
+              <a:rPr lang="en-US" b="1" dirty="0" err="1">
+                <a:solidFill>
+                  <a:srgbClr val="0070C0"/>
+                </a:solidFill>
+              </a:rPr>
+              <a:t>Interruptores</a:t>
+            </a:r>
+            <a:endParaRPr lang="en-US" b="1" dirty="0">
+              <a:solidFill>
+                <a:srgbClr val="0070C0"/>
+              </a:solidFill>
+            </a:endParaRPr>
+          </a:p>
+        </p:txBody>
+      </p:sp>
+      <p:sp>
+        <p:nvSpPr>
+          <p:cNvPr id="8" name="Text Placeholder 2"/>
+          <p:cNvSpPr>
+            <a:spLocks noGrp="1"/>
+          </p:cNvSpPr>
+          <p:nvPr>
+            <p:ph type="body" sz="half" idx="1"/>
+          </p:nvPr>
+        </p:nvSpPr>
+        <p:spPr>
+          <a:xfrm>
+            <a:off x="142865" y="1395222"/>
+            <a:ext cx="8865056" cy="3542298"/>
+          </a:xfrm>
+        </p:spPr>
+        <p:txBody>
+          <a:bodyPr>
+            <a:noAutofit/>
+          </a:bodyPr>
+          <a:lstStyle/>
+          <a:p>
+            <a:pPr marL="0" indent="0" algn="just">
+              <a:buNone/>
+            </a:pPr>
+            <a:r>
+              <a:rPr lang="pt-BR" sz="2000" b="1" dirty="0">
+                <a:solidFill>
+                  <a:schemeClr val="tx1"/>
+                </a:solidFill>
+                <a:latin typeface="Times New Roman" panose="02020603050405020304" pitchFamily="18" charset="0"/>
+                <a:cs typeface="Times New Roman" panose="02020603050405020304" pitchFamily="18" charset="0"/>
+              </a:rPr>
+              <a:t>Interrupções</a:t>
+            </a:r>
+            <a:r>
+              <a:rPr lang="pt-BR" sz="2000" dirty="0">
+                <a:solidFill>
+                  <a:schemeClr val="tx1"/>
+                </a:solidFill>
+                <a:latin typeface="Times New Roman" panose="02020603050405020304" pitchFamily="18" charset="0"/>
+                <a:cs typeface="Times New Roman" panose="02020603050405020304" pitchFamily="18" charset="0"/>
+              </a:rPr>
+              <a:t> são desvios realizados no programa pelo hardware do microcontrolador, ou seja, uma sub-rotina do programa é chamada quando algum evento acontece no hardware do microcontrolador.</a:t>
+            </a:r>
+          </a:p>
+          <a:p>
+            <a:pPr marL="0" indent="0" algn="just">
+              <a:buNone/>
+            </a:pPr>
+            <a:endParaRPr lang="pt-BR" sz="2000" dirty="0">
+              <a:solidFill>
+                <a:schemeClr val="tx1"/>
+              </a:solidFill>
+              <a:latin typeface="Times New Roman" panose="02020603050405020304" pitchFamily="18" charset="0"/>
+              <a:cs typeface="Times New Roman" panose="02020603050405020304" pitchFamily="18" charset="0"/>
+            </a:endParaRPr>
+          </a:p>
+          <a:p>
+            <a:pPr marL="0" indent="0" algn="just">
+              <a:buNone/>
+            </a:pPr>
+            <a:r>
+              <a:rPr lang="pt-BR" sz="2000" dirty="0">
+                <a:solidFill>
+                  <a:schemeClr val="tx1"/>
+                </a:solidFill>
+                <a:latin typeface="Times New Roman" panose="02020603050405020304" pitchFamily="18" charset="0"/>
+                <a:cs typeface="Times New Roman" panose="02020603050405020304" pitchFamily="18" charset="0"/>
+              </a:rPr>
+              <a:t>As </a:t>
+            </a:r>
+            <a:r>
+              <a:rPr lang="pt-BR" sz="2000" b="1" dirty="0">
+                <a:solidFill>
+                  <a:schemeClr val="tx1"/>
+                </a:solidFill>
+                <a:latin typeface="Times New Roman" panose="02020603050405020304" pitchFamily="18" charset="0"/>
+                <a:cs typeface="Times New Roman" panose="02020603050405020304" pitchFamily="18" charset="0"/>
+              </a:rPr>
+              <a:t>interrupções</a:t>
+            </a:r>
+            <a:r>
+              <a:rPr lang="pt-BR" sz="2000" dirty="0">
+                <a:solidFill>
+                  <a:schemeClr val="tx1"/>
+                </a:solidFill>
+                <a:latin typeface="Times New Roman" panose="02020603050405020304" pitchFamily="18" charset="0"/>
+                <a:cs typeface="Times New Roman" panose="02020603050405020304" pitchFamily="18" charset="0"/>
+              </a:rPr>
+              <a:t> são instrumentos muito úteis na programação dos microcontroladores, pois é através delas que um microcontrolador pode executar várias tarefas ao mesmo tempo. </a:t>
+            </a:r>
+          </a:p>
+          <a:p>
+            <a:pPr marL="0" indent="0" algn="just">
+              <a:buNone/>
+            </a:pPr>
+            <a:endParaRPr lang="pt-BR" sz="2000" dirty="0">
+              <a:solidFill>
+                <a:schemeClr val="tx1"/>
+              </a:solidFill>
+              <a:latin typeface="Times New Roman" panose="02020603050405020304" pitchFamily="18" charset="0"/>
+              <a:cs typeface="Times New Roman" panose="02020603050405020304" pitchFamily="18" charset="0"/>
+            </a:endParaRPr>
+          </a:p>
+          <a:p>
+            <a:pPr marL="0" indent="0" algn="just">
+              <a:buNone/>
+            </a:pPr>
+            <a:r>
+              <a:rPr lang="pt-BR" sz="2000" dirty="0">
+                <a:solidFill>
+                  <a:schemeClr val="tx1"/>
+                </a:solidFill>
+                <a:latin typeface="Times New Roman" panose="02020603050405020304" pitchFamily="18" charset="0"/>
+                <a:cs typeface="Times New Roman" panose="02020603050405020304" pitchFamily="18" charset="0"/>
+              </a:rPr>
+              <a:t>	</a:t>
+            </a:r>
+            <a:r>
+              <a:rPr lang="pt-BR" sz="2000" dirty="0">
+                <a:solidFill>
+                  <a:schemeClr val="tx1"/>
+                </a:solidFill>
+                <a:latin typeface="Times New Roman" panose="02020603050405020304" pitchFamily="18" charset="0"/>
+                <a:cs typeface="Times New Roman" panose="02020603050405020304" pitchFamily="18" charset="0"/>
+                <a:hlinkClick r:id="rId3"/>
+              </a:rPr>
+              <a:t>https://www.usinainfo.com.br/blog/interruptor-paralelo-no-controle-de-lampada-com-arduino/</a:t>
+            </a:r>
+            <a:r>
+              <a:rPr lang="pt-BR" sz="2000" dirty="0">
+                <a:solidFill>
+                  <a:schemeClr val="tx1"/>
+                </a:solidFill>
+                <a:latin typeface="Times New Roman" panose="02020603050405020304" pitchFamily="18" charset="0"/>
+                <a:cs typeface="Times New Roman" panose="02020603050405020304" pitchFamily="18" charset="0"/>
+              </a:rPr>
+              <a:t> </a:t>
+            </a:r>
+          </a:p>
+        </p:txBody>
+      </p:sp>
+    </p:spTree>
+    <p:extLst>
+      <p:ext uri="{BB962C8B-B14F-4D97-AF65-F5344CB8AC3E}">
+        <p14:creationId xmlns:p14="http://schemas.microsoft.com/office/powerpoint/2010/main" val="2649254612"/>
+      </p:ext>
+    </p:extLst>
+  </p:cSld>
+  <p:clrMapOvr>
+    <a:masterClrMapping/>
+  </p:clrMapOvr>
+  <p:transition spd="med"/>
+</p:sld>
+</file>
+
+<file path=ppt/slides/slide15.xml><?xml version="1.0" encoding="utf-8"?>
+<p:sld xmlns:a="http://schemas.openxmlformats.org/drawingml/2006/main" xmlns:r="http://schemas.openxmlformats.org/officeDocument/2006/relationships" xmlns:p="http://schemas.openxmlformats.org/presentationml/2006/main">
+  <p:cSld>
+    <p:spTree>
+      <p:nvGrpSpPr>
+        <p:cNvPr id="1" name=""/>
+        <p:cNvGrpSpPr/>
+        <p:nvPr/>
+      </p:nvGrpSpPr>
+      <p:grpSpPr>
+        <a:xfrm>
+          <a:off x="0" y="0"/>
+          <a:ext cx="0" cy="0"/>
+          <a:chOff x="0" y="0"/>
+          <a:chExt cx="0" cy="0"/>
+        </a:xfrm>
+      </p:grpSpPr>
+      <p:sp>
+        <p:nvSpPr>
+          <p:cNvPr id="6" name="Title 1"/>
+          <p:cNvSpPr>
+            <a:spLocks noGrp="1"/>
+          </p:cNvSpPr>
+          <p:nvPr>
+            <p:ph type="title"/>
+          </p:nvPr>
+        </p:nvSpPr>
+        <p:spPr>
+          <a:xfrm>
+            <a:off x="457200" y="205980"/>
+            <a:ext cx="8229600" cy="857251"/>
+          </a:xfrm>
+        </p:spPr>
+        <p:txBody>
+          <a:bodyPr>
+            <a:normAutofit/>
+          </a:bodyPr>
+          <a:lstStyle/>
+          <a:p>
+            <a:r>
+              <a:rPr lang="en-US" b="1" dirty="0" err="1">
+                <a:solidFill>
+                  <a:srgbClr val="0070C0"/>
+                </a:solidFill>
+              </a:rPr>
+              <a:t>Tipos</a:t>
+            </a:r>
+            <a:r>
+              <a:rPr lang="en-US" b="1" dirty="0">
+                <a:solidFill>
+                  <a:srgbClr val="0070C0"/>
+                </a:solidFill>
+              </a:rPr>
+              <a:t> de </a:t>
+            </a:r>
+            <a:r>
+              <a:rPr lang="en-US" b="1" dirty="0" err="1">
+                <a:solidFill>
+                  <a:srgbClr val="0070C0"/>
+                </a:solidFill>
+              </a:rPr>
+              <a:t>Interruptores</a:t>
+            </a:r>
+            <a:endParaRPr lang="en-US" b="1" dirty="0">
+              <a:solidFill>
+                <a:srgbClr val="0070C0"/>
+              </a:solidFill>
+            </a:endParaRPr>
+          </a:p>
+        </p:txBody>
+      </p:sp>
+      <p:sp>
+        <p:nvSpPr>
+          <p:cNvPr id="8" name="Text Placeholder 2"/>
+          <p:cNvSpPr>
+            <a:spLocks noGrp="1"/>
+          </p:cNvSpPr>
+          <p:nvPr>
+            <p:ph type="body" sz="half" idx="1"/>
+          </p:nvPr>
+        </p:nvSpPr>
+        <p:spPr>
+          <a:xfrm>
+            <a:off x="142865" y="1124762"/>
+            <a:ext cx="8865056" cy="3812757"/>
+          </a:xfrm>
+        </p:spPr>
+        <p:txBody>
+          <a:bodyPr>
+            <a:noAutofit/>
+          </a:bodyPr>
+          <a:lstStyle/>
+          <a:p>
+            <a:pPr algn="just">
+              <a:buFont typeface="Wingdings" panose="05000000000000000000" pitchFamily="2" charset="2"/>
+              <a:buChar char="§"/>
+            </a:pPr>
+            <a:r>
+              <a:rPr lang="pt-BR" sz="2000" b="1" dirty="0">
+                <a:solidFill>
+                  <a:schemeClr val="tx1"/>
+                </a:solidFill>
+                <a:latin typeface="Times New Roman" panose="02020603050405020304" pitchFamily="18" charset="0"/>
+                <a:cs typeface="Times New Roman" panose="02020603050405020304" pitchFamily="18" charset="0"/>
+              </a:rPr>
+              <a:t>Interruptor Deslizante</a:t>
+            </a:r>
+            <a:r>
+              <a:rPr lang="pt-BR" sz="2000" dirty="0">
+                <a:solidFill>
+                  <a:schemeClr val="tx1"/>
+                </a:solidFill>
+                <a:latin typeface="Times New Roman" panose="02020603050405020304" pitchFamily="18" charset="0"/>
+                <a:cs typeface="Times New Roman" panose="02020603050405020304" pitchFamily="18" charset="0"/>
+              </a:rPr>
+              <a:t> - </a:t>
+            </a:r>
+            <a:r>
+              <a:rPr lang="pt-BR" sz="2000" b="1" dirty="0">
+                <a:solidFill>
+                  <a:srgbClr val="FF0000"/>
+                </a:solidFill>
+                <a:latin typeface="Times New Roman" panose="02020603050405020304" pitchFamily="18" charset="0"/>
+                <a:cs typeface="Times New Roman" panose="02020603050405020304" pitchFamily="18" charset="0"/>
+              </a:rPr>
+              <a:t>chave liga/desliga</a:t>
+            </a:r>
+            <a:r>
+              <a:rPr lang="pt-BR" sz="2000" dirty="0">
+                <a:solidFill>
+                  <a:schemeClr val="tx1"/>
+                </a:solidFill>
+                <a:latin typeface="Times New Roman" panose="02020603050405020304" pitchFamily="18" charset="0"/>
+                <a:cs typeface="Times New Roman" panose="02020603050405020304" pitchFamily="18" charset="0"/>
+              </a:rPr>
+              <a:t> e </a:t>
+            </a:r>
+            <a:r>
+              <a:rPr lang="pt-BR" sz="2000" b="1" dirty="0">
+                <a:solidFill>
+                  <a:schemeClr val="tx1"/>
+                </a:solidFill>
+                <a:latin typeface="Times New Roman" panose="02020603050405020304" pitchFamily="18" charset="0"/>
+                <a:cs typeface="Times New Roman" panose="02020603050405020304" pitchFamily="18" charset="0"/>
+              </a:rPr>
+              <a:t>3 pinos</a:t>
+            </a:r>
+            <a:r>
+              <a:rPr lang="pt-BR" sz="2000" dirty="0">
+                <a:solidFill>
+                  <a:schemeClr val="tx1"/>
+                </a:solidFill>
+                <a:latin typeface="Times New Roman" panose="02020603050405020304" pitchFamily="18" charset="0"/>
+                <a:cs typeface="Times New Roman" panose="02020603050405020304" pitchFamily="18" charset="0"/>
+              </a:rPr>
+              <a:t>, sendo o </a:t>
+            </a:r>
+            <a:r>
+              <a:rPr lang="pt-BR" sz="2000" b="1" dirty="0">
+                <a:solidFill>
+                  <a:schemeClr val="tx1"/>
+                </a:solidFill>
+                <a:latin typeface="Times New Roman" panose="02020603050405020304" pitchFamily="18" charset="0"/>
+                <a:cs typeface="Times New Roman" panose="02020603050405020304" pitchFamily="18" charset="0"/>
+              </a:rPr>
+              <a:t>primeiro</a:t>
+            </a:r>
+            <a:r>
+              <a:rPr lang="pt-BR" sz="2000" dirty="0">
+                <a:solidFill>
+                  <a:schemeClr val="tx1"/>
+                </a:solidFill>
+                <a:latin typeface="Times New Roman" panose="02020603050405020304" pitchFamily="18" charset="0"/>
+                <a:cs typeface="Times New Roman" panose="02020603050405020304" pitchFamily="18" charset="0"/>
+              </a:rPr>
+              <a:t> </a:t>
+            </a:r>
+            <a:r>
+              <a:rPr lang="pt-BR" sz="2000" b="1" dirty="0">
+                <a:solidFill>
+                  <a:schemeClr val="tx1"/>
+                </a:solidFill>
+                <a:latin typeface="Times New Roman" panose="02020603050405020304" pitchFamily="18" charset="0"/>
+                <a:cs typeface="Times New Roman" panose="02020603050405020304" pitchFamily="18" charset="0"/>
+              </a:rPr>
+              <a:t>pino</a:t>
+            </a:r>
+            <a:r>
+              <a:rPr lang="pt-BR" sz="2000" b="1" dirty="0">
+                <a:solidFill>
+                  <a:srgbClr val="FF0000"/>
+                </a:solidFill>
+                <a:latin typeface="Times New Roman" panose="02020603050405020304" pitchFamily="18" charset="0"/>
+                <a:cs typeface="Times New Roman" panose="02020603050405020304" pitchFamily="18" charset="0"/>
+              </a:rPr>
+              <a:t> designado como Terminal 1</a:t>
+            </a:r>
+            <a:r>
+              <a:rPr lang="pt-BR" sz="2000" dirty="0">
+                <a:solidFill>
+                  <a:schemeClr val="tx1"/>
+                </a:solidFill>
+                <a:latin typeface="Times New Roman" panose="02020603050405020304" pitchFamily="18" charset="0"/>
+                <a:cs typeface="Times New Roman" panose="02020603050405020304" pitchFamily="18" charset="0"/>
+              </a:rPr>
+              <a:t>, o </a:t>
+            </a:r>
+            <a:r>
+              <a:rPr lang="pt-BR" sz="2000" b="1" dirty="0">
+                <a:solidFill>
+                  <a:schemeClr val="tx1"/>
+                </a:solidFill>
+                <a:latin typeface="Times New Roman" panose="02020603050405020304" pitchFamily="18" charset="0"/>
+                <a:cs typeface="Times New Roman" panose="02020603050405020304" pitchFamily="18" charset="0"/>
+              </a:rPr>
+              <a:t>pino do meio</a:t>
+            </a:r>
+            <a:r>
+              <a:rPr lang="pt-BR" sz="2000" dirty="0">
+                <a:solidFill>
+                  <a:schemeClr val="tx1"/>
+                </a:solidFill>
+                <a:latin typeface="Times New Roman" panose="02020603050405020304" pitchFamily="18" charset="0"/>
+                <a:cs typeface="Times New Roman" panose="02020603050405020304" pitchFamily="18" charset="0"/>
+              </a:rPr>
+              <a:t> </a:t>
+            </a:r>
+            <a:r>
+              <a:rPr lang="pt-BR" sz="2000" b="1" dirty="0">
+                <a:solidFill>
+                  <a:srgbClr val="FF0000"/>
+                </a:solidFill>
+                <a:latin typeface="Times New Roman" panose="02020603050405020304" pitchFamily="18" charset="0"/>
+                <a:cs typeface="Times New Roman" panose="02020603050405020304" pitchFamily="18" charset="0"/>
+              </a:rPr>
+              <a:t>chamado de comum</a:t>
+            </a:r>
+            <a:r>
+              <a:rPr lang="pt-BR" sz="2000" dirty="0">
+                <a:solidFill>
+                  <a:schemeClr val="tx1"/>
+                </a:solidFill>
+                <a:latin typeface="Times New Roman" panose="02020603050405020304" pitchFamily="18" charset="0"/>
+                <a:cs typeface="Times New Roman" panose="02020603050405020304" pitchFamily="18" charset="0"/>
+              </a:rPr>
+              <a:t>, e o </a:t>
+            </a:r>
+            <a:r>
+              <a:rPr lang="pt-BR" sz="2000" b="1" dirty="0">
+                <a:solidFill>
+                  <a:schemeClr val="tx1"/>
+                </a:solidFill>
+                <a:latin typeface="Times New Roman" panose="02020603050405020304" pitchFamily="18" charset="0"/>
+                <a:cs typeface="Times New Roman" panose="02020603050405020304" pitchFamily="18" charset="0"/>
+              </a:rPr>
+              <a:t>terceiro pino</a:t>
+            </a:r>
+            <a:r>
+              <a:rPr lang="pt-BR" sz="2000" b="1" dirty="0">
+                <a:solidFill>
+                  <a:srgbClr val="FF0000"/>
+                </a:solidFill>
+                <a:latin typeface="Times New Roman" panose="02020603050405020304" pitchFamily="18" charset="0"/>
+                <a:cs typeface="Times New Roman" panose="02020603050405020304" pitchFamily="18" charset="0"/>
+              </a:rPr>
+              <a:t> de Terminal 2</a:t>
+            </a:r>
+            <a:r>
+              <a:rPr lang="pt-BR" sz="2000" dirty="0">
+                <a:solidFill>
+                  <a:schemeClr val="tx1"/>
+                </a:solidFill>
+                <a:latin typeface="Times New Roman" panose="02020603050405020304" pitchFamily="18" charset="0"/>
+                <a:cs typeface="Times New Roman" panose="02020603050405020304" pitchFamily="18" charset="0"/>
+              </a:rPr>
+              <a:t>. Ao ser acionado, muda o seu </a:t>
+            </a:r>
+            <a:r>
+              <a:rPr lang="pt-BR" sz="2000" b="1" dirty="0">
+                <a:solidFill>
+                  <a:schemeClr val="tx1"/>
+                </a:solidFill>
+                <a:latin typeface="Times New Roman" panose="02020603050405020304" pitchFamily="18" charset="0"/>
+                <a:cs typeface="Times New Roman" panose="02020603050405020304" pitchFamily="18" charset="0"/>
+              </a:rPr>
+              <a:t>estado liga/desliga</a:t>
+            </a:r>
+            <a:r>
+              <a:rPr lang="pt-BR" sz="2000" dirty="0">
+                <a:solidFill>
+                  <a:schemeClr val="tx1"/>
+                </a:solidFill>
+                <a:latin typeface="Times New Roman" panose="02020603050405020304" pitchFamily="18" charset="0"/>
+                <a:cs typeface="Times New Roman" panose="02020603050405020304" pitchFamily="18" charset="0"/>
+              </a:rPr>
+              <a:t>.</a:t>
+            </a:r>
+          </a:p>
+          <a:p>
+            <a:pPr marL="0" indent="0" algn="just">
+              <a:buNone/>
+            </a:pPr>
+            <a:endParaRPr lang="pt-BR" sz="2000" dirty="0">
+              <a:solidFill>
+                <a:schemeClr val="tx1"/>
+              </a:solidFill>
+              <a:latin typeface="Times New Roman" panose="02020603050405020304" pitchFamily="18" charset="0"/>
+              <a:cs typeface="Times New Roman" panose="02020603050405020304" pitchFamily="18" charset="0"/>
+            </a:endParaRPr>
+          </a:p>
+          <a:p>
+            <a:pPr marL="0" indent="0" algn="just">
+              <a:buNone/>
+            </a:pPr>
+            <a:endParaRPr lang="pt-BR" sz="2000" dirty="0">
+              <a:solidFill>
+                <a:schemeClr val="tx1"/>
+              </a:solidFill>
+              <a:latin typeface="Times New Roman" panose="02020603050405020304" pitchFamily="18" charset="0"/>
+              <a:cs typeface="Times New Roman" panose="02020603050405020304" pitchFamily="18" charset="0"/>
+            </a:endParaRPr>
+          </a:p>
+          <a:p>
+            <a:pPr marL="0" indent="0" algn="just">
+              <a:buNone/>
+            </a:pPr>
+            <a:endParaRPr lang="pt-BR" sz="2000" dirty="0">
+              <a:solidFill>
+                <a:schemeClr val="tx1"/>
+              </a:solidFill>
+              <a:latin typeface="Times New Roman" panose="02020603050405020304" pitchFamily="18" charset="0"/>
+              <a:cs typeface="Times New Roman" panose="02020603050405020304" pitchFamily="18" charset="0"/>
+            </a:endParaRPr>
+          </a:p>
+          <a:p>
+            <a:pPr algn="just">
+              <a:buFont typeface="Wingdings" panose="05000000000000000000" pitchFamily="2" charset="2"/>
+              <a:buChar char="§"/>
+            </a:pPr>
+            <a:r>
+              <a:rPr lang="pt-BR" sz="2000" b="1" dirty="0" err="1">
+                <a:solidFill>
+                  <a:schemeClr val="tx1"/>
+                </a:solidFill>
+                <a:latin typeface="Times New Roman" panose="02020603050405020304" pitchFamily="18" charset="0"/>
+                <a:cs typeface="Times New Roman" panose="02020603050405020304" pitchFamily="18" charset="0"/>
+              </a:rPr>
+              <a:t>Push</a:t>
+            </a:r>
+            <a:r>
+              <a:rPr lang="pt-BR" sz="2000" b="1" dirty="0">
+                <a:solidFill>
+                  <a:schemeClr val="tx1"/>
+                </a:solidFill>
+                <a:latin typeface="Times New Roman" panose="02020603050405020304" pitchFamily="18" charset="0"/>
+                <a:cs typeface="Times New Roman" panose="02020603050405020304" pitchFamily="18" charset="0"/>
+              </a:rPr>
+              <a:t> Button</a:t>
+            </a:r>
+            <a:r>
+              <a:rPr lang="pt-BR" sz="2000" dirty="0">
+                <a:solidFill>
+                  <a:schemeClr val="tx1"/>
+                </a:solidFill>
+                <a:latin typeface="Times New Roman" panose="02020603050405020304" pitchFamily="18" charset="0"/>
+                <a:cs typeface="Times New Roman" panose="02020603050405020304" pitchFamily="18" charset="0"/>
+              </a:rPr>
+              <a:t> - O </a:t>
+            </a:r>
+            <a:r>
+              <a:rPr lang="pt-BR" sz="2000" b="1" dirty="0">
+                <a:solidFill>
+                  <a:srgbClr val="FF0000"/>
+                </a:solidFill>
+                <a:latin typeface="Times New Roman" panose="02020603050405020304" pitchFamily="18" charset="0"/>
+                <a:cs typeface="Times New Roman" panose="02020603050405020304" pitchFamily="18" charset="0"/>
+              </a:rPr>
+              <a:t>botão </a:t>
+            </a:r>
+            <a:r>
+              <a:rPr lang="pt-BR" sz="2000" b="1" dirty="0" err="1">
+                <a:solidFill>
+                  <a:srgbClr val="FF0000"/>
+                </a:solidFill>
+                <a:latin typeface="Times New Roman" panose="02020603050405020304" pitchFamily="18" charset="0"/>
+                <a:cs typeface="Times New Roman" panose="02020603050405020304" pitchFamily="18" charset="0"/>
+              </a:rPr>
+              <a:t>push</a:t>
+            </a:r>
+            <a:r>
+              <a:rPr lang="pt-BR" sz="2000" b="1" dirty="0">
+                <a:solidFill>
+                  <a:srgbClr val="FF0000"/>
+                </a:solidFill>
+                <a:latin typeface="Times New Roman" panose="02020603050405020304" pitchFamily="18" charset="0"/>
+                <a:cs typeface="Times New Roman" panose="02020603050405020304" pitchFamily="18" charset="0"/>
+              </a:rPr>
+              <a:t> </a:t>
+            </a:r>
+            <a:r>
+              <a:rPr lang="pt-BR" sz="2000" b="1" dirty="0" err="1">
+                <a:solidFill>
+                  <a:srgbClr val="FF0000"/>
+                </a:solidFill>
+                <a:latin typeface="Times New Roman" panose="02020603050405020304" pitchFamily="18" charset="0"/>
+                <a:cs typeface="Times New Roman" panose="02020603050405020304" pitchFamily="18" charset="0"/>
+              </a:rPr>
+              <a:t>button</a:t>
+            </a:r>
+            <a:r>
+              <a:rPr lang="pt-BR" sz="2000" b="1" dirty="0">
+                <a:solidFill>
+                  <a:schemeClr val="tx1"/>
+                </a:solidFill>
+                <a:latin typeface="Times New Roman" panose="02020603050405020304" pitchFamily="18" charset="0"/>
+                <a:cs typeface="Times New Roman" panose="02020603050405020304" pitchFamily="18" charset="0"/>
+              </a:rPr>
+              <a:t> </a:t>
+            </a:r>
+            <a:r>
+              <a:rPr lang="pt-BR" sz="2000" dirty="0">
+                <a:solidFill>
+                  <a:schemeClr val="tx1"/>
+                </a:solidFill>
+                <a:latin typeface="Times New Roman" panose="02020603050405020304" pitchFamily="18" charset="0"/>
+                <a:cs typeface="Times New Roman" panose="02020603050405020304" pitchFamily="18" charset="0"/>
+              </a:rPr>
+              <a:t>é um interruptor pulsador que conduz corrente elétrica apenas quando pressionado.</a:t>
+            </a:r>
+          </a:p>
+        </p:txBody>
+      </p:sp>
+      <p:pic>
+        <p:nvPicPr>
+          <p:cNvPr id="3" name="Imagem 2">
+            <a:extLst>
+              <a:ext uri="{FF2B5EF4-FFF2-40B4-BE49-F238E27FC236}">
+                <a16:creationId xmlns:a16="http://schemas.microsoft.com/office/drawing/2014/main" id="{38C51C12-F136-24C6-5FFA-765597F5311C}"/>
+              </a:ext>
+            </a:extLst>
+          </p:cNvPr>
+          <p:cNvPicPr>
+            <a:picLocks noChangeAspect="1"/>
+          </p:cNvPicPr>
+          <p:nvPr/>
+        </p:nvPicPr>
+        <p:blipFill>
+          <a:blip r:embed="rId3"/>
+          <a:stretch>
+            <a:fillRect/>
+          </a:stretch>
+        </p:blipFill>
+        <p:spPr>
+          <a:xfrm>
+            <a:off x="5289997" y="3622284"/>
+            <a:ext cx="1208339" cy="1412901"/>
+          </a:xfrm>
+          <a:prstGeom prst="rect">
+            <a:avLst/>
+          </a:prstGeom>
+        </p:spPr>
+      </p:pic>
+      <p:pic>
+        <p:nvPicPr>
+          <p:cNvPr id="5" name="Imagem 4">
+            <a:extLst>
+              <a:ext uri="{FF2B5EF4-FFF2-40B4-BE49-F238E27FC236}">
+                <a16:creationId xmlns:a16="http://schemas.microsoft.com/office/drawing/2014/main" id="{FF9F2E55-73B1-6037-9C19-0C6210770298}"/>
+              </a:ext>
+            </a:extLst>
+          </p:cNvPr>
+          <p:cNvPicPr>
+            <a:picLocks noChangeAspect="1"/>
+          </p:cNvPicPr>
+          <p:nvPr/>
+        </p:nvPicPr>
+        <p:blipFill>
+          <a:blip r:embed="rId4"/>
+          <a:stretch>
+            <a:fillRect/>
+          </a:stretch>
+        </p:blipFill>
+        <p:spPr>
+          <a:xfrm>
+            <a:off x="3286125" y="2125910"/>
+            <a:ext cx="1285875" cy="1143000"/>
+          </a:xfrm>
+          <a:prstGeom prst="rect">
+            <a:avLst/>
+          </a:prstGeom>
+        </p:spPr>
+      </p:pic>
+    </p:spTree>
+    <p:extLst>
+      <p:ext uri="{BB962C8B-B14F-4D97-AF65-F5344CB8AC3E}">
+        <p14:creationId xmlns:p14="http://schemas.microsoft.com/office/powerpoint/2010/main" val="643089615"/>
+      </p:ext>
+    </p:extLst>
+  </p:cSld>
+  <p:clrMapOvr>
+    <a:masterClrMapping/>
+  </p:clrMapOvr>
+  <p:transition spd="med"/>
+</p:sld>
+</file>
+
+<file path=ppt/slides/slide16.xml><?xml version="1.0" encoding="utf-8"?>
+<p:sld xmlns:a="http://schemas.openxmlformats.org/drawingml/2006/main" xmlns:r="http://schemas.openxmlformats.org/officeDocument/2006/relationships" xmlns:p="http://schemas.openxmlformats.org/presentationml/2006/main">
+  <p:cSld>
+    <p:spTree>
+      <p:nvGrpSpPr>
+        <p:cNvPr id="1" name=""/>
+        <p:cNvGrpSpPr/>
+        <p:nvPr/>
+      </p:nvGrpSpPr>
+      <p:grpSpPr>
+        <a:xfrm>
+          <a:off x="0" y="0"/>
+          <a:ext cx="0" cy="0"/>
+          <a:chOff x="0" y="0"/>
+          <a:chExt cx="0" cy="0"/>
+        </a:xfrm>
+      </p:grpSpPr>
+      <p:sp>
+        <p:nvSpPr>
+          <p:cNvPr id="6" name="Title 1"/>
+          <p:cNvSpPr>
+            <a:spLocks noGrp="1"/>
+          </p:cNvSpPr>
+          <p:nvPr>
+            <p:ph type="title"/>
+          </p:nvPr>
+        </p:nvSpPr>
+        <p:spPr>
+          <a:xfrm>
+            <a:off x="457200" y="205980"/>
+            <a:ext cx="8229600" cy="857251"/>
+          </a:xfrm>
+        </p:spPr>
+        <p:txBody>
+          <a:bodyPr>
+            <a:normAutofit/>
+          </a:bodyPr>
+          <a:lstStyle/>
+          <a:p>
+            <a:r>
+              <a:rPr lang="en-US" b="1" dirty="0" err="1">
+                <a:solidFill>
+                  <a:srgbClr val="0070C0"/>
+                </a:solidFill>
+              </a:rPr>
+              <a:t>Tipos</a:t>
+            </a:r>
+            <a:r>
+              <a:rPr lang="en-US" b="1" dirty="0">
+                <a:solidFill>
+                  <a:srgbClr val="0070C0"/>
+                </a:solidFill>
+              </a:rPr>
+              <a:t> de </a:t>
+            </a:r>
+            <a:r>
+              <a:rPr lang="en-US" b="1" dirty="0" err="1">
+                <a:solidFill>
+                  <a:srgbClr val="0070C0"/>
+                </a:solidFill>
+              </a:rPr>
+              <a:t>Interruptores</a:t>
+            </a:r>
+            <a:endParaRPr lang="en-US" b="1" dirty="0">
+              <a:solidFill>
+                <a:srgbClr val="0070C0"/>
+              </a:solidFill>
+            </a:endParaRPr>
+          </a:p>
+        </p:txBody>
+      </p:sp>
+      <p:sp>
+        <p:nvSpPr>
+          <p:cNvPr id="8" name="Text Placeholder 2"/>
+          <p:cNvSpPr>
+            <a:spLocks noGrp="1"/>
+          </p:cNvSpPr>
+          <p:nvPr>
+            <p:ph type="body" sz="half" idx="1"/>
+          </p:nvPr>
+        </p:nvSpPr>
+        <p:spPr>
+          <a:xfrm>
+            <a:off x="142865" y="1124762"/>
+            <a:ext cx="8865056" cy="3812757"/>
+          </a:xfrm>
+        </p:spPr>
+        <p:txBody>
+          <a:bodyPr>
+            <a:noAutofit/>
+          </a:bodyPr>
+          <a:lstStyle/>
+          <a:p>
+            <a:pPr algn="just">
+              <a:buFont typeface="Wingdings" panose="05000000000000000000" pitchFamily="2" charset="2"/>
+              <a:buChar char="§"/>
+            </a:pPr>
+            <a:r>
+              <a:rPr lang="pt-BR" sz="2000" dirty="0">
+                <a:solidFill>
+                  <a:schemeClr val="tx1"/>
+                </a:solidFill>
+                <a:latin typeface="Times New Roman" panose="02020603050405020304" pitchFamily="18" charset="0"/>
+                <a:cs typeface="Times New Roman" panose="02020603050405020304" pitchFamily="18" charset="0"/>
+              </a:rPr>
+              <a:t>O </a:t>
+            </a:r>
+            <a:r>
+              <a:rPr lang="pt-BR" sz="2000" b="1" dirty="0">
+                <a:solidFill>
+                  <a:schemeClr val="tx1"/>
+                </a:solidFill>
+                <a:latin typeface="Times New Roman" panose="02020603050405020304" pitchFamily="18" charset="0"/>
+                <a:cs typeface="Times New Roman" panose="02020603050405020304" pitchFamily="18" charset="0"/>
+              </a:rPr>
+              <a:t>Interruptor Pulsador</a:t>
+            </a:r>
+            <a:r>
+              <a:rPr lang="pt-BR" sz="2000" dirty="0">
+                <a:solidFill>
+                  <a:schemeClr val="tx1"/>
+                </a:solidFill>
+                <a:latin typeface="Times New Roman" panose="02020603050405020304" pitchFamily="18" charset="0"/>
+                <a:cs typeface="Times New Roman" panose="02020603050405020304" pitchFamily="18" charset="0"/>
+              </a:rPr>
+              <a:t> é um tipo de interruptor que ao ser pressionado faz o fechamento do circuito. O estado do interruptor sem estar pressionado pode ser normalmente aberto (NA) ou normalmente fechado (NF). </a:t>
+            </a:r>
+          </a:p>
+          <a:p>
+            <a:pPr marL="0" indent="0" algn="just">
+              <a:buNone/>
+            </a:pPr>
+            <a:r>
+              <a:rPr lang="pt-BR" sz="2000" dirty="0">
+                <a:solidFill>
+                  <a:schemeClr val="tx1"/>
+                </a:solidFill>
+                <a:latin typeface="Times New Roman" panose="02020603050405020304" pitchFamily="18" charset="0"/>
+                <a:cs typeface="Times New Roman" panose="02020603050405020304" pitchFamily="18" charset="0"/>
+              </a:rPr>
+              <a:t>	</a:t>
+            </a:r>
+          </a:p>
+          <a:p>
+            <a:pPr marL="0" indent="0" algn="just">
+              <a:buNone/>
+            </a:pPr>
+            <a:endParaRPr lang="pt-BR" sz="2000" dirty="0">
+              <a:solidFill>
+                <a:schemeClr val="tx1"/>
+              </a:solidFill>
+              <a:latin typeface="Times New Roman" panose="02020603050405020304" pitchFamily="18" charset="0"/>
+              <a:cs typeface="Times New Roman" panose="02020603050405020304" pitchFamily="18" charset="0"/>
+            </a:endParaRPr>
+          </a:p>
+          <a:p>
+            <a:pPr marL="0" indent="0" algn="just">
+              <a:buNone/>
+            </a:pPr>
+            <a:endParaRPr lang="pt-BR" sz="2000" dirty="0">
+              <a:solidFill>
+                <a:schemeClr val="tx1"/>
+              </a:solidFill>
+              <a:latin typeface="Times New Roman" panose="02020603050405020304" pitchFamily="18" charset="0"/>
+              <a:cs typeface="Times New Roman" panose="02020603050405020304" pitchFamily="18" charset="0"/>
+            </a:endParaRPr>
+          </a:p>
+          <a:p>
+            <a:pPr marL="0" indent="0" algn="just">
+              <a:buNone/>
+            </a:pPr>
+            <a:endParaRPr lang="pt-BR" sz="2000" dirty="0">
+              <a:solidFill>
+                <a:schemeClr val="tx1"/>
+              </a:solidFill>
+              <a:latin typeface="Times New Roman" panose="02020603050405020304" pitchFamily="18" charset="0"/>
+              <a:cs typeface="Times New Roman" panose="02020603050405020304" pitchFamily="18" charset="0"/>
+            </a:endParaRPr>
+          </a:p>
+          <a:p>
+            <a:pPr marL="0" indent="0" algn="just">
+              <a:buNone/>
+            </a:pPr>
+            <a:endParaRPr lang="pt-BR" sz="2000" dirty="0">
+              <a:solidFill>
+                <a:schemeClr val="tx1"/>
+              </a:solidFill>
+              <a:latin typeface="Times New Roman" panose="02020603050405020304" pitchFamily="18" charset="0"/>
+              <a:cs typeface="Times New Roman" panose="02020603050405020304" pitchFamily="18" charset="0"/>
+            </a:endParaRPr>
+          </a:p>
+          <a:p>
+            <a:pPr marL="0" indent="0" algn="just">
+              <a:buNone/>
+            </a:pPr>
+            <a:r>
+              <a:rPr lang="pt-BR" sz="2000" dirty="0">
+                <a:solidFill>
+                  <a:schemeClr val="tx1"/>
+                </a:solidFill>
+                <a:latin typeface="Times New Roman" panose="02020603050405020304" pitchFamily="18" charset="0"/>
+                <a:cs typeface="Times New Roman" panose="02020603050405020304" pitchFamily="18" charset="0"/>
+              </a:rPr>
+              <a:t>	O que difere este interruptor de um interruptor liga / desliga, é justamente o fato do pulsador exigir o pressionamento para manter o circuito fechado.</a:t>
+            </a:r>
+          </a:p>
+        </p:txBody>
+      </p:sp>
+      <p:pic>
+        <p:nvPicPr>
+          <p:cNvPr id="4" name="Imagem 3">
+            <a:extLst>
+              <a:ext uri="{FF2B5EF4-FFF2-40B4-BE49-F238E27FC236}">
+                <a16:creationId xmlns:a16="http://schemas.microsoft.com/office/drawing/2014/main" id="{A6B58136-CC43-0FD7-3F79-51D93A788110}"/>
+              </a:ext>
+            </a:extLst>
+          </p:cNvPr>
+          <p:cNvPicPr>
+            <a:picLocks noChangeAspect="1"/>
+          </p:cNvPicPr>
+          <p:nvPr/>
+        </p:nvPicPr>
+        <p:blipFill>
+          <a:blip r:embed="rId3"/>
+          <a:stretch>
+            <a:fillRect/>
+          </a:stretch>
+        </p:blipFill>
+        <p:spPr>
+          <a:xfrm>
+            <a:off x="2994606" y="2500222"/>
+            <a:ext cx="1847850" cy="1190625"/>
+          </a:xfrm>
+          <a:prstGeom prst="rect">
+            <a:avLst/>
+          </a:prstGeom>
+        </p:spPr>
+      </p:pic>
+    </p:spTree>
+    <p:extLst>
+      <p:ext uri="{BB962C8B-B14F-4D97-AF65-F5344CB8AC3E}">
+        <p14:creationId xmlns:p14="http://schemas.microsoft.com/office/powerpoint/2010/main" val="1850203485"/>
+      </p:ext>
+    </p:extLst>
+  </p:cSld>
+  <p:clrMapOvr>
+    <a:masterClrMapping/>
+  </p:clrMapOvr>
+  <p:transition spd="med"/>
+</p:sld>
+</file>
+
+<file path=ppt/slides/slide17.xml><?xml version="1.0" encoding="utf-8"?>
+<p:sld xmlns:a="http://schemas.openxmlformats.org/drawingml/2006/main" xmlns:r="http://schemas.openxmlformats.org/officeDocument/2006/relationships" xmlns:p="http://schemas.openxmlformats.org/presentationml/2006/main">
+  <p:cSld>
+    <p:spTree>
+      <p:nvGrpSpPr>
+        <p:cNvPr id="1" name=""/>
+        <p:cNvGrpSpPr/>
+        <p:nvPr/>
+      </p:nvGrpSpPr>
+      <p:grpSpPr>
+        <a:xfrm>
+          <a:off x="0" y="0"/>
+          <a:ext cx="0" cy="0"/>
+          <a:chOff x="0" y="0"/>
+          <a:chExt cx="0" cy="0"/>
+        </a:xfrm>
+      </p:grpSpPr>
+      <p:sp>
+        <p:nvSpPr>
+          <p:cNvPr id="6" name="Title 1"/>
+          <p:cNvSpPr>
+            <a:spLocks noGrp="1"/>
+          </p:cNvSpPr>
+          <p:nvPr>
+            <p:ph type="title"/>
+          </p:nvPr>
+        </p:nvSpPr>
+        <p:spPr>
+          <a:xfrm>
+            <a:off x="457200" y="205980"/>
+            <a:ext cx="8229600" cy="857251"/>
+          </a:xfrm>
+        </p:spPr>
+        <p:txBody>
+          <a:bodyPr>
+            <a:normAutofit/>
+          </a:bodyPr>
+          <a:lstStyle/>
+          <a:p>
+            <a:r>
+              <a:rPr lang="en-US" b="1" dirty="0" err="1">
+                <a:solidFill>
+                  <a:srgbClr val="0070C0"/>
+                </a:solidFill>
+              </a:rPr>
+              <a:t>Leitura</a:t>
+            </a:r>
+            <a:r>
+              <a:rPr lang="en-US" b="1" dirty="0">
+                <a:solidFill>
+                  <a:srgbClr val="0070C0"/>
+                </a:solidFill>
+              </a:rPr>
+              <a:t> </a:t>
+            </a:r>
+            <a:r>
+              <a:rPr lang="en-US" b="1" dirty="0" err="1">
+                <a:solidFill>
+                  <a:srgbClr val="0070C0"/>
+                </a:solidFill>
+              </a:rPr>
+              <a:t>Específica</a:t>
+            </a:r>
+            <a:endParaRPr lang="en-US" b="1" dirty="0">
+              <a:solidFill>
+                <a:srgbClr val="0070C0"/>
+              </a:solidFill>
+            </a:endParaRPr>
+          </a:p>
+        </p:txBody>
+      </p:sp>
+      <p:sp>
+        <p:nvSpPr>
+          <p:cNvPr id="8" name="Text Placeholder 2"/>
+          <p:cNvSpPr>
+            <a:spLocks noGrp="1"/>
+          </p:cNvSpPr>
+          <p:nvPr>
+            <p:ph type="body" sz="half" idx="1"/>
+          </p:nvPr>
+        </p:nvSpPr>
+        <p:spPr>
+          <a:xfrm>
+            <a:off x="142865" y="1200150"/>
+            <a:ext cx="8865056" cy="3737369"/>
+          </a:xfrm>
+        </p:spPr>
+        <p:txBody>
+          <a:bodyPr>
+            <a:noAutofit/>
+          </a:bodyPr>
+          <a:lstStyle/>
+          <a:p>
+            <a:pPr marL="0" indent="0" algn="just">
+              <a:buNone/>
+            </a:pPr>
+            <a:r>
+              <a:rPr lang="pt-BR" sz="2000" dirty="0">
+                <a:latin typeface="Times New Roman" panose="02020603050405020304" pitchFamily="18" charset="0"/>
+                <a:cs typeface="Times New Roman" panose="02020603050405020304" pitchFamily="18" charset="0"/>
+              </a:rPr>
+              <a:t>[1] </a:t>
+            </a:r>
+            <a:r>
+              <a:rPr lang="pt-BR" sz="2000" b="1" dirty="0">
+                <a:latin typeface="Times New Roman" panose="02020603050405020304" pitchFamily="18" charset="0"/>
+                <a:cs typeface="Times New Roman" panose="02020603050405020304" pitchFamily="18" charset="0"/>
+              </a:rPr>
+              <a:t>Controle de Displays de Sete Segmentos</a:t>
+            </a:r>
+          </a:p>
+          <a:p>
+            <a:pPr marL="0" indent="0" algn="just">
+              <a:buNone/>
+            </a:pPr>
+            <a:r>
+              <a:rPr lang="pt-BR" sz="2000" b="1" dirty="0">
+                <a:solidFill>
+                  <a:srgbClr val="FF0000"/>
+                </a:solidFill>
+                <a:latin typeface="Times New Roman" panose="02020603050405020304" pitchFamily="18" charset="0"/>
+                <a:cs typeface="Times New Roman" panose="02020603050405020304" pitchFamily="18" charset="0"/>
+              </a:rPr>
+              <a:t>Disponível em:</a:t>
+            </a:r>
+          </a:p>
+          <a:p>
+            <a:pPr marL="0" indent="0" algn="just">
+              <a:buNone/>
+            </a:pPr>
+            <a:r>
+              <a:rPr lang="pt-BR" sz="2000" b="1" dirty="0">
+                <a:solidFill>
+                  <a:srgbClr val="FF0000"/>
+                </a:solidFill>
+                <a:latin typeface="Times New Roman" panose="02020603050405020304" pitchFamily="18" charset="0"/>
+                <a:cs typeface="Times New Roman" panose="02020603050405020304" pitchFamily="18" charset="0"/>
+              </a:rPr>
+              <a:t> </a:t>
+            </a:r>
+            <a:r>
+              <a:rPr lang="pt-BR" sz="2000" dirty="0">
+                <a:latin typeface="Times New Roman" panose="02020603050405020304" pitchFamily="18" charset="0"/>
+                <a:cs typeface="Times New Roman" panose="02020603050405020304" pitchFamily="18" charset="0"/>
+                <a:hlinkClick r:id="rId3"/>
+              </a:rPr>
+              <a:t>http://www.arnerobotics.com.br/eletronica/Microcontrolador_PIC_pratica_4.htm</a:t>
+            </a:r>
+            <a:r>
+              <a:rPr lang="pt-BR" sz="2000" dirty="0">
+                <a:latin typeface="Times New Roman" panose="02020603050405020304" pitchFamily="18" charset="0"/>
+                <a:cs typeface="Times New Roman" panose="02020603050405020304" pitchFamily="18" charset="0"/>
+              </a:rPr>
+              <a:t> </a:t>
+            </a:r>
+          </a:p>
+          <a:p>
+            <a:pPr marL="0" indent="0" algn="just">
+              <a:buNone/>
+            </a:pPr>
+            <a:endParaRPr lang="pt-BR" sz="2000" dirty="0">
+              <a:latin typeface="Times New Roman" panose="02020603050405020304" pitchFamily="18" charset="0"/>
+              <a:cs typeface="Times New Roman" panose="02020603050405020304" pitchFamily="18" charset="0"/>
+            </a:endParaRPr>
+          </a:p>
+          <a:p>
+            <a:pPr marL="0" indent="0" algn="just">
+              <a:buNone/>
+            </a:pPr>
+            <a:endParaRPr lang="pt-BR" sz="2000" dirty="0">
+              <a:latin typeface="Times New Roman" panose="02020603050405020304" pitchFamily="18" charset="0"/>
+              <a:cs typeface="Times New Roman" panose="02020603050405020304" pitchFamily="18" charset="0"/>
+            </a:endParaRPr>
+          </a:p>
+          <a:p>
+            <a:pPr marL="0" indent="0" algn="just">
+              <a:buNone/>
+            </a:pPr>
+            <a:r>
+              <a:rPr lang="pt-BR" sz="2000" dirty="0">
+                <a:latin typeface="Times New Roman" panose="02020603050405020304" pitchFamily="18" charset="0"/>
+                <a:cs typeface="Times New Roman" panose="02020603050405020304" pitchFamily="18" charset="0"/>
+              </a:rPr>
+              <a:t>[2] </a:t>
+            </a:r>
+            <a:r>
+              <a:rPr lang="pt-BR" sz="2000" b="1" dirty="0">
+                <a:latin typeface="Times New Roman" panose="02020603050405020304" pitchFamily="18" charset="0"/>
+                <a:cs typeface="Times New Roman" panose="02020603050405020304" pitchFamily="18" charset="0"/>
+              </a:rPr>
+              <a:t>Automação residencial: microcontrolador </a:t>
+            </a:r>
+            <a:r>
+              <a:rPr lang="pt-BR" sz="2000" b="1" dirty="0" err="1">
+                <a:latin typeface="Times New Roman" panose="02020603050405020304" pitchFamily="18" charset="0"/>
+                <a:cs typeface="Times New Roman" panose="02020603050405020304" pitchFamily="18" charset="0"/>
+              </a:rPr>
+              <a:t>arduino</a:t>
+            </a:r>
+            <a:r>
+              <a:rPr lang="pt-BR" sz="2000" b="1" dirty="0">
+                <a:latin typeface="Times New Roman" panose="02020603050405020304" pitchFamily="18" charset="0"/>
+                <a:cs typeface="Times New Roman" panose="02020603050405020304" pitchFamily="18" charset="0"/>
+              </a:rPr>
+              <a:t> através de aplicação web</a:t>
+            </a:r>
+            <a:r>
+              <a:rPr lang="pt-BR" sz="2000" dirty="0">
+                <a:latin typeface="Times New Roman" panose="02020603050405020304" pitchFamily="18" charset="0"/>
+                <a:cs typeface="Times New Roman" panose="02020603050405020304" pitchFamily="18" charset="0"/>
+              </a:rPr>
+              <a:t> </a:t>
+            </a:r>
+          </a:p>
+          <a:p>
+            <a:pPr marL="0" indent="0" algn="just">
+              <a:buNone/>
+            </a:pPr>
+            <a:r>
+              <a:rPr lang="pt-BR" sz="2000" b="1" dirty="0">
+                <a:solidFill>
+                  <a:srgbClr val="FF0000"/>
+                </a:solidFill>
+                <a:latin typeface="Times New Roman" panose="02020603050405020304" pitchFamily="18" charset="0"/>
+                <a:cs typeface="Times New Roman" panose="02020603050405020304" pitchFamily="18" charset="0"/>
+              </a:rPr>
+              <a:t>Disponível em: </a:t>
+            </a:r>
+            <a:r>
+              <a:rPr lang="pt-BR" sz="2000" dirty="0">
+                <a:solidFill>
+                  <a:srgbClr val="FF0000"/>
+                </a:solidFill>
+                <a:latin typeface="Times New Roman" panose="02020603050405020304" pitchFamily="18" charset="0"/>
+                <a:cs typeface="Times New Roman" panose="02020603050405020304" pitchFamily="18" charset="0"/>
+                <a:hlinkClick r:id="rId4"/>
+              </a:rPr>
+              <a:t>https://repositorio.uniceub.br/jspui/handle/prefix/15101</a:t>
+            </a:r>
+            <a:r>
+              <a:rPr lang="pt-BR" sz="2000" dirty="0">
+                <a:solidFill>
+                  <a:srgbClr val="FF0000"/>
+                </a:solidFill>
+                <a:latin typeface="Times New Roman" panose="02020603050405020304" pitchFamily="18" charset="0"/>
+                <a:cs typeface="Times New Roman" panose="02020603050405020304" pitchFamily="18" charset="0"/>
+              </a:rPr>
+              <a:t> </a:t>
+            </a:r>
+            <a:endParaRPr lang="pt-BR" sz="2000" dirty="0">
+              <a:latin typeface="Times New Roman" panose="02020603050405020304" pitchFamily="18" charset="0"/>
+              <a:cs typeface="Times New Roman" panose="02020603050405020304" pitchFamily="18" charset="0"/>
+            </a:endParaRPr>
+          </a:p>
+        </p:txBody>
+      </p:sp>
+    </p:spTree>
+    <p:extLst>
+      <p:ext uri="{BB962C8B-B14F-4D97-AF65-F5344CB8AC3E}">
+        <p14:creationId xmlns:p14="http://schemas.microsoft.com/office/powerpoint/2010/main" val="3680270425"/>
+      </p:ext>
+    </p:extLst>
+  </p:cSld>
+  <p:clrMapOvr>
+    <a:masterClrMapping/>
+  </p:clrMapOvr>
+  <p:transition spd="med"/>
+</p:sld>
+</file>
+
+<file path=ppt/slides/slide18.xml><?xml version="1.0" encoding="utf-8"?>
+<p:sld xmlns:a="http://schemas.openxmlformats.org/drawingml/2006/main" xmlns:r="http://schemas.openxmlformats.org/officeDocument/2006/relationships" xmlns:p="http://schemas.openxmlformats.org/presentationml/2006/main">
+  <p:cSld>
+    <p:spTree>
+      <p:nvGrpSpPr>
+        <p:cNvPr id="1" name=""/>
+        <p:cNvGrpSpPr/>
+        <p:nvPr/>
+      </p:nvGrpSpPr>
+      <p:grpSpPr>
+        <a:xfrm>
+          <a:off x="0" y="0"/>
+          <a:ext cx="0" cy="0"/>
+          <a:chOff x="0" y="0"/>
+          <a:chExt cx="0" cy="0"/>
+        </a:xfrm>
+      </p:grpSpPr>
+      <p:sp>
+        <p:nvSpPr>
+          <p:cNvPr id="6" name="Title 1"/>
+          <p:cNvSpPr>
+            <a:spLocks noGrp="1"/>
+          </p:cNvSpPr>
+          <p:nvPr>
+            <p:ph type="title"/>
+          </p:nvPr>
+        </p:nvSpPr>
+        <p:spPr>
+          <a:xfrm>
+            <a:off x="457200" y="205980"/>
+            <a:ext cx="8229600" cy="857251"/>
+          </a:xfrm>
+        </p:spPr>
+        <p:txBody>
+          <a:bodyPr>
+            <a:normAutofit/>
+          </a:bodyPr>
+          <a:lstStyle/>
+          <a:p>
+            <a:r>
+              <a:rPr lang="en-US" b="1" dirty="0" err="1">
+                <a:solidFill>
+                  <a:srgbClr val="0070C0"/>
+                </a:solidFill>
+              </a:rPr>
+              <a:t>Aprenda</a:t>
+            </a:r>
+            <a:r>
+              <a:rPr lang="en-US" b="1" dirty="0">
+                <a:solidFill>
+                  <a:srgbClr val="0070C0"/>
+                </a:solidFill>
+              </a:rPr>
+              <a:t>+</a:t>
+            </a:r>
+          </a:p>
+        </p:txBody>
+      </p:sp>
+      <p:sp>
+        <p:nvSpPr>
+          <p:cNvPr id="8" name="Text Placeholder 2"/>
+          <p:cNvSpPr>
+            <a:spLocks noGrp="1"/>
+          </p:cNvSpPr>
+          <p:nvPr>
+            <p:ph type="body" sz="half" idx="1"/>
+          </p:nvPr>
+        </p:nvSpPr>
+        <p:spPr>
+          <a:xfrm>
+            <a:off x="142865" y="1200150"/>
+            <a:ext cx="8865056" cy="3737370"/>
+          </a:xfrm>
+        </p:spPr>
+        <p:txBody>
+          <a:bodyPr>
+            <a:noAutofit/>
+          </a:bodyPr>
+          <a:lstStyle/>
+          <a:p>
+            <a:pPr marL="0" indent="0" algn="just">
+              <a:buNone/>
+            </a:pPr>
+            <a:r>
+              <a:rPr lang="pt-BR" sz="2400" dirty="0">
+                <a:latin typeface="Times New Roman" panose="02020603050405020304" pitchFamily="18" charset="0"/>
+                <a:cs typeface="Times New Roman" panose="02020603050405020304" pitchFamily="18" charset="0"/>
+              </a:rPr>
+              <a:t>[1] </a:t>
+            </a:r>
+            <a:r>
+              <a:rPr lang="pt-BR" sz="2400" b="1" dirty="0">
+                <a:latin typeface="Times New Roman" panose="02020603050405020304" pitchFamily="18" charset="0"/>
+                <a:cs typeface="Times New Roman" panose="02020603050405020304" pitchFamily="18" charset="0"/>
+              </a:rPr>
+              <a:t>Display LCD 20 x 2 com Microcontrolador</a:t>
+            </a:r>
+          </a:p>
+          <a:p>
+            <a:pPr marL="0" indent="0" algn="just">
+              <a:buNone/>
+            </a:pPr>
+            <a:r>
+              <a:rPr lang="pt-BR" sz="2400" b="1" dirty="0">
+                <a:solidFill>
+                  <a:srgbClr val="FF0000"/>
+                </a:solidFill>
+                <a:latin typeface="Times New Roman" panose="02020603050405020304" pitchFamily="18" charset="0"/>
+                <a:cs typeface="Times New Roman" panose="02020603050405020304" pitchFamily="18" charset="0"/>
+              </a:rPr>
+              <a:t>Disponível em: </a:t>
+            </a:r>
+            <a:r>
+              <a:rPr lang="pt-BR" sz="2400" dirty="0">
+                <a:latin typeface="Times New Roman" panose="02020603050405020304" pitchFamily="18" charset="0"/>
+                <a:cs typeface="Times New Roman" panose="02020603050405020304" pitchFamily="18" charset="0"/>
+                <a:hlinkClick r:id="rId3"/>
+              </a:rPr>
+              <a:t>https://youtu.be/5tIW5tvR3ow</a:t>
+            </a:r>
+            <a:r>
+              <a:rPr lang="pt-BR" sz="2400" dirty="0">
+                <a:latin typeface="Times New Roman" panose="02020603050405020304" pitchFamily="18" charset="0"/>
+                <a:cs typeface="Times New Roman" panose="02020603050405020304" pitchFamily="18" charset="0"/>
+              </a:rPr>
+              <a:t> </a:t>
+            </a:r>
+          </a:p>
+          <a:p>
+            <a:pPr marL="0" indent="0" algn="just">
+              <a:buNone/>
+            </a:pPr>
+            <a:endParaRPr lang="pt-BR" sz="2400" dirty="0">
+              <a:latin typeface="Times New Roman" panose="02020603050405020304" pitchFamily="18" charset="0"/>
+              <a:cs typeface="Times New Roman" panose="02020603050405020304" pitchFamily="18" charset="0"/>
+            </a:endParaRPr>
+          </a:p>
+          <a:p>
+            <a:pPr marL="0" indent="0" algn="just">
+              <a:buNone/>
+            </a:pPr>
+            <a:r>
+              <a:rPr lang="pt-BR" sz="2400" dirty="0">
+                <a:latin typeface="Times New Roman" panose="02020603050405020304" pitchFamily="18" charset="0"/>
+                <a:cs typeface="Times New Roman" panose="02020603050405020304" pitchFamily="18" charset="0"/>
+              </a:rPr>
+              <a:t>[2] </a:t>
+            </a:r>
+            <a:r>
+              <a:rPr lang="pt-BR" sz="2400" b="1" dirty="0">
+                <a:latin typeface="Times New Roman" panose="02020603050405020304" pitchFamily="18" charset="0"/>
+                <a:cs typeface="Times New Roman" panose="02020603050405020304" pitchFamily="18" charset="0"/>
+              </a:rPr>
+              <a:t>O notável Interruptor WiFi com ESP8266</a:t>
+            </a:r>
+          </a:p>
+          <a:p>
+            <a:pPr marL="0" indent="0" algn="just">
+              <a:buNone/>
+            </a:pPr>
+            <a:r>
+              <a:rPr lang="pt-BR" sz="2400" b="1" dirty="0">
+                <a:solidFill>
+                  <a:srgbClr val="FF0000"/>
+                </a:solidFill>
+                <a:latin typeface="Times New Roman" panose="02020603050405020304" pitchFamily="18" charset="0"/>
+                <a:cs typeface="Times New Roman" panose="02020603050405020304" pitchFamily="18" charset="0"/>
+              </a:rPr>
+              <a:t>Disponível em: </a:t>
+            </a:r>
+            <a:r>
+              <a:rPr lang="pt-BR" sz="2400" dirty="0">
+                <a:solidFill>
+                  <a:srgbClr val="FF0000"/>
+                </a:solidFill>
+                <a:latin typeface="Times New Roman" panose="02020603050405020304" pitchFamily="18" charset="0"/>
+                <a:cs typeface="Times New Roman" panose="02020603050405020304" pitchFamily="18" charset="0"/>
+                <a:hlinkClick r:id="rId4"/>
+              </a:rPr>
+              <a:t>https://youtu.be/9Lm8BRGAf_c</a:t>
+            </a:r>
+            <a:r>
+              <a:rPr lang="pt-BR" sz="2400" dirty="0">
+                <a:solidFill>
+                  <a:srgbClr val="FF0000"/>
+                </a:solidFill>
+                <a:latin typeface="Times New Roman" panose="02020603050405020304" pitchFamily="18" charset="0"/>
+                <a:cs typeface="Times New Roman" panose="02020603050405020304" pitchFamily="18" charset="0"/>
+              </a:rPr>
+              <a:t> </a:t>
+            </a:r>
+          </a:p>
+          <a:p>
+            <a:pPr marL="0" indent="0" algn="just">
+              <a:buNone/>
+            </a:pPr>
+            <a:r>
+              <a:rPr lang="pt-BR" sz="2400" dirty="0">
+                <a:solidFill>
+                  <a:schemeClr val="tx1"/>
+                </a:solidFill>
+                <a:latin typeface="Times New Roman" panose="02020603050405020304" pitchFamily="18" charset="0"/>
+                <a:cs typeface="Times New Roman" panose="02020603050405020304" pitchFamily="18" charset="0"/>
+              </a:rPr>
+              <a:t>	</a:t>
+            </a:r>
+            <a:r>
+              <a:rPr lang="pt-BR" sz="2400" dirty="0">
+                <a:solidFill>
+                  <a:schemeClr val="tx1"/>
+                </a:solidFill>
+                <a:latin typeface="Times New Roman" panose="02020603050405020304" pitchFamily="18" charset="0"/>
+                <a:cs typeface="Times New Roman" panose="02020603050405020304" pitchFamily="18" charset="0"/>
+                <a:hlinkClick r:id="rId5"/>
+              </a:rPr>
+              <a:t>https://www.fernandok.com/2018/09/o-notavel-interruptor-wifi-com-esp8266.html</a:t>
+            </a:r>
+            <a:r>
+              <a:rPr lang="pt-BR" sz="2400" dirty="0">
+                <a:solidFill>
+                  <a:schemeClr val="tx1"/>
+                </a:solidFill>
+                <a:latin typeface="Times New Roman" panose="02020603050405020304" pitchFamily="18" charset="0"/>
+                <a:cs typeface="Times New Roman" panose="02020603050405020304" pitchFamily="18" charset="0"/>
+              </a:rPr>
+              <a:t> </a:t>
+            </a:r>
+          </a:p>
+          <a:p>
+            <a:pPr marL="0" indent="0" algn="just">
+              <a:buNone/>
+            </a:pPr>
+            <a:endParaRPr lang="pt-BR" sz="2400" dirty="0">
+              <a:latin typeface="Times New Roman" panose="02020603050405020304" pitchFamily="18" charset="0"/>
+              <a:cs typeface="Times New Roman" panose="02020603050405020304" pitchFamily="18" charset="0"/>
+            </a:endParaRPr>
+          </a:p>
+        </p:txBody>
+      </p:sp>
+    </p:spTree>
+    <p:extLst>
+      <p:ext uri="{BB962C8B-B14F-4D97-AF65-F5344CB8AC3E}">
+        <p14:creationId xmlns:p14="http://schemas.microsoft.com/office/powerpoint/2010/main" val="2747596967"/>
+      </p:ext>
+    </p:extLst>
+  </p:cSld>
+  <p:clrMapOvr>
+    <a:masterClrMapping/>
+  </p:clrMapOvr>
+  <p:transition spd="med"/>
+</p:sld>
+</file>
+
+<file path=ppt/slides/slide19.xml><?xml version="1.0" encoding="utf-8"?>
+<p:sld xmlns:a="http://schemas.openxmlformats.org/drawingml/2006/main" xmlns:r="http://schemas.openxmlformats.org/officeDocument/2006/relationships" xmlns:p="http://schemas.openxmlformats.org/presentationml/2006/main">
+  <p:cSld>
+    <p:spTree>
+      <p:nvGrpSpPr>
+        <p:cNvPr id="1" name=""/>
+        <p:cNvGrpSpPr/>
+        <p:nvPr/>
+      </p:nvGrpSpPr>
+      <p:grpSpPr>
+        <a:xfrm>
+          <a:off x="0" y="0"/>
+          <a:ext cx="0" cy="0"/>
+          <a:chOff x="0" y="0"/>
+          <a:chExt cx="0" cy="0"/>
+        </a:xfrm>
+      </p:grpSpPr>
+      <p:sp>
+        <p:nvSpPr>
+          <p:cNvPr id="6" name="Title 1"/>
+          <p:cNvSpPr>
+            <a:spLocks noGrp="1"/>
+          </p:cNvSpPr>
+          <p:nvPr>
+            <p:ph type="title"/>
+          </p:nvPr>
+        </p:nvSpPr>
+        <p:spPr>
+          <a:xfrm>
+            <a:off x="457200" y="205980"/>
+            <a:ext cx="8229600" cy="857251"/>
+          </a:xfrm>
+        </p:spPr>
+        <p:txBody>
+          <a:bodyPr>
+            <a:normAutofit/>
+          </a:bodyPr>
+          <a:lstStyle/>
+          <a:p>
+            <a:r>
+              <a:rPr lang="en-US" b="1" dirty="0" err="1">
+                <a:solidFill>
+                  <a:srgbClr val="0070C0"/>
+                </a:solidFill>
+              </a:rPr>
+              <a:t>Dinâmica</a:t>
+            </a:r>
+            <a:r>
+              <a:rPr lang="en-US" b="1" dirty="0">
+                <a:solidFill>
+                  <a:srgbClr val="0070C0"/>
+                </a:solidFill>
+              </a:rPr>
+              <a:t>/</a:t>
+            </a:r>
+            <a:r>
+              <a:rPr lang="en-US" b="1" dirty="0" err="1">
+                <a:solidFill>
+                  <a:srgbClr val="0070C0"/>
+                </a:solidFill>
+              </a:rPr>
+              <a:t>Atividade</a:t>
+            </a:r>
+            <a:r>
+              <a:rPr lang="en-US" b="1" dirty="0">
+                <a:solidFill>
+                  <a:srgbClr val="0070C0"/>
+                </a:solidFill>
+              </a:rPr>
+              <a:t> - </a:t>
+            </a:r>
+            <a:r>
+              <a:rPr lang="en-US" b="1" dirty="0" err="1">
+                <a:solidFill>
+                  <a:srgbClr val="0070C0"/>
+                </a:solidFill>
+              </a:rPr>
+              <a:t>Exercício</a:t>
+            </a:r>
+            <a:endParaRPr lang="en-US" b="1" dirty="0">
+              <a:solidFill>
+                <a:srgbClr val="0070C0"/>
+              </a:solidFill>
+            </a:endParaRPr>
+          </a:p>
+        </p:txBody>
+      </p:sp>
+      <p:sp>
+        <p:nvSpPr>
+          <p:cNvPr id="8" name="Text Placeholder 2"/>
+          <p:cNvSpPr>
+            <a:spLocks noGrp="1"/>
+          </p:cNvSpPr>
+          <p:nvPr>
+            <p:ph type="body" sz="half" idx="1"/>
+          </p:nvPr>
+        </p:nvSpPr>
+        <p:spPr>
+          <a:xfrm>
+            <a:off x="139472" y="1063230"/>
+            <a:ext cx="8865056" cy="3996450"/>
+          </a:xfrm>
+        </p:spPr>
+        <p:txBody>
+          <a:bodyPr>
+            <a:noAutofit/>
+          </a:bodyPr>
+          <a:lstStyle/>
+          <a:p>
+            <a:pPr marL="0" indent="0" algn="just">
+              <a:buNone/>
+            </a:pPr>
+            <a:r>
+              <a:rPr lang="pt-BR" sz="2000" dirty="0">
+                <a:latin typeface="Times New Roman" panose="02020603050405020304" pitchFamily="18" charset="0"/>
+                <a:cs typeface="Times New Roman" panose="02020603050405020304" pitchFamily="18" charset="0"/>
+              </a:rPr>
+              <a:t>Criar </a:t>
+            </a:r>
+            <a:r>
+              <a:rPr lang="pt-BR" sz="2000" b="1" dirty="0">
+                <a:solidFill>
+                  <a:srgbClr val="FF0000"/>
+                </a:solidFill>
+                <a:latin typeface="Times New Roman" panose="02020603050405020304" pitchFamily="18" charset="0"/>
+                <a:cs typeface="Times New Roman" panose="02020603050405020304" pitchFamily="18" charset="0"/>
+              </a:rPr>
+              <a:t>projeto</a:t>
+            </a:r>
+            <a:r>
+              <a:rPr lang="pt-BR" sz="2000" dirty="0">
+                <a:solidFill>
+                  <a:srgbClr val="FF0000"/>
+                </a:solidFill>
+                <a:latin typeface="Times New Roman" panose="02020603050405020304" pitchFamily="18" charset="0"/>
+                <a:cs typeface="Times New Roman" panose="02020603050405020304" pitchFamily="18" charset="0"/>
+              </a:rPr>
+              <a:t> </a:t>
+            </a:r>
+            <a:r>
+              <a:rPr lang="pt-BR" sz="2000" b="1" dirty="0">
+                <a:solidFill>
+                  <a:srgbClr val="FF0000"/>
+                </a:solidFill>
+                <a:latin typeface="Times New Roman" panose="02020603050405020304" pitchFamily="18" charset="0"/>
+                <a:cs typeface="Times New Roman" panose="02020603050405020304" pitchFamily="18" charset="0"/>
+              </a:rPr>
+              <a:t>Display 7 Segmentos</a:t>
+            </a:r>
+            <a:r>
+              <a:rPr lang="pt-BR" sz="2000" dirty="0">
+                <a:solidFill>
+                  <a:srgbClr val="FF0000"/>
+                </a:solidFill>
+                <a:latin typeface="Times New Roman" panose="02020603050405020304" pitchFamily="18" charset="0"/>
+                <a:cs typeface="Times New Roman" panose="02020603050405020304" pitchFamily="18" charset="0"/>
+              </a:rPr>
+              <a:t> </a:t>
+            </a:r>
+            <a:r>
+              <a:rPr lang="pt-BR" sz="2000" b="1" dirty="0">
+                <a:solidFill>
+                  <a:srgbClr val="FF0000"/>
+                </a:solidFill>
+                <a:latin typeface="Times New Roman" panose="02020603050405020304" pitchFamily="18" charset="0"/>
+                <a:cs typeface="Times New Roman" panose="02020603050405020304" pitchFamily="18" charset="0"/>
+              </a:rPr>
+              <a:t>Arduino</a:t>
+            </a:r>
+            <a:r>
+              <a:rPr lang="pt-BR" sz="2000" dirty="0">
+                <a:latin typeface="Times New Roman" panose="02020603050405020304" pitchFamily="18" charset="0"/>
+                <a:cs typeface="Times New Roman" panose="02020603050405020304" pitchFamily="18" charset="0"/>
+              </a:rPr>
+              <a:t>, componentes:</a:t>
+            </a:r>
+          </a:p>
+          <a:p>
+            <a:pPr marL="0" indent="0" algn="just">
+              <a:buNone/>
+            </a:pPr>
+            <a:endParaRPr lang="pt-BR" sz="2000" dirty="0">
+              <a:latin typeface="Times New Roman" panose="02020603050405020304" pitchFamily="18" charset="0"/>
+              <a:cs typeface="Times New Roman" panose="02020603050405020304" pitchFamily="18" charset="0"/>
+            </a:endParaRPr>
+          </a:p>
+          <a:p>
+            <a:pPr marL="457200" indent="-457200" algn="just">
+              <a:buAutoNum type="arabicPeriod"/>
+            </a:pPr>
+            <a:r>
+              <a:rPr lang="pt-BR" sz="2000" dirty="0">
+                <a:latin typeface="Times New Roman" panose="02020603050405020304" pitchFamily="18" charset="0"/>
+                <a:cs typeface="Times New Roman" panose="02020603050405020304" pitchFamily="18" charset="0"/>
+              </a:rPr>
+              <a:t>Placa Arduino URO R3 com cabo USB</a:t>
+            </a:r>
+          </a:p>
+          <a:p>
+            <a:pPr marL="457200" indent="-457200" algn="just">
+              <a:buAutoNum type="arabicPeriod"/>
+            </a:pPr>
+            <a:r>
+              <a:rPr lang="pt-BR" sz="2000" dirty="0">
+                <a:latin typeface="Times New Roman" panose="02020603050405020304" pitchFamily="18" charset="0"/>
+                <a:cs typeface="Times New Roman" panose="02020603050405020304" pitchFamily="18" charset="0"/>
+              </a:rPr>
+              <a:t>Protoboard</a:t>
+            </a:r>
+          </a:p>
+          <a:p>
+            <a:pPr marL="457200" indent="-457200" algn="just">
+              <a:buAutoNum type="arabicPeriod"/>
+            </a:pPr>
+            <a:r>
+              <a:rPr lang="pt-BR" sz="2000" dirty="0">
+                <a:latin typeface="Times New Roman" panose="02020603050405020304" pitchFamily="18" charset="0"/>
+                <a:cs typeface="Times New Roman" panose="02020603050405020304" pitchFamily="18" charset="0"/>
+              </a:rPr>
+              <a:t>Display LCD 16 x 2</a:t>
+            </a:r>
+          </a:p>
+          <a:p>
+            <a:pPr marL="457200" indent="-457200" algn="just">
+              <a:buAutoNum type="arabicPeriod"/>
+            </a:pPr>
+            <a:r>
+              <a:rPr lang="pt-BR" sz="2000" dirty="0">
+                <a:latin typeface="Times New Roman" panose="02020603050405020304" pitchFamily="18" charset="0"/>
+                <a:cs typeface="Times New Roman" panose="02020603050405020304" pitchFamily="18" charset="0"/>
+              </a:rPr>
+              <a:t>Potenciômetro 10k ohm</a:t>
+            </a:r>
+          </a:p>
+          <a:p>
+            <a:pPr marL="457200" indent="-457200" algn="just">
+              <a:buAutoNum type="arabicPeriod"/>
+            </a:pPr>
+            <a:r>
+              <a:rPr lang="pt-BR" sz="2000" dirty="0">
+                <a:latin typeface="Times New Roman" panose="02020603050405020304" pitchFamily="18" charset="0"/>
+                <a:cs typeface="Times New Roman" panose="02020603050405020304" pitchFamily="18" charset="0"/>
+              </a:rPr>
+              <a:t>Jumpers macho-macho</a:t>
+            </a:r>
+          </a:p>
+          <a:p>
+            <a:pPr marL="0" indent="0" algn="just">
+              <a:buNone/>
+            </a:pPr>
+            <a:endParaRPr lang="pt-BR" sz="2000" dirty="0">
+              <a:latin typeface="Times New Roman" panose="02020603050405020304" pitchFamily="18" charset="0"/>
+              <a:cs typeface="Times New Roman" panose="02020603050405020304" pitchFamily="18" charset="0"/>
+            </a:endParaRPr>
+          </a:p>
+          <a:p>
+            <a:pPr marL="0" indent="0" algn="just">
+              <a:buNone/>
+            </a:pPr>
+            <a:r>
+              <a:rPr lang="pt-BR" sz="2000" dirty="0">
+                <a:latin typeface="Times New Roman" panose="02020603050405020304" pitchFamily="18" charset="0"/>
+                <a:cs typeface="Times New Roman" panose="02020603050405020304" pitchFamily="18" charset="0"/>
+              </a:rPr>
+              <a:t>		</a:t>
+            </a:r>
+            <a:r>
+              <a:rPr lang="pt-BR" sz="2000" dirty="0">
+                <a:latin typeface="Times New Roman" panose="02020603050405020304" pitchFamily="18" charset="0"/>
+                <a:cs typeface="Times New Roman" panose="02020603050405020304" pitchFamily="18" charset="0"/>
+                <a:hlinkClick r:id="rId3"/>
+              </a:rPr>
+              <a:t>https://www.makerhero.com/blog/como-utilizar-o-display-lcd-16x2/</a:t>
+            </a:r>
+            <a:r>
+              <a:rPr lang="pt-BR" sz="2000" dirty="0">
+                <a:latin typeface="Times New Roman" panose="02020603050405020304" pitchFamily="18" charset="0"/>
+                <a:cs typeface="Times New Roman" panose="02020603050405020304" pitchFamily="18" charset="0"/>
+              </a:rPr>
+              <a:t> </a:t>
+            </a:r>
+          </a:p>
+        </p:txBody>
+      </p:sp>
+    </p:spTree>
+    <p:extLst>
+      <p:ext uri="{BB962C8B-B14F-4D97-AF65-F5344CB8AC3E}">
+        <p14:creationId xmlns:p14="http://schemas.microsoft.com/office/powerpoint/2010/main" val="2470652989"/>
+      </p:ext>
+    </p:extLst>
+  </p:cSld>
+  <p:clrMapOvr>
+    <a:masterClrMapping/>
+  </p:clrMapOvr>
+  <p:transition spd="med"/>
+</p:sld>
+</file>
+
 <file path=ppt/slides/slide2.xml><?xml version="1.0" encoding="utf-8"?>
 <p:sld xmlns:a="http://schemas.openxmlformats.org/drawingml/2006/main" xmlns:r="http://schemas.openxmlformats.org/officeDocument/2006/relationships" xmlns:p="http://schemas.openxmlformats.org/presentationml/2006/main">
   <p:cSld>
@@ -4382,7 +8443,7 @@
 </p:sld>
 </file>
 
-<file path=ppt/slides/slide3.xml><?xml version="1.0" encoding="utf-8"?>
+<file path=ppt/slides/slide20.xml><?xml version="1.0" encoding="utf-8"?>
 <p:sld xmlns:a="http://schemas.openxmlformats.org/drawingml/2006/main" xmlns:r="http://schemas.openxmlformats.org/officeDocument/2006/relationships" xmlns:p="http://schemas.openxmlformats.org/presentationml/2006/main">
   <p:cSld>
     <p:spTree>
@@ -4427,7 +8488,7 @@
                   <a:srgbClr val="0070C0"/>
                 </a:solidFill>
               </a:rPr>
-              <a:t>Mostradores</a:t>
+              <a:t>Dinâmica</a:t>
             </a:r>
             <a:r>
               <a:rPr lang="en-US" b="1" dirty="0">
@@ -4435,8 +8496,37 @@
                   <a:srgbClr val="0070C0"/>
                 </a:solidFill>
               </a:rPr>
-              <a:t> (Interface)  – CI</a:t>
-            </a:r>
+              <a:t>/</a:t>
+            </a:r>
+            <a:r>
+              <a:rPr lang="en-US" b="1" dirty="0" err="1">
+                <a:solidFill>
+                  <a:srgbClr val="0070C0"/>
+                </a:solidFill>
+              </a:rPr>
+              <a:t>Atividade</a:t>
+            </a:r>
+            <a:r>
+              <a:rPr lang="en-US" b="1" dirty="0">
+                <a:solidFill>
+                  <a:srgbClr val="0070C0"/>
+                </a:solidFill>
+              </a:rPr>
+              <a:t> - </a:t>
+            </a:r>
+            <a:r>
+              <a:rPr lang="en-US" b="1" dirty="0" err="1">
+                <a:solidFill>
+                  <a:srgbClr val="0070C0"/>
+                </a:solidFill>
+              </a:rPr>
+              <a:t>Exercício</a:t>
+            </a:r>
+            <a:endParaRPr lang="en-US" b="1" dirty="0">
+              <a:solidFill>
+                <a:srgbClr val="0070C0"/>
+              </a:solidFill>
+            </a:endParaRPr>
           </a:p>
         </p:txBody>
       </p:sp>
@@ -4452,8 +8542,8 @@
         </p:nvSpPr>
         <p:spPr>
           <a:xfrm>
-            <a:off x="142865" y="1395222"/>
-            <a:ext cx="8865056" cy="3542298"/>
+            <a:off x="139472" y="1063230"/>
+            <a:ext cx="8865056" cy="3996450"/>
           </a:xfrm>
         </p:spPr>
         <p:txBody>
@@ -4467,13 +8557,140 @@
             </a:pPr>
             <a:r>
               <a:rPr lang="pt-BR" sz="2000" dirty="0">
-                <a:solidFill>
-                  <a:schemeClr val="tx1"/>
-                </a:solidFill>
-                <a:latin typeface="Times New Roman" panose="02020603050405020304" pitchFamily="18" charset="0"/>
-                <a:cs typeface="Times New Roman" panose="02020603050405020304" pitchFamily="18" charset="0"/>
-              </a:rPr>
-              <a:t>4.3 FUNÇÕES PARA A PROGRAMAÇÃO DE MOSTRADORES NA CRIAÇÃO DE INTERFACES COM O USUÁRIO</a:t>
+                <a:latin typeface="Times New Roman" panose="02020603050405020304" pitchFamily="18" charset="0"/>
+                <a:cs typeface="Times New Roman" panose="02020603050405020304" pitchFamily="18" charset="0"/>
+              </a:rPr>
+              <a:t>Criar </a:t>
+            </a:r>
+            <a:r>
+              <a:rPr lang="pt-BR" sz="2000" b="1" dirty="0">
+                <a:solidFill>
+                  <a:srgbClr val="FF0000"/>
+                </a:solidFill>
+                <a:latin typeface="Times New Roman" panose="02020603050405020304" pitchFamily="18" charset="0"/>
+                <a:cs typeface="Times New Roman" panose="02020603050405020304" pitchFamily="18" charset="0"/>
+              </a:rPr>
+              <a:t>projeto</a:t>
+            </a:r>
+            <a:r>
+              <a:rPr lang="pt-BR" sz="2000" dirty="0">
+                <a:solidFill>
+                  <a:srgbClr val="FF0000"/>
+                </a:solidFill>
+                <a:latin typeface="Times New Roman" panose="02020603050405020304" pitchFamily="18" charset="0"/>
+                <a:cs typeface="Times New Roman" panose="02020603050405020304" pitchFamily="18" charset="0"/>
+              </a:rPr>
+              <a:t> </a:t>
+            </a:r>
+            <a:r>
+              <a:rPr lang="pt-BR" sz="2000" b="1" dirty="0">
+                <a:solidFill>
+                  <a:srgbClr val="FF0000"/>
+                </a:solidFill>
+                <a:latin typeface="Times New Roman" panose="02020603050405020304" pitchFamily="18" charset="0"/>
+                <a:cs typeface="Times New Roman" panose="02020603050405020304" pitchFamily="18" charset="0"/>
+              </a:rPr>
+              <a:t>Interruptor Deslizante Arduino</a:t>
+            </a:r>
+            <a:r>
+              <a:rPr lang="pt-BR" sz="2000" dirty="0">
+                <a:latin typeface="Times New Roman" panose="02020603050405020304" pitchFamily="18" charset="0"/>
+                <a:cs typeface="Times New Roman" panose="02020603050405020304" pitchFamily="18" charset="0"/>
+              </a:rPr>
+              <a:t>, componentes:</a:t>
+            </a:r>
+          </a:p>
+          <a:p>
+            <a:pPr marL="0" indent="0" algn="just">
+              <a:buNone/>
+            </a:pPr>
+            <a:endParaRPr lang="pt-BR" sz="2000" dirty="0">
+              <a:latin typeface="Times New Roman" panose="02020603050405020304" pitchFamily="18" charset="0"/>
+              <a:cs typeface="Times New Roman" panose="02020603050405020304" pitchFamily="18" charset="0"/>
+            </a:endParaRPr>
+          </a:p>
+          <a:p>
+            <a:pPr marL="457200" indent="-457200" algn="just">
+              <a:buAutoNum type="arabicPeriod"/>
+            </a:pPr>
+            <a:r>
+              <a:rPr lang="pt-BR" sz="2000" dirty="0">
+                <a:latin typeface="Times New Roman" panose="02020603050405020304" pitchFamily="18" charset="0"/>
+                <a:cs typeface="Times New Roman" panose="02020603050405020304" pitchFamily="18" charset="0"/>
+              </a:rPr>
+              <a:t>Placa Arduino URO R3 com cabo USB</a:t>
+            </a:r>
+          </a:p>
+          <a:p>
+            <a:pPr marL="457200" indent="-457200" algn="just">
+              <a:buAutoNum type="arabicPeriod"/>
+            </a:pPr>
+            <a:r>
+              <a:rPr lang="pt-BR" sz="2000" dirty="0">
+                <a:latin typeface="Times New Roman" panose="02020603050405020304" pitchFamily="18" charset="0"/>
+                <a:cs typeface="Times New Roman" panose="02020603050405020304" pitchFamily="18" charset="0"/>
+              </a:rPr>
+              <a:t>Protoboard</a:t>
+            </a:r>
+          </a:p>
+          <a:p>
+            <a:pPr marL="457200" indent="-457200" algn="just">
+              <a:buAutoNum type="arabicPeriod"/>
+            </a:pPr>
+            <a:r>
+              <a:rPr lang="pt-BR" sz="2000" dirty="0">
+                <a:latin typeface="Times New Roman" panose="02020603050405020304" pitchFamily="18" charset="0"/>
+                <a:cs typeface="Times New Roman" panose="02020603050405020304" pitchFamily="18" charset="0"/>
+              </a:rPr>
+              <a:t>Interruptor Deslizante</a:t>
+            </a:r>
+          </a:p>
+          <a:p>
+            <a:pPr marL="457200" indent="-457200" algn="just">
+              <a:buAutoNum type="arabicPeriod"/>
+            </a:pPr>
+            <a:r>
+              <a:rPr lang="pt-BR" sz="2000" dirty="0">
+                <a:latin typeface="Times New Roman" panose="02020603050405020304" pitchFamily="18" charset="0"/>
+                <a:cs typeface="Times New Roman" panose="02020603050405020304" pitchFamily="18" charset="0"/>
+              </a:rPr>
+              <a:t>LED</a:t>
+            </a:r>
+          </a:p>
+          <a:p>
+            <a:pPr marL="0" indent="0" algn="just">
+              <a:buNone/>
+            </a:pPr>
+            <a:endParaRPr lang="pt-BR" sz="2000" dirty="0">
+              <a:latin typeface="Times New Roman" panose="02020603050405020304" pitchFamily="18" charset="0"/>
+              <a:cs typeface="Times New Roman" panose="02020603050405020304" pitchFamily="18" charset="0"/>
+            </a:endParaRPr>
+          </a:p>
+          <a:p>
+            <a:pPr marL="0" indent="0" algn="just">
+              <a:buNone/>
+            </a:pPr>
+            <a:r>
+              <a:rPr lang="pt-BR" sz="2000" dirty="0">
+                <a:latin typeface="Times New Roman" panose="02020603050405020304" pitchFamily="18" charset="0"/>
+                <a:cs typeface="Times New Roman" panose="02020603050405020304" pitchFamily="18" charset="0"/>
+              </a:rPr>
+              <a:t>		</a:t>
+            </a:r>
+            <a:r>
+              <a:rPr lang="pt-BR" sz="2000" dirty="0">
+                <a:latin typeface="Times New Roman" panose="02020603050405020304" pitchFamily="18" charset="0"/>
+                <a:cs typeface="Times New Roman" panose="02020603050405020304" pitchFamily="18" charset="0"/>
+                <a:hlinkClick r:id="rId3"/>
+              </a:rPr>
+              <a:t>https://youtu.be/Zv6SvN9yEeA</a:t>
+            </a:r>
+            <a:r>
+              <a:rPr lang="pt-BR" sz="2000" dirty="0">
+                <a:latin typeface="Times New Roman" panose="02020603050405020304" pitchFamily="18" charset="0"/>
+                <a:cs typeface="Times New Roman" panose="02020603050405020304" pitchFamily="18" charset="0"/>
+              </a:rPr>
+              <a:t> </a:t>
             </a:r>
           </a:p>
         </p:txBody>
@@ -4481,7 +8698,7 @@
     </p:spTree>
     <p:extLst>
       <p:ext uri="{BB962C8B-B14F-4D97-AF65-F5344CB8AC3E}">
-        <p14:creationId xmlns:p14="http://schemas.microsoft.com/office/powerpoint/2010/main" val="1610113958"/>
+        <p14:creationId xmlns:p14="http://schemas.microsoft.com/office/powerpoint/2010/main" val="2206151123"/>
       </p:ext>
     </p:extLst>
   </p:cSld>
@@ -4492,7 +8709,7 @@
 </p:sld>
 </file>
 
-<file path=ppt/slides/slide4.xml><?xml version="1.0" encoding="utf-8"?>
+<file path=ppt/slides/slide21.xml><?xml version="1.0" encoding="utf-8"?>
 <p:sld xmlns:a="http://schemas.openxmlformats.org/drawingml/2006/main" xmlns:r="http://schemas.openxmlformats.org/officeDocument/2006/relationships" xmlns:p="http://schemas.openxmlformats.org/presentationml/2006/main">
   <p:cSld>
     <p:spTree>
@@ -4537,7 +8754,7 @@
                   <a:srgbClr val="0070C0"/>
                 </a:solidFill>
               </a:rPr>
-              <a:t>Interrupções</a:t>
+              <a:t>Dinâmica</a:t>
             </a:r>
             <a:r>
               <a:rPr lang="en-US" b="1" dirty="0">
@@ -4545,8 +8762,37 @@
                   <a:srgbClr val="0070C0"/>
                 </a:solidFill>
               </a:rPr>
-              <a:t>  – CI</a:t>
-            </a:r>
+              <a:t>/</a:t>
+            </a:r>
+            <a:r>
+              <a:rPr lang="en-US" b="1" dirty="0" err="1">
+                <a:solidFill>
+                  <a:srgbClr val="0070C0"/>
+                </a:solidFill>
+              </a:rPr>
+              <a:t>Atividade</a:t>
+            </a:r>
+            <a:r>
+              <a:rPr lang="en-US" b="1" dirty="0">
+                <a:solidFill>
+                  <a:srgbClr val="0070C0"/>
+                </a:solidFill>
+              </a:rPr>
+              <a:t> - </a:t>
+            </a:r>
+            <a:r>
+              <a:rPr lang="en-US" b="1" dirty="0" err="1">
+                <a:solidFill>
+                  <a:srgbClr val="0070C0"/>
+                </a:solidFill>
+              </a:rPr>
+              <a:t>Exercício</a:t>
+            </a:r>
+            <a:endParaRPr lang="en-US" b="1" dirty="0">
+              <a:solidFill>
+                <a:srgbClr val="0070C0"/>
+              </a:solidFill>
+            </a:endParaRPr>
           </a:p>
         </p:txBody>
       </p:sp>
@@ -4562,8 +8808,8 @@
         </p:nvSpPr>
         <p:spPr>
           <a:xfrm>
-            <a:off x="142865" y="1395222"/>
-            <a:ext cx="8865056" cy="3542298"/>
+            <a:off x="139472" y="1063230"/>
+            <a:ext cx="8865056" cy="3996450"/>
           </a:xfrm>
         </p:spPr>
         <p:txBody>
@@ -4577,13 +8823,179 @@
             </a:pPr>
             <a:r>
               <a:rPr lang="pt-BR" sz="2000" dirty="0">
-                <a:solidFill>
-                  <a:schemeClr val="tx1"/>
-                </a:solidFill>
-                <a:latin typeface="Times New Roman" panose="02020603050405020304" pitchFamily="18" charset="0"/>
-                <a:cs typeface="Times New Roman" panose="02020603050405020304" pitchFamily="18" charset="0"/>
-              </a:rPr>
-              <a:t>4.4 IMPORTÂNCIA DA PROGRAMAÇÃO DE INTERRUPÇÕES PARA O RECEBIMENTO OTIMIZADO DE DADOS DE DISPOSITIVOS EXTERNOS AO MICROCONTROLADOR</a:t>
+                <a:latin typeface="Times New Roman" panose="02020603050405020304" pitchFamily="18" charset="0"/>
+                <a:cs typeface="Times New Roman" panose="02020603050405020304" pitchFamily="18" charset="0"/>
+              </a:rPr>
+              <a:t>Criar </a:t>
+            </a:r>
+            <a:r>
+              <a:rPr lang="pt-BR" sz="2000" b="1" dirty="0">
+                <a:solidFill>
+                  <a:srgbClr val="FF0000"/>
+                </a:solidFill>
+                <a:latin typeface="Times New Roman" panose="02020603050405020304" pitchFamily="18" charset="0"/>
+                <a:cs typeface="Times New Roman" panose="02020603050405020304" pitchFamily="18" charset="0"/>
+              </a:rPr>
+              <a:t>projeto</a:t>
+            </a:r>
+            <a:r>
+              <a:rPr lang="pt-BR" sz="2000" dirty="0">
+                <a:solidFill>
+                  <a:srgbClr val="FF0000"/>
+                </a:solidFill>
+                <a:latin typeface="Times New Roman" panose="02020603050405020304" pitchFamily="18" charset="0"/>
+                <a:cs typeface="Times New Roman" panose="02020603050405020304" pitchFamily="18" charset="0"/>
+              </a:rPr>
+              <a:t> </a:t>
+            </a:r>
+            <a:r>
+              <a:rPr lang="pt-BR" sz="2000" b="1" dirty="0">
+                <a:solidFill>
+                  <a:srgbClr val="FF0000"/>
+                </a:solidFill>
+                <a:latin typeface="Times New Roman" panose="02020603050405020304" pitchFamily="18" charset="0"/>
+                <a:cs typeface="Times New Roman" panose="02020603050405020304" pitchFamily="18" charset="0"/>
+              </a:rPr>
+              <a:t>Interruptor </a:t>
+            </a:r>
+            <a:r>
+              <a:rPr lang="pt-BR" sz="2000" b="1" dirty="0" err="1">
+                <a:solidFill>
+                  <a:srgbClr val="FF0000"/>
+                </a:solidFill>
+                <a:latin typeface="Times New Roman" panose="02020603050405020304" pitchFamily="18" charset="0"/>
+                <a:cs typeface="Times New Roman" panose="02020603050405020304" pitchFamily="18" charset="0"/>
+              </a:rPr>
+              <a:t>Push</a:t>
+            </a:r>
+            <a:r>
+              <a:rPr lang="pt-BR" sz="2000" b="1" dirty="0">
+                <a:solidFill>
+                  <a:srgbClr val="FF0000"/>
+                </a:solidFill>
+                <a:latin typeface="Times New Roman" panose="02020603050405020304" pitchFamily="18" charset="0"/>
+                <a:cs typeface="Times New Roman" panose="02020603050405020304" pitchFamily="18" charset="0"/>
+              </a:rPr>
+              <a:t> Button Arduino</a:t>
+            </a:r>
+            <a:r>
+              <a:rPr lang="pt-BR" sz="2000" dirty="0">
+                <a:latin typeface="Times New Roman" panose="02020603050405020304" pitchFamily="18" charset="0"/>
+                <a:cs typeface="Times New Roman" panose="02020603050405020304" pitchFamily="18" charset="0"/>
+              </a:rPr>
+              <a:t>, componentes:</a:t>
+            </a:r>
+          </a:p>
+          <a:p>
+            <a:pPr marL="0" indent="0" algn="just">
+              <a:buNone/>
+            </a:pPr>
+            <a:endParaRPr lang="pt-BR" sz="2000" dirty="0">
+              <a:latin typeface="Times New Roman" panose="02020603050405020304" pitchFamily="18" charset="0"/>
+              <a:cs typeface="Times New Roman" panose="02020603050405020304" pitchFamily="18" charset="0"/>
+            </a:endParaRPr>
+          </a:p>
+          <a:p>
+            <a:pPr marL="457200" indent="-457200" algn="just">
+              <a:buAutoNum type="arabicPeriod"/>
+            </a:pPr>
+            <a:r>
+              <a:rPr lang="pt-BR" sz="2000" dirty="0">
+                <a:latin typeface="Times New Roman" panose="02020603050405020304" pitchFamily="18" charset="0"/>
+                <a:cs typeface="Times New Roman" panose="02020603050405020304" pitchFamily="18" charset="0"/>
+              </a:rPr>
+              <a:t>Placa Arduino URO R3 com cabo USB</a:t>
+            </a:r>
+          </a:p>
+          <a:p>
+            <a:pPr marL="457200" indent="-457200" algn="just">
+              <a:buAutoNum type="arabicPeriod"/>
+            </a:pPr>
+            <a:r>
+              <a:rPr lang="pt-BR" sz="2000" dirty="0">
+                <a:latin typeface="Times New Roman" panose="02020603050405020304" pitchFamily="18" charset="0"/>
+                <a:cs typeface="Times New Roman" panose="02020603050405020304" pitchFamily="18" charset="0"/>
+              </a:rPr>
+              <a:t>Protoboard</a:t>
+            </a:r>
+          </a:p>
+          <a:p>
+            <a:pPr marL="457200" indent="-457200" algn="just">
+              <a:buAutoNum type="arabicPeriod"/>
+            </a:pPr>
+            <a:r>
+              <a:rPr lang="pt-BR" sz="2000" dirty="0" err="1">
+                <a:latin typeface="Times New Roman" panose="02020603050405020304" pitchFamily="18" charset="0"/>
+                <a:cs typeface="Times New Roman" panose="02020603050405020304" pitchFamily="18" charset="0"/>
+              </a:rPr>
+              <a:t>Push</a:t>
+            </a:r>
+            <a:r>
+              <a:rPr lang="pt-BR" sz="2000" dirty="0">
+                <a:latin typeface="Times New Roman" panose="02020603050405020304" pitchFamily="18" charset="0"/>
+                <a:cs typeface="Times New Roman" panose="02020603050405020304" pitchFamily="18" charset="0"/>
+              </a:rPr>
+              <a:t> Button</a:t>
+            </a:r>
+          </a:p>
+          <a:p>
+            <a:pPr marL="457200" indent="-457200" algn="just">
+              <a:buAutoNum type="arabicPeriod"/>
+            </a:pPr>
+            <a:r>
+              <a:rPr lang="pt-BR" sz="2000" dirty="0">
+                <a:latin typeface="Times New Roman" panose="02020603050405020304" pitchFamily="18" charset="0"/>
+                <a:cs typeface="Times New Roman" panose="02020603050405020304" pitchFamily="18" charset="0"/>
+              </a:rPr>
+              <a:t>LED</a:t>
+            </a:r>
+          </a:p>
+          <a:p>
+            <a:pPr marL="457200" indent="-457200" algn="just">
+              <a:buAutoNum type="arabicPeriod"/>
+            </a:pPr>
+            <a:r>
+              <a:rPr lang="pt-BR" sz="2000" dirty="0">
+                <a:latin typeface="Times New Roman" panose="02020603050405020304" pitchFamily="18" charset="0"/>
+                <a:cs typeface="Times New Roman" panose="02020603050405020304" pitchFamily="18" charset="0"/>
+              </a:rPr>
+              <a:t>02 Resistores</a:t>
+            </a:r>
+          </a:p>
+          <a:p>
+            <a:pPr marL="0" indent="0" algn="just">
+              <a:buNone/>
+            </a:pPr>
+            <a:endParaRPr lang="pt-BR" sz="2000" dirty="0">
+              <a:latin typeface="Times New Roman" panose="02020603050405020304" pitchFamily="18" charset="0"/>
+              <a:cs typeface="Times New Roman" panose="02020603050405020304" pitchFamily="18" charset="0"/>
+            </a:endParaRPr>
+          </a:p>
+          <a:p>
+            <a:pPr marL="0" indent="0" algn="just">
+              <a:buNone/>
+            </a:pPr>
+            <a:r>
+              <a:rPr lang="pt-BR" sz="2000" dirty="0">
+                <a:latin typeface="Times New Roman" panose="02020603050405020304" pitchFamily="18" charset="0"/>
+                <a:cs typeface="Times New Roman" panose="02020603050405020304" pitchFamily="18" charset="0"/>
+              </a:rPr>
+              <a:t>		</a:t>
+            </a:r>
+            <a:r>
+              <a:rPr lang="pt-BR" sz="2000" dirty="0">
+                <a:latin typeface="Times New Roman" panose="02020603050405020304" pitchFamily="18" charset="0"/>
+                <a:cs typeface="Times New Roman" panose="02020603050405020304" pitchFamily="18" charset="0"/>
+                <a:hlinkClick r:id="rId3"/>
+              </a:rPr>
+              <a:t>https://www.squids.com.br/arduino/index.php/projetos-arduino/projetos-squids/basico/123-projeto-04-pushbutton</a:t>
+            </a:r>
+            <a:r>
+              <a:rPr lang="pt-BR" sz="2000" dirty="0">
+                <a:latin typeface="Times New Roman" panose="02020603050405020304" pitchFamily="18" charset="0"/>
+                <a:cs typeface="Times New Roman" panose="02020603050405020304" pitchFamily="18" charset="0"/>
+              </a:rPr>
+              <a:t> </a:t>
             </a:r>
           </a:p>
         </p:txBody>
@@ -4591,7 +9003,7 @@
     </p:spTree>
     <p:extLst>
       <p:ext uri="{BB962C8B-B14F-4D97-AF65-F5344CB8AC3E}">
-        <p14:creationId xmlns:p14="http://schemas.microsoft.com/office/powerpoint/2010/main" val="2649254612"/>
+        <p14:creationId xmlns:p14="http://schemas.microsoft.com/office/powerpoint/2010/main" val="3658089603"/>
       </p:ext>
     </p:extLst>
   </p:cSld>
@@ -4602,7 +9014,7 @@
 </p:sld>
 </file>
 
-<file path=ppt/slides/slide5.xml><?xml version="1.0" encoding="utf-8"?>
+<file path=ppt/slides/slide22.xml><?xml version="1.0" encoding="utf-8"?>
 <p:sld xmlns:a="http://schemas.openxmlformats.org/drawingml/2006/main" xmlns:r="http://schemas.openxmlformats.org/officeDocument/2006/relationships" xmlns:p="http://schemas.openxmlformats.org/presentationml/2006/main">
   <p:cSld>
     <p:spTree>
@@ -4647,7 +9059,7 @@
                   <a:srgbClr val="0070C0"/>
                 </a:solidFill>
               </a:rPr>
-              <a:t>Leitura</a:t>
+              <a:t>Referências</a:t>
             </a:r>
             <a:r>
               <a:rPr lang="en-US" b="1" dirty="0">
@@ -4663,7 +9075,7 @@
                   <a:srgbClr val="0070C0"/>
                 </a:solidFill>
               </a:rPr>
-              <a:t>Específica</a:t>
+              <a:t>Bibliográficas</a:t>
             </a:r>
             <a:endParaRPr lang="en-US" b="1" dirty="0">
               <a:solidFill>
@@ -4703,13 +9115,8 @@
                 <a:latin typeface="Times New Roman" panose="02020603050405020304" pitchFamily="18" charset="0"/>
                 <a:cs typeface="Times New Roman" panose="02020603050405020304" pitchFamily="18" charset="0"/>
               </a:rPr>
-              <a:t>[1] Sistemas Embarcados.</a:t>
-            </a:r>
-          </a:p>
-          <a:p>
-            <a:pPr marL="0" indent="0" algn="just">
-              <a:buNone/>
-            </a:pPr>
+              <a:t>[1] </a:t>
+            </a:r>
             <a:r>
               <a:rPr lang="pt-BR" sz="2000" b="1" dirty="0">
                 <a:solidFill>
@@ -4718,20 +9125,18 @@
                 <a:latin typeface="Times New Roman" panose="02020603050405020304" pitchFamily="18" charset="0"/>
                 <a:cs typeface="Times New Roman" panose="02020603050405020304" pitchFamily="18" charset="0"/>
               </a:rPr>
-              <a:t>Disponível em: </a:t>
-            </a:r>
-            <a:r>
-              <a:rPr lang="pt-BR" sz="2000" dirty="0">
-                <a:latin typeface="Times New Roman" panose="02020603050405020304" pitchFamily="18" charset="0"/>
-                <a:cs typeface="Times New Roman" panose="02020603050405020304" pitchFamily="18" charset="0"/>
-                <a:hlinkClick r:id="rId3"/>
-              </a:rPr>
-              <a:t>https://files.comunidades.net/mutcom/ARTIGO_SIST_EMB.pdf</a:t>
-            </a:r>
-            <a:endParaRPr lang="pt-BR" sz="2000" dirty="0">
-              <a:latin typeface="Times New Roman" panose="02020603050405020304" pitchFamily="18" charset="0"/>
-              <a:cs typeface="Times New Roman" panose="02020603050405020304" pitchFamily="18" charset="0"/>
-            </a:endParaRPr>
+              <a:t>PEREIRA, Fábio. </a:t>
+            </a:r>
+            <a:r>
+              <a:rPr lang="pt-BR" sz="2000" dirty="0">
+                <a:solidFill>
+                  <a:schemeClr val="tx1"/>
+                </a:solidFill>
+                <a:latin typeface="Times New Roman" panose="02020603050405020304" pitchFamily="18" charset="0"/>
+                <a:cs typeface="Times New Roman" panose="02020603050405020304" pitchFamily="18" charset="0"/>
+              </a:rPr>
+              <a:t>Microcontroladores PIC: programação em C. Saraiva Educação SA, 2007.</a:t>
+            </a:r>
           </a:p>
           <a:p>
             <a:pPr marL="0" indent="0" algn="just">
@@ -4746,6 +9151,38 @@
             <a:pPr marL="0" indent="0" algn="just">
               <a:buNone/>
             </a:pPr>
+            <a:r>
+              <a:rPr lang="pt-BR" sz="2000" dirty="0">
+                <a:latin typeface="Times New Roman" panose="02020603050405020304" pitchFamily="18" charset="0"/>
+                <a:cs typeface="Times New Roman" panose="02020603050405020304" pitchFamily="18" charset="0"/>
+              </a:rPr>
+              <a:t>[2] </a:t>
+            </a:r>
+            <a:r>
+              <a:rPr lang="pt-BR" sz="2000" b="1" dirty="0">
+                <a:solidFill>
+                  <a:srgbClr val="FF0000"/>
+                </a:solidFill>
+                <a:latin typeface="Times New Roman" panose="02020603050405020304" pitchFamily="18" charset="0"/>
+                <a:cs typeface="Times New Roman" panose="02020603050405020304" pitchFamily="18" charset="0"/>
+              </a:rPr>
+              <a:t>PUHLMANN, Henrique Frank W. </a:t>
+            </a:r>
+            <a:r>
+              <a:rPr lang="pt-BR" sz="2000" dirty="0">
+                <a:solidFill>
+                  <a:schemeClr val="tx1"/>
+                </a:solidFill>
+                <a:latin typeface="Times New Roman" panose="02020603050405020304" pitchFamily="18" charset="0"/>
+                <a:cs typeface="Times New Roman" panose="02020603050405020304" pitchFamily="18" charset="0"/>
+              </a:rPr>
+              <a:t>Módulo de Display LCD. 2015.</a:t>
+            </a:r>
+          </a:p>
+          <a:p>
+            <a:pPr marL="0" indent="0" algn="just">
+              <a:buNone/>
+            </a:pPr>
             <a:endParaRPr lang="pt-BR" sz="2000" dirty="0">
               <a:latin typeface="Times New Roman" panose="02020603050405020304" pitchFamily="18" charset="0"/>
               <a:cs typeface="Times New Roman" panose="02020603050405020304" pitchFamily="18" charset="0"/>
@@ -4760,888 +9197,91 @@
                 <a:latin typeface="Times New Roman" panose="02020603050405020304" pitchFamily="18" charset="0"/>
                 <a:cs typeface="Times New Roman" panose="02020603050405020304" pitchFamily="18" charset="0"/>
               </a:rPr>
-              <a:t>[2] </a:t>
+              <a:t>[3] </a:t>
+            </a:r>
+            <a:r>
+              <a:rPr lang="pt-BR" sz="2000" b="1" dirty="0">
+                <a:solidFill>
+                  <a:srgbClr val="FF0000"/>
+                </a:solidFill>
+                <a:latin typeface="Times New Roman" panose="02020603050405020304" pitchFamily="18" charset="0"/>
+                <a:cs typeface="Times New Roman" panose="02020603050405020304" pitchFamily="18" charset="0"/>
+              </a:rPr>
+              <a:t>MCROBERTS, Michael.</a:t>
+            </a:r>
+            <a:r>
+              <a:rPr lang="pt-BR" sz="2000" b="1" dirty="0">
+                <a:latin typeface="Times New Roman" panose="02020603050405020304" pitchFamily="18" charset="0"/>
+                <a:cs typeface="Times New Roman" panose="02020603050405020304" pitchFamily="18" charset="0"/>
+              </a:rPr>
+              <a:t> </a:t>
+            </a:r>
+            <a:r>
+              <a:rPr lang="pt-BR" sz="2000" dirty="0">
+                <a:latin typeface="Times New Roman" panose="02020603050405020304" pitchFamily="18" charset="0"/>
+                <a:cs typeface="Times New Roman" panose="02020603050405020304" pitchFamily="18" charset="0"/>
+              </a:rPr>
+              <a:t>Arduino básico. </a:t>
             </a:r>
             <a:r>
               <a:rPr lang="pt-BR" sz="2000" dirty="0" err="1">
                 <a:latin typeface="Times New Roman" panose="02020603050405020304" pitchFamily="18" charset="0"/>
                 <a:cs typeface="Times New Roman" panose="02020603050405020304" pitchFamily="18" charset="0"/>
               </a:rPr>
-              <a:t>Elicitação</a:t>
-            </a:r>
-            <a:r>
-              <a:rPr lang="pt-BR" sz="2000" dirty="0">
-                <a:latin typeface="Times New Roman" panose="02020603050405020304" pitchFamily="18" charset="0"/>
-                <a:cs typeface="Times New Roman" panose="02020603050405020304" pitchFamily="18" charset="0"/>
-              </a:rPr>
-              <a:t> e Especificação de Requisitos Sistemas Embarcados. </a:t>
+              <a:t>Novatec</a:t>
+            </a:r>
+            <a:r>
+              <a:rPr lang="pt-BR" sz="2000" dirty="0">
+                <a:latin typeface="Times New Roman" panose="02020603050405020304" pitchFamily="18" charset="0"/>
+                <a:cs typeface="Times New Roman" panose="02020603050405020304" pitchFamily="18" charset="0"/>
+              </a:rPr>
+              <a:t> Editora, 2018.</a:t>
             </a:r>
           </a:p>
           <a:p>
             <a:pPr marL="0" indent="0" algn="just">
               <a:buNone/>
             </a:pPr>
-            <a:r>
-              <a:rPr lang="pt-BR" sz="2000" b="1" dirty="0">
-                <a:solidFill>
-                  <a:srgbClr val="FF0000"/>
-                </a:solidFill>
-                <a:latin typeface="Times New Roman" panose="02020603050405020304" pitchFamily="18" charset="0"/>
-                <a:cs typeface="Times New Roman" panose="02020603050405020304" pitchFamily="18" charset="0"/>
-              </a:rPr>
-              <a:t>Disponível em: </a:t>
-            </a:r>
-            <a:r>
-              <a:rPr lang="pt-BR" sz="2000" dirty="0">
-                <a:latin typeface="Times New Roman" panose="02020603050405020304" pitchFamily="18" charset="0"/>
-                <a:cs typeface="Times New Roman" panose="02020603050405020304" pitchFamily="18" charset="0"/>
-                <a:hlinkClick r:id="rId4"/>
-              </a:rPr>
-              <a:t>https://eventos.spc.org.pe/cibse2015/pdfs/07_WER15.pdf</a:t>
-            </a:r>
             <a:endParaRPr lang="pt-BR" sz="2000" dirty="0">
               <a:latin typeface="Times New Roman" panose="02020603050405020304" pitchFamily="18" charset="0"/>
               <a:cs typeface="Times New Roman" panose="02020603050405020304" pitchFamily="18" charset="0"/>
             </a:endParaRPr>
           </a:p>
-        </p:txBody>
-      </p:sp>
-    </p:spTree>
-    <p:extLst>
-      <p:ext uri="{BB962C8B-B14F-4D97-AF65-F5344CB8AC3E}">
-        <p14:creationId xmlns:p14="http://schemas.microsoft.com/office/powerpoint/2010/main" val="3680270425"/>
-      </p:ext>
-    </p:extLst>
-  </p:cSld>
-  <p:clrMapOvr>
-    <a:masterClrMapping/>
-  </p:clrMapOvr>
-  <p:transition spd="med"/>
-</p:sld>
-</file>
-
-<file path=ppt/slides/slide6.xml><?xml version="1.0" encoding="utf-8"?>
-<p:sld xmlns:a="http://schemas.openxmlformats.org/drawingml/2006/main" xmlns:r="http://schemas.openxmlformats.org/officeDocument/2006/relationships" xmlns:p="http://schemas.openxmlformats.org/presentationml/2006/main">
-  <p:cSld>
-    <p:spTree>
-      <p:nvGrpSpPr>
-        <p:cNvPr id="1" name=""/>
-        <p:cNvGrpSpPr/>
-        <p:nvPr/>
-      </p:nvGrpSpPr>
-      <p:grpSpPr>
-        <a:xfrm>
-          <a:off x="0" y="0"/>
-          <a:ext cx="0" cy="0"/>
-          <a:chOff x="0" y="0"/>
-          <a:chExt cx="0" cy="0"/>
-        </a:xfrm>
-      </p:grpSpPr>
-      <p:sp>
-        <p:nvSpPr>
-          <p:cNvPr id="6" name="Title 1"/>
-          <p:cNvSpPr>
-            <a:spLocks noGrp="1"/>
-          </p:cNvSpPr>
-          <p:nvPr>
-            <p:ph type="title"/>
-          </p:nvPr>
-        </p:nvSpPr>
-        <p:spPr>
-          <a:xfrm>
-            <a:off x="457200" y="205980"/>
-            <a:ext cx="8229600" cy="857251"/>
-          </a:xfrm>
-        </p:spPr>
-        <p:txBody>
-          <a:bodyPr>
-            <a:normAutofit/>
-          </a:bodyPr>
-          <a:lstStyle/>
-          <a:p>
-            <a:r>
-              <a:rPr lang="en-US" b="1" dirty="0" err="1">
-                <a:solidFill>
-                  <a:srgbClr val="0070C0"/>
-                </a:solidFill>
-              </a:rPr>
-              <a:t>Aprenda</a:t>
-            </a:r>
-            <a:r>
-              <a:rPr lang="en-US" b="1" dirty="0">
-                <a:solidFill>
-                  <a:srgbClr val="0070C0"/>
-                </a:solidFill>
-              </a:rPr>
-              <a:t>+</a:t>
-            </a:r>
-          </a:p>
-        </p:txBody>
-      </p:sp>
-      <p:sp>
-        <p:nvSpPr>
-          <p:cNvPr id="8" name="Text Placeholder 2"/>
-          <p:cNvSpPr>
-            <a:spLocks noGrp="1"/>
-          </p:cNvSpPr>
-          <p:nvPr>
-            <p:ph type="body" sz="half" idx="1"/>
-          </p:nvPr>
-        </p:nvSpPr>
-        <p:spPr>
-          <a:xfrm>
-            <a:off x="142865" y="1200150"/>
-            <a:ext cx="8865056" cy="3737370"/>
-          </a:xfrm>
-        </p:spPr>
-        <p:txBody>
-          <a:bodyPr>
-            <a:noAutofit/>
-          </a:bodyPr>
-          <a:lstStyle/>
           <a:p>
             <a:pPr marL="0" indent="0" algn="just">
               <a:buNone/>
             </a:pPr>
             <a:r>
-              <a:rPr lang="pt-BR" sz="2400" dirty="0">
-                <a:latin typeface="Times New Roman" panose="02020603050405020304" pitchFamily="18" charset="0"/>
-                <a:cs typeface="Times New Roman" panose="02020603050405020304" pitchFamily="18" charset="0"/>
-              </a:rPr>
-              <a:t>[1] Cursos Sistemas Embarcados - Microcontroladores</a:t>
-            </a:r>
-          </a:p>
-          <a:p>
-            <a:pPr marL="0" indent="0" algn="just">
-              <a:buNone/>
-            </a:pPr>
-            <a:r>
-              <a:rPr lang="pt-BR" sz="2400" b="1" dirty="0">
+              <a:rPr lang="pt-BR" sz="2000" dirty="0">
+                <a:latin typeface="Times New Roman" panose="02020603050405020304" pitchFamily="18" charset="0"/>
+                <a:cs typeface="Times New Roman" panose="02020603050405020304" pitchFamily="18" charset="0"/>
+              </a:rPr>
+              <a:t>[4] </a:t>
+            </a:r>
+            <a:r>
+              <a:rPr lang="pt-BR" sz="2000" b="1" dirty="0">
                 <a:solidFill>
                   <a:srgbClr val="FF0000"/>
                 </a:solidFill>
                 <a:latin typeface="Times New Roman" panose="02020603050405020304" pitchFamily="18" charset="0"/>
                 <a:cs typeface="Times New Roman" panose="02020603050405020304" pitchFamily="18" charset="0"/>
               </a:rPr>
-              <a:t>Disponível em: </a:t>
-            </a:r>
-            <a:r>
-              <a:rPr lang="pt-BR" sz="2400" dirty="0">
-                <a:latin typeface="Times New Roman" panose="02020603050405020304" pitchFamily="18" charset="0"/>
-                <a:cs typeface="Times New Roman" panose="02020603050405020304" pitchFamily="18" charset="0"/>
-                <a:hlinkClick r:id="rId3"/>
-              </a:rPr>
-              <a:t>https://embarcados.com.br/cursos/</a:t>
-            </a:r>
-            <a:endParaRPr lang="pt-BR" sz="2400" dirty="0">
-              <a:latin typeface="Times New Roman" panose="02020603050405020304" pitchFamily="18" charset="0"/>
-              <a:cs typeface="Times New Roman" panose="02020603050405020304" pitchFamily="18" charset="0"/>
-            </a:endParaRPr>
-          </a:p>
-          <a:p>
-            <a:pPr marL="0" indent="0" algn="just">
-              <a:buNone/>
-            </a:pPr>
-            <a:endParaRPr lang="pt-BR" sz="2400" dirty="0">
-              <a:latin typeface="Times New Roman" panose="02020603050405020304" pitchFamily="18" charset="0"/>
-              <a:cs typeface="Times New Roman" panose="02020603050405020304" pitchFamily="18" charset="0"/>
-            </a:endParaRPr>
-          </a:p>
-          <a:p>
-            <a:pPr marL="0" indent="0" algn="just">
-              <a:buNone/>
-            </a:pPr>
-            <a:endParaRPr lang="pt-BR" sz="2400" dirty="0">
-              <a:latin typeface="Times New Roman" panose="02020603050405020304" pitchFamily="18" charset="0"/>
-              <a:cs typeface="Times New Roman" panose="02020603050405020304" pitchFamily="18" charset="0"/>
-            </a:endParaRPr>
-          </a:p>
-          <a:p>
-            <a:pPr marL="0" indent="0" algn="just">
-              <a:buNone/>
-            </a:pPr>
-            <a:r>
-              <a:rPr lang="pt-BR" sz="2400" dirty="0">
-                <a:latin typeface="Times New Roman" panose="02020603050405020304" pitchFamily="18" charset="0"/>
-                <a:cs typeface="Times New Roman" panose="02020603050405020304" pitchFamily="18" charset="0"/>
-              </a:rPr>
-              <a:t>[2] Arquitetura de Software para Sistemas Embarcados</a:t>
-            </a:r>
-          </a:p>
-          <a:p>
-            <a:pPr marL="0" indent="0" algn="just">
-              <a:buNone/>
-            </a:pPr>
-            <a:r>
-              <a:rPr lang="pt-BR" sz="2400" b="1" dirty="0">
-                <a:solidFill>
-                  <a:srgbClr val="FF0000"/>
-                </a:solidFill>
-                <a:latin typeface="Times New Roman" panose="02020603050405020304" pitchFamily="18" charset="0"/>
-                <a:cs typeface="Times New Roman" panose="02020603050405020304" pitchFamily="18" charset="0"/>
-              </a:rPr>
-              <a:t>Disponível em: </a:t>
-            </a:r>
-            <a:r>
-              <a:rPr lang="pt-BR" sz="2400" dirty="0">
-                <a:latin typeface="Times New Roman" panose="02020603050405020304" pitchFamily="18" charset="0"/>
-                <a:cs typeface="Times New Roman" panose="02020603050405020304" pitchFamily="18" charset="0"/>
-                <a:hlinkClick r:id="rId4"/>
-              </a:rPr>
-              <a:t>https://www.youtube.com/watch?v=UIAOR32H1vk</a:t>
-            </a:r>
-            <a:endParaRPr lang="pt-BR" sz="2400" dirty="0">
-              <a:latin typeface="Times New Roman" panose="02020603050405020304" pitchFamily="18" charset="0"/>
-              <a:cs typeface="Times New Roman" panose="02020603050405020304" pitchFamily="18" charset="0"/>
-            </a:endParaRPr>
-          </a:p>
-        </p:txBody>
-      </p:sp>
-    </p:spTree>
-    <p:extLst>
-      <p:ext uri="{BB962C8B-B14F-4D97-AF65-F5344CB8AC3E}">
-        <p14:creationId xmlns:p14="http://schemas.microsoft.com/office/powerpoint/2010/main" val="2747596967"/>
-      </p:ext>
-    </p:extLst>
-  </p:cSld>
-  <p:clrMapOvr>
-    <a:masterClrMapping/>
-  </p:clrMapOvr>
-  <p:transition spd="med"/>
-</p:sld>
-</file>
-
-<file path=ppt/slides/slide7.xml><?xml version="1.0" encoding="utf-8"?>
-<p:sld xmlns:a="http://schemas.openxmlformats.org/drawingml/2006/main" xmlns:r="http://schemas.openxmlformats.org/officeDocument/2006/relationships" xmlns:p="http://schemas.openxmlformats.org/presentationml/2006/main">
-  <p:cSld>
-    <p:spTree>
-      <p:nvGrpSpPr>
-        <p:cNvPr id="1" name=""/>
-        <p:cNvGrpSpPr/>
-        <p:nvPr/>
-      </p:nvGrpSpPr>
-      <p:grpSpPr>
-        <a:xfrm>
-          <a:off x="0" y="0"/>
-          <a:ext cx="0" cy="0"/>
-          <a:chOff x="0" y="0"/>
-          <a:chExt cx="0" cy="0"/>
-        </a:xfrm>
-      </p:grpSpPr>
-      <p:sp>
-        <p:nvSpPr>
-          <p:cNvPr id="6" name="Title 1"/>
-          <p:cNvSpPr>
-            <a:spLocks noGrp="1"/>
-          </p:cNvSpPr>
-          <p:nvPr>
-            <p:ph type="title"/>
-          </p:nvPr>
-        </p:nvSpPr>
-        <p:spPr>
-          <a:xfrm>
-            <a:off x="457200" y="205980"/>
-            <a:ext cx="8229600" cy="857251"/>
-          </a:xfrm>
-        </p:spPr>
-        <p:txBody>
-          <a:bodyPr>
-            <a:normAutofit/>
-          </a:bodyPr>
-          <a:lstStyle/>
-          <a:p>
-            <a:r>
-              <a:rPr lang="en-US" b="1" dirty="0" err="1">
-                <a:solidFill>
-                  <a:srgbClr val="0070C0"/>
-                </a:solidFill>
-              </a:rPr>
-              <a:t>Dinâmica</a:t>
-            </a:r>
-            <a:r>
-              <a:rPr lang="en-US" b="1" dirty="0">
-                <a:solidFill>
-                  <a:srgbClr val="0070C0"/>
-                </a:solidFill>
-              </a:rPr>
-              <a:t>/</a:t>
-            </a:r>
-            <a:r>
-              <a:rPr lang="en-US" b="1" dirty="0" err="1">
-                <a:solidFill>
-                  <a:srgbClr val="0070C0"/>
-                </a:solidFill>
-              </a:rPr>
-              <a:t>Atividades</a:t>
-            </a:r>
-            <a:r>
-              <a:rPr lang="en-US" b="1" dirty="0">
-                <a:solidFill>
-                  <a:srgbClr val="0070C0"/>
-                </a:solidFill>
-              </a:rPr>
-              <a:t> - </a:t>
-            </a:r>
-            <a:r>
-              <a:rPr lang="en-US" b="1" dirty="0" err="1">
-                <a:solidFill>
-                  <a:srgbClr val="0070C0"/>
-                </a:solidFill>
-              </a:rPr>
-              <a:t>Exercícios</a:t>
-            </a:r>
-            <a:endParaRPr lang="en-US" b="1" dirty="0">
-              <a:solidFill>
-                <a:srgbClr val="0070C0"/>
-              </a:solidFill>
-            </a:endParaRPr>
-          </a:p>
-        </p:txBody>
-      </p:sp>
-      <p:sp>
-        <p:nvSpPr>
-          <p:cNvPr id="8" name="Text Placeholder 2"/>
-          <p:cNvSpPr>
-            <a:spLocks noGrp="1"/>
-          </p:cNvSpPr>
-          <p:nvPr>
-            <p:ph type="body" sz="half" idx="1"/>
-          </p:nvPr>
-        </p:nvSpPr>
-        <p:spPr>
-          <a:xfrm>
-            <a:off x="139472" y="1063230"/>
-            <a:ext cx="8865056" cy="3996450"/>
-          </a:xfrm>
-        </p:spPr>
-        <p:txBody>
-          <a:bodyPr>
-            <a:noAutofit/>
-          </a:bodyPr>
-          <a:lstStyle/>
-          <a:p>
-            <a:pPr marL="0" indent="0" algn="just">
-              <a:buNone/>
-            </a:pPr>
-            <a:r>
-              <a:rPr lang="pt-BR" dirty="0">
-                <a:latin typeface="Times New Roman" panose="02020603050405020304" pitchFamily="18" charset="0"/>
-                <a:cs typeface="Times New Roman" panose="02020603050405020304" pitchFamily="18" charset="0"/>
-              </a:rPr>
-              <a:t>Criar </a:t>
-            </a:r>
-            <a:r>
-              <a:rPr lang="pt-BR" b="1" dirty="0">
-                <a:solidFill>
-                  <a:srgbClr val="FF0000"/>
-                </a:solidFill>
-                <a:latin typeface="Times New Roman" panose="02020603050405020304" pitchFamily="18" charset="0"/>
-                <a:cs typeface="Times New Roman" panose="02020603050405020304" pitchFamily="18" charset="0"/>
-              </a:rPr>
-              <a:t>projeto</a:t>
-            </a:r>
-            <a:r>
-              <a:rPr lang="pt-BR" dirty="0">
-                <a:solidFill>
-                  <a:srgbClr val="FF0000"/>
-                </a:solidFill>
+              <a:t>SILVA, Guilherme da Costa.</a:t>
+            </a:r>
+            <a:r>
+              <a:rPr lang="pt-BR" sz="2000" b="1" dirty="0">
                 <a:latin typeface="Times New Roman" panose="02020603050405020304" pitchFamily="18" charset="0"/>
                 <a:cs typeface="Times New Roman" panose="02020603050405020304" pitchFamily="18" charset="0"/>
               </a:rPr>
               <a:t> </a:t>
             </a:r>
             <a:r>
-              <a:rPr lang="pt-BR" b="1" dirty="0">
-                <a:solidFill>
-                  <a:srgbClr val="FF0000"/>
-                </a:solidFill>
-                <a:latin typeface="Times New Roman" panose="02020603050405020304" pitchFamily="18" charset="0"/>
-                <a:cs typeface="Times New Roman" panose="02020603050405020304" pitchFamily="18" charset="0"/>
-              </a:rPr>
-              <a:t>Arduino</a:t>
-            </a:r>
-            <a:r>
-              <a:rPr lang="pt-BR" dirty="0">
-                <a:latin typeface="Times New Roman" panose="02020603050405020304" pitchFamily="18" charset="0"/>
-                <a:cs typeface="Times New Roman" panose="02020603050405020304" pitchFamily="18" charset="0"/>
-              </a:rPr>
-              <a:t> para:</a:t>
-            </a:r>
-          </a:p>
-          <a:p>
-            <a:pPr marL="0" indent="0" algn="just">
-              <a:buNone/>
-            </a:pPr>
-            <a:endParaRPr lang="pt-BR" dirty="0">
-              <a:latin typeface="Times New Roman" panose="02020603050405020304" pitchFamily="18" charset="0"/>
-              <a:cs typeface="Times New Roman" panose="02020603050405020304" pitchFamily="18" charset="0"/>
-            </a:endParaRPr>
-          </a:p>
-          <a:p>
-            <a:pPr algn="just">
-              <a:buFontTx/>
-              <a:buChar char="-"/>
-            </a:pPr>
-            <a:r>
-              <a:rPr lang="pt-BR" dirty="0">
-                <a:latin typeface="Times New Roman" panose="02020603050405020304" pitchFamily="18" charset="0"/>
-                <a:cs typeface="Times New Roman" panose="02020603050405020304" pitchFamily="18" charset="0"/>
-              </a:rPr>
-              <a:t>Imprimir na porta serial </a:t>
-            </a:r>
-            <a:r>
-              <a:rPr lang="pt-BR" b="1" dirty="0" err="1">
-                <a:latin typeface="Times New Roman" panose="02020603050405020304" pitchFamily="18" charset="0"/>
-                <a:cs typeface="Times New Roman" panose="02020603050405020304" pitchFamily="18" charset="0"/>
-              </a:rPr>
-              <a:t>Hello</a:t>
-            </a:r>
-            <a:r>
-              <a:rPr lang="pt-BR" b="1" dirty="0">
-                <a:latin typeface="Times New Roman" panose="02020603050405020304" pitchFamily="18" charset="0"/>
-                <a:cs typeface="Times New Roman" panose="02020603050405020304" pitchFamily="18" charset="0"/>
-              </a:rPr>
-              <a:t> World</a:t>
-            </a:r>
-            <a:r>
-              <a:rPr lang="pt-BR" dirty="0">
-                <a:latin typeface="Times New Roman" panose="02020603050405020304" pitchFamily="18" charset="0"/>
-                <a:cs typeface="Times New Roman" panose="02020603050405020304" pitchFamily="18" charset="0"/>
-              </a:rPr>
-              <a:t>;</a:t>
-            </a:r>
-          </a:p>
-          <a:p>
-            <a:pPr algn="just">
-              <a:buFontTx/>
-              <a:buChar char="-"/>
-            </a:pPr>
-            <a:r>
-              <a:rPr lang="pt-BR" dirty="0">
-                <a:latin typeface="Times New Roman" panose="02020603050405020304" pitchFamily="18" charset="0"/>
-                <a:cs typeface="Times New Roman" panose="02020603050405020304" pitchFamily="18" charset="0"/>
-              </a:rPr>
-              <a:t>Fazer o led do pino 15 piscar, </a:t>
-            </a:r>
-            <a:r>
-              <a:rPr lang="pt-BR" b="1" dirty="0" err="1">
-                <a:latin typeface="Times New Roman" panose="02020603050405020304" pitchFamily="18" charset="0"/>
-                <a:cs typeface="Times New Roman" panose="02020603050405020304" pitchFamily="18" charset="0"/>
-              </a:rPr>
-              <a:t>Blink</a:t>
-            </a:r>
-            <a:r>
-              <a:rPr lang="pt-BR" dirty="0">
-                <a:latin typeface="Times New Roman" panose="02020603050405020304" pitchFamily="18" charset="0"/>
-                <a:cs typeface="Times New Roman" panose="02020603050405020304" pitchFamily="18" charset="0"/>
-              </a:rPr>
-              <a:t>;</a:t>
-            </a:r>
-          </a:p>
-          <a:p>
-            <a:pPr algn="just">
-              <a:buFontTx/>
-              <a:buChar char="-"/>
-            </a:pPr>
-            <a:r>
-              <a:rPr lang="pt-BR" dirty="0">
-                <a:latin typeface="Times New Roman" panose="02020603050405020304" pitchFamily="18" charset="0"/>
-                <a:cs typeface="Times New Roman" panose="02020603050405020304" pitchFamily="18" charset="0"/>
-              </a:rPr>
-              <a:t>Fazer </a:t>
-            </a:r>
-            <a:r>
-              <a:rPr lang="pt-BR" b="1" dirty="0">
-                <a:latin typeface="Times New Roman" panose="02020603050405020304" pitchFamily="18" charset="0"/>
-                <a:cs typeface="Times New Roman" panose="02020603050405020304" pitchFamily="18" charset="0"/>
-              </a:rPr>
-              <a:t>piscar 4 leds</a:t>
-            </a:r>
-          </a:p>
-          <a:p>
-            <a:pPr algn="just">
-              <a:buFontTx/>
-              <a:buChar char="-"/>
-            </a:pPr>
-            <a:r>
-              <a:rPr lang="pt-BR" dirty="0">
-                <a:latin typeface="Times New Roman" panose="02020603050405020304" pitchFamily="18" charset="0"/>
-                <a:cs typeface="Times New Roman" panose="02020603050405020304" pitchFamily="18" charset="0"/>
-              </a:rPr>
-              <a:t>Acender</a:t>
-            </a:r>
-            <a:r>
-              <a:rPr lang="pt-BR" b="1" dirty="0">
-                <a:latin typeface="Times New Roman" panose="02020603050405020304" pitchFamily="18" charset="0"/>
-                <a:cs typeface="Times New Roman" panose="02020603050405020304" pitchFamily="18" charset="0"/>
-              </a:rPr>
-              <a:t> uma lâmpada</a:t>
-            </a:r>
-            <a:r>
-              <a:rPr lang="pt-BR" dirty="0">
-                <a:latin typeface="Times New Roman" panose="02020603050405020304" pitchFamily="18" charset="0"/>
-                <a:cs typeface="Times New Roman" panose="02020603050405020304" pitchFamily="18" charset="0"/>
-              </a:rPr>
-              <a:t>;</a:t>
-            </a:r>
-          </a:p>
-          <a:p>
-            <a:pPr algn="just">
-              <a:buFontTx/>
-              <a:buChar char="-"/>
-            </a:pPr>
-            <a:r>
-              <a:rPr lang="pt-BR" dirty="0">
-                <a:latin typeface="Times New Roman" panose="02020603050405020304" pitchFamily="18" charset="0"/>
-                <a:cs typeface="Times New Roman" panose="02020603050405020304" pitchFamily="18" charset="0"/>
-              </a:rPr>
-              <a:t>Contador no </a:t>
-            </a:r>
-            <a:r>
-              <a:rPr lang="pt-BR" b="1" dirty="0">
-                <a:latin typeface="Times New Roman" panose="02020603050405020304" pitchFamily="18" charset="0"/>
-                <a:cs typeface="Times New Roman" panose="02020603050405020304" pitchFamily="18" charset="0"/>
-              </a:rPr>
-              <a:t>display LCD I2C</a:t>
-            </a:r>
-          </a:p>
-          <a:p>
-            <a:pPr algn="just">
-              <a:buFontTx/>
-              <a:buChar char="-"/>
-            </a:pPr>
-            <a:r>
-              <a:rPr lang="pt-BR" dirty="0">
-                <a:latin typeface="Times New Roman" panose="02020603050405020304" pitchFamily="18" charset="0"/>
-                <a:cs typeface="Times New Roman" panose="02020603050405020304" pitchFamily="18" charset="0"/>
-              </a:rPr>
-              <a:t>Projeto Livre</a:t>
-            </a:r>
-          </a:p>
-          <a:p>
-            <a:pPr marL="0" indent="0" algn="just">
-              <a:buNone/>
-            </a:pPr>
-            <a:endParaRPr lang="pt-BR" dirty="0">
-              <a:latin typeface="Times New Roman" panose="02020603050405020304" pitchFamily="18" charset="0"/>
-              <a:cs typeface="Times New Roman" panose="02020603050405020304" pitchFamily="18" charset="0"/>
-            </a:endParaRPr>
-          </a:p>
-        </p:txBody>
-      </p:sp>
-    </p:spTree>
-    <p:extLst>
-      <p:ext uri="{BB962C8B-B14F-4D97-AF65-F5344CB8AC3E}">
-        <p14:creationId xmlns:p14="http://schemas.microsoft.com/office/powerpoint/2010/main" val="2470652989"/>
-      </p:ext>
-    </p:extLst>
-  </p:cSld>
-  <p:clrMapOvr>
-    <a:masterClrMapping/>
-  </p:clrMapOvr>
-  <p:transition spd="med"/>
-</p:sld>
-</file>
-
-<file path=ppt/slides/slide8.xml><?xml version="1.0" encoding="utf-8"?>
-<p:sld xmlns:a="http://schemas.openxmlformats.org/drawingml/2006/main" xmlns:r="http://schemas.openxmlformats.org/officeDocument/2006/relationships" xmlns:p="http://schemas.openxmlformats.org/presentationml/2006/main">
-  <p:cSld>
-    <p:spTree>
-      <p:nvGrpSpPr>
-        <p:cNvPr id="1" name=""/>
-        <p:cNvGrpSpPr/>
-        <p:nvPr/>
-      </p:nvGrpSpPr>
-      <p:grpSpPr>
-        <a:xfrm>
-          <a:off x="0" y="0"/>
-          <a:ext cx="0" cy="0"/>
-          <a:chOff x="0" y="0"/>
-          <a:chExt cx="0" cy="0"/>
-        </a:xfrm>
-      </p:grpSpPr>
-      <p:sp>
-        <p:nvSpPr>
-          <p:cNvPr id="6" name="Title 1"/>
-          <p:cNvSpPr>
-            <a:spLocks noGrp="1"/>
-          </p:cNvSpPr>
-          <p:nvPr>
-            <p:ph type="title"/>
-          </p:nvPr>
-        </p:nvSpPr>
-        <p:spPr>
-          <a:xfrm>
-            <a:off x="457200" y="205980"/>
-            <a:ext cx="8229600" cy="857251"/>
-          </a:xfrm>
-        </p:spPr>
-        <p:txBody>
-          <a:bodyPr>
-            <a:normAutofit/>
-          </a:bodyPr>
-          <a:lstStyle/>
-          <a:p>
-            <a:r>
-              <a:rPr lang="en-US" b="1" dirty="0" err="1">
-                <a:solidFill>
-                  <a:srgbClr val="0070C0"/>
-                </a:solidFill>
-              </a:rPr>
-              <a:t>Referências</a:t>
-            </a:r>
-            <a:r>
-              <a:rPr lang="en-US" b="1" dirty="0">
-                <a:solidFill>
-                  <a:srgbClr val="0070C0"/>
-                </a:solidFill>
-              </a:rPr>
-              <a:t> </a:t>
-            </a:r>
-            <a:r>
-              <a:rPr lang="en-US" b="1" dirty="0" err="1">
-                <a:solidFill>
-                  <a:srgbClr val="0070C0"/>
-                </a:solidFill>
-              </a:rPr>
-              <a:t>Bibliográficas</a:t>
-            </a:r>
-            <a:endParaRPr lang="en-US" b="1" dirty="0">
-              <a:solidFill>
-                <a:srgbClr val="0070C0"/>
-              </a:solidFill>
-            </a:endParaRPr>
-          </a:p>
-        </p:txBody>
-      </p:sp>
-      <p:sp>
-        <p:nvSpPr>
-          <p:cNvPr id="8" name="Text Placeholder 2"/>
-          <p:cNvSpPr>
-            <a:spLocks noGrp="1"/>
-          </p:cNvSpPr>
-          <p:nvPr>
-            <p:ph type="body" sz="half" idx="1"/>
-          </p:nvPr>
-        </p:nvSpPr>
-        <p:spPr>
-          <a:xfrm>
-            <a:off x="142865" y="1200150"/>
-            <a:ext cx="8865056" cy="3737369"/>
-          </a:xfrm>
-        </p:spPr>
-        <p:txBody>
-          <a:bodyPr>
-            <a:noAutofit/>
-          </a:bodyPr>
-          <a:lstStyle/>
-          <a:p>
-            <a:pPr marL="0" indent="0" algn="just">
-              <a:buNone/>
-            </a:pPr>
-            <a:r>
-              <a:rPr lang="pt-BR" sz="1800" dirty="0">
-                <a:latin typeface="Calibri" panose="020F0502020204030204" pitchFamily="34" charset="0"/>
-              </a:rPr>
-              <a:t>[1] </a:t>
-            </a:r>
-            <a:r>
-              <a:rPr lang="pt-BR" sz="1800" b="1" dirty="0">
-                <a:latin typeface="Calibri" panose="020F0502020204030204" pitchFamily="34" charset="0"/>
-              </a:rPr>
-              <a:t>OSSADA, Jaime </a:t>
-            </a:r>
-            <a:r>
-              <a:rPr lang="pt-BR" sz="1800" b="1" dirty="0" err="1">
-                <a:latin typeface="Calibri" panose="020F0502020204030204" pitchFamily="34" charset="0"/>
-              </a:rPr>
-              <a:t>Cazuhiro</a:t>
-            </a:r>
-            <a:r>
-              <a:rPr lang="pt-BR" sz="1800" b="1" dirty="0">
-                <a:latin typeface="Calibri" panose="020F0502020204030204" pitchFamily="34" charset="0"/>
-              </a:rPr>
-              <a:t> et al. GERSE</a:t>
-            </a:r>
-            <a:r>
-              <a:rPr lang="pt-BR" sz="1800" dirty="0">
-                <a:latin typeface="Calibri" panose="020F0502020204030204" pitchFamily="34" charset="0"/>
-              </a:rPr>
-              <a:t>: Guia de </a:t>
-            </a:r>
-            <a:r>
-              <a:rPr lang="pt-BR" sz="1800" dirty="0" err="1">
-                <a:latin typeface="Calibri" panose="020F0502020204030204" pitchFamily="34" charset="0"/>
-              </a:rPr>
-              <a:t>Elicitação</a:t>
-            </a:r>
-            <a:r>
-              <a:rPr lang="pt-BR" sz="1800" dirty="0">
-                <a:latin typeface="Calibri" panose="020F0502020204030204" pitchFamily="34" charset="0"/>
-              </a:rPr>
-              <a:t> de Requisitos para Sistemas Embarcados. In: WER. 2012.</a:t>
-            </a:r>
-          </a:p>
-          <a:p>
-            <a:pPr marL="0" indent="0" algn="just">
-              <a:buNone/>
-            </a:pPr>
-            <a:endParaRPr lang="pt-BR" sz="1800" dirty="0">
-              <a:latin typeface="Calibri" panose="020F0502020204030204" pitchFamily="34" charset="0"/>
-            </a:endParaRPr>
-          </a:p>
-          <a:p>
-            <a:pPr marL="0" indent="0" algn="just">
-              <a:buNone/>
-            </a:pPr>
-            <a:r>
-              <a:rPr lang="pt-BR" sz="1800" dirty="0">
-                <a:latin typeface="Calibri" panose="020F0502020204030204" pitchFamily="34" charset="0"/>
-              </a:rPr>
-              <a:t>[2] </a:t>
-            </a:r>
-            <a:r>
-              <a:rPr lang="pt-BR" sz="1800" b="1" dirty="0">
-                <a:latin typeface="Calibri" panose="020F0502020204030204" pitchFamily="34" charset="0"/>
-              </a:rPr>
-              <a:t>BARBIERO, Andréia Aparecida; HEXSEL, Roberto André.</a:t>
-            </a:r>
-            <a:r>
-              <a:rPr lang="pt-BR" sz="1800" dirty="0">
-                <a:latin typeface="Calibri" panose="020F0502020204030204" pitchFamily="34" charset="0"/>
-              </a:rPr>
-              <a:t> </a:t>
-            </a:r>
-            <a:r>
-              <a:rPr lang="pt-BR" sz="1800" dirty="0" err="1">
-                <a:latin typeface="Calibri" panose="020F0502020204030204" pitchFamily="34" charset="0"/>
-              </a:rPr>
-              <a:t>Simulaçao</a:t>
-            </a:r>
-            <a:r>
-              <a:rPr lang="pt-BR" sz="1800" dirty="0">
-                <a:latin typeface="Calibri" panose="020F0502020204030204" pitchFamily="34" charset="0"/>
-              </a:rPr>
-              <a:t> de Sistemas Embarcados utilizando </a:t>
-            </a:r>
-            <a:r>
-              <a:rPr lang="pt-BR" sz="1800" dirty="0" err="1">
-                <a:latin typeface="Calibri" panose="020F0502020204030204" pitchFamily="34" charset="0"/>
-              </a:rPr>
-              <a:t>ArchC</a:t>
-            </a:r>
-            <a:r>
-              <a:rPr lang="pt-BR" sz="1800" dirty="0">
-                <a:latin typeface="Calibri" panose="020F0502020204030204" pitchFamily="34" charset="0"/>
-              </a:rPr>
-              <a:t>. In: Anais do VII Workshop em Sistemas Computacionais de Alto Desempenho. SBC, 2006. p. 17-24.</a:t>
-            </a:r>
-          </a:p>
-          <a:p>
-            <a:pPr marL="0" indent="0" algn="just">
-              <a:buNone/>
-            </a:pPr>
-            <a:endParaRPr lang="pt-BR" sz="1800" dirty="0">
-              <a:latin typeface="Calibri" panose="020F0502020204030204" pitchFamily="34" charset="0"/>
-            </a:endParaRPr>
-          </a:p>
-          <a:p>
-            <a:pPr marL="0" indent="0" algn="just">
-              <a:buNone/>
-            </a:pPr>
-            <a:r>
-              <a:rPr lang="pt-BR" sz="1800" dirty="0">
-                <a:latin typeface="Times New Roman" panose="02020603050405020304" pitchFamily="18" charset="0"/>
-                <a:cs typeface="Times New Roman" panose="02020603050405020304" pitchFamily="18" charset="0"/>
-              </a:rPr>
-              <a:t>[3] </a:t>
-            </a:r>
-            <a:r>
-              <a:rPr lang="pt-BR" sz="1800" b="1" dirty="0">
-                <a:latin typeface="Times New Roman" panose="02020603050405020304" pitchFamily="18" charset="0"/>
-                <a:cs typeface="Times New Roman" panose="02020603050405020304" pitchFamily="18" charset="0"/>
-              </a:rPr>
-              <a:t>CUNHA, Alessandro F</a:t>
-            </a:r>
-            <a:r>
-              <a:rPr lang="pt-BR" sz="1800" dirty="0">
-                <a:latin typeface="Times New Roman" panose="02020603050405020304" pitchFamily="18" charset="0"/>
-                <a:cs typeface="Times New Roman" panose="02020603050405020304" pitchFamily="18" charset="0"/>
-              </a:rPr>
-              <a:t>. O que são sistemas embarcados. Saber Eletrônica, v. 43, n. 414, p. 1-6, 2007.</a:t>
-            </a:r>
-          </a:p>
-          <a:p>
-            <a:pPr marL="0" indent="0" algn="just">
-              <a:buNone/>
-            </a:pPr>
-            <a:endParaRPr lang="pt-BR" sz="1800" dirty="0">
-              <a:latin typeface="Times New Roman" panose="02020603050405020304" pitchFamily="18" charset="0"/>
-              <a:cs typeface="Times New Roman" panose="02020603050405020304" pitchFamily="18" charset="0"/>
-            </a:endParaRPr>
-          </a:p>
-          <a:p>
-            <a:pPr marL="0" indent="0" algn="just">
-              <a:buNone/>
-            </a:pPr>
-            <a:r>
-              <a:rPr lang="pt-BR" sz="1800" dirty="0">
-                <a:latin typeface="Times New Roman" panose="02020603050405020304" pitchFamily="18" charset="0"/>
-                <a:cs typeface="Times New Roman" panose="02020603050405020304" pitchFamily="18" charset="0"/>
-              </a:rPr>
-              <a:t>[4] </a:t>
-            </a:r>
-            <a:r>
-              <a:rPr lang="pt-BR" sz="1800" b="1" dirty="0">
-                <a:latin typeface="Times New Roman" panose="02020603050405020304" pitchFamily="18" charset="0"/>
-                <a:cs typeface="Times New Roman" panose="02020603050405020304" pitchFamily="18" charset="0"/>
-              </a:rPr>
-              <a:t>OSSADA, Jaime </a:t>
-            </a:r>
-            <a:r>
-              <a:rPr lang="pt-BR" sz="1800" b="1" dirty="0" err="1">
-                <a:latin typeface="Times New Roman" panose="02020603050405020304" pitchFamily="18" charset="0"/>
-                <a:cs typeface="Times New Roman" panose="02020603050405020304" pitchFamily="18" charset="0"/>
-              </a:rPr>
-              <a:t>Cazuhiro</a:t>
-            </a:r>
-            <a:r>
-              <a:rPr lang="pt-BR" sz="1800" b="1" dirty="0">
-                <a:latin typeface="Times New Roman" panose="02020603050405020304" pitchFamily="18" charset="0"/>
-                <a:cs typeface="Times New Roman" panose="02020603050405020304" pitchFamily="18" charset="0"/>
-              </a:rPr>
-              <a:t> et al. GERSE</a:t>
-            </a:r>
-            <a:r>
-              <a:rPr lang="pt-BR" sz="1800" dirty="0">
-                <a:latin typeface="Times New Roman" panose="02020603050405020304" pitchFamily="18" charset="0"/>
-                <a:cs typeface="Times New Roman" panose="02020603050405020304" pitchFamily="18" charset="0"/>
-              </a:rPr>
-              <a:t>: Guia de </a:t>
-            </a:r>
-            <a:r>
-              <a:rPr lang="pt-BR" sz="1800" dirty="0" err="1">
-                <a:latin typeface="Times New Roman" panose="02020603050405020304" pitchFamily="18" charset="0"/>
-                <a:cs typeface="Times New Roman" panose="02020603050405020304" pitchFamily="18" charset="0"/>
-              </a:rPr>
-              <a:t>Elicitação</a:t>
-            </a:r>
-            <a:r>
-              <a:rPr lang="pt-BR" sz="1800" dirty="0">
-                <a:latin typeface="Times New Roman" panose="02020603050405020304" pitchFamily="18" charset="0"/>
-                <a:cs typeface="Times New Roman" panose="02020603050405020304" pitchFamily="18" charset="0"/>
-              </a:rPr>
-              <a:t> de Requisitos para Sistemas Embarcados. In: WER. 2012.</a:t>
-            </a:r>
-          </a:p>
-          <a:p>
-            <a:pPr marL="0" indent="0" algn="just">
-              <a:buNone/>
-            </a:pPr>
-            <a:endParaRPr lang="pt-BR" sz="1800" dirty="0">
-              <a:latin typeface="Times New Roman" panose="02020603050405020304" pitchFamily="18" charset="0"/>
-              <a:cs typeface="Times New Roman" panose="02020603050405020304" pitchFamily="18" charset="0"/>
-            </a:endParaRPr>
+              <a:rPr lang="pt-BR" sz="2000" dirty="0">
+                <a:latin typeface="Times New Roman" panose="02020603050405020304" pitchFamily="18" charset="0"/>
+                <a:cs typeface="Times New Roman" panose="02020603050405020304" pitchFamily="18" charset="0"/>
+              </a:rPr>
+              <a:t>Interruptor digital. 2011.</a:t>
+            </a:r>
           </a:p>
         </p:txBody>
       </p:sp>
@@ -5659,7 +9299,7 @@
 </p:sld>
 </file>
 
-<file path=ppt/slides/slide9.xml><?xml version="1.0" encoding="utf-8"?>
+<file path=ppt/slides/slide23.xml><?xml version="1.0" encoding="utf-8"?>
 <p:sld xmlns:a="http://schemas.openxmlformats.org/drawingml/2006/main" xmlns:r="http://schemas.openxmlformats.org/officeDocument/2006/relationships" xmlns:p="http://schemas.openxmlformats.org/presentationml/2006/main">
   <p:cSld>
     <p:spTree>
@@ -6106,6 +9746,2460 @@
         </p:spPr>
       </p:pic>
     </p:spTree>
+  </p:cSld>
+  <p:clrMapOvr>
+    <a:masterClrMapping/>
+  </p:clrMapOvr>
+  <p:transition spd="med"/>
+</p:sld>
+</file>
+
+<file path=ppt/slides/slide3.xml><?xml version="1.0" encoding="utf-8"?>
+<p:sld xmlns:a="http://schemas.openxmlformats.org/drawingml/2006/main" xmlns:r="http://schemas.openxmlformats.org/officeDocument/2006/relationships" xmlns:p="http://schemas.openxmlformats.org/presentationml/2006/main">
+  <p:cSld>
+    <p:spTree>
+      <p:nvGrpSpPr>
+        <p:cNvPr id="1" name=""/>
+        <p:cNvGrpSpPr/>
+        <p:nvPr/>
+      </p:nvGrpSpPr>
+      <p:grpSpPr>
+        <a:xfrm>
+          <a:off x="0" y="0"/>
+          <a:ext cx="0" cy="0"/>
+          <a:chOff x="0" y="0"/>
+          <a:chExt cx="0" cy="0"/>
+        </a:xfrm>
+      </p:grpSpPr>
+      <p:sp>
+        <p:nvSpPr>
+          <p:cNvPr id="6" name="Title 1"/>
+          <p:cNvSpPr>
+            <a:spLocks noGrp="1"/>
+          </p:cNvSpPr>
+          <p:nvPr>
+            <p:ph type="title"/>
+          </p:nvPr>
+        </p:nvSpPr>
+        <p:spPr>
+          <a:xfrm>
+            <a:off x="457200" y="205980"/>
+            <a:ext cx="8229600" cy="857251"/>
+          </a:xfrm>
+        </p:spPr>
+        <p:txBody>
+          <a:bodyPr>
+            <a:normAutofit/>
+          </a:bodyPr>
+          <a:lstStyle/>
+          <a:p>
+            <a:r>
+              <a:rPr lang="en-US" b="1" dirty="0">
+                <a:solidFill>
+                  <a:srgbClr val="0070C0"/>
+                </a:solidFill>
+              </a:rPr>
+              <a:t>Display (Interface) </a:t>
+            </a:r>
+          </a:p>
+        </p:txBody>
+      </p:sp>
+      <p:sp>
+        <p:nvSpPr>
+          <p:cNvPr id="8" name="Text Placeholder 2"/>
+          <p:cNvSpPr>
+            <a:spLocks noGrp="1"/>
+          </p:cNvSpPr>
+          <p:nvPr>
+            <p:ph type="body" sz="half" idx="1"/>
+          </p:nvPr>
+        </p:nvSpPr>
+        <p:spPr>
+          <a:xfrm>
+            <a:off x="142865" y="1395222"/>
+            <a:ext cx="8865056" cy="3542298"/>
+          </a:xfrm>
+        </p:spPr>
+        <p:txBody>
+          <a:bodyPr>
+            <a:noAutofit/>
+          </a:bodyPr>
+          <a:lstStyle/>
+          <a:p>
+            <a:pPr marL="0" indent="0" algn="just">
+              <a:buNone/>
+            </a:pPr>
+            <a:r>
+              <a:rPr lang="pt-BR" sz="2000" dirty="0">
+                <a:solidFill>
+                  <a:schemeClr val="tx1"/>
+                </a:solidFill>
+                <a:latin typeface="Times New Roman" panose="02020603050405020304" pitchFamily="18" charset="0"/>
+                <a:cs typeface="Times New Roman" panose="02020603050405020304" pitchFamily="18" charset="0"/>
+              </a:rPr>
+              <a:t>Um </a:t>
+            </a:r>
+            <a:r>
+              <a:rPr lang="pt-BR" sz="2000" b="1" dirty="0">
+                <a:solidFill>
+                  <a:schemeClr val="tx1"/>
+                </a:solidFill>
+                <a:latin typeface="Times New Roman" panose="02020603050405020304" pitchFamily="18" charset="0"/>
+                <a:cs typeface="Times New Roman" panose="02020603050405020304" pitchFamily="18" charset="0"/>
+              </a:rPr>
+              <a:t>display</a:t>
+            </a:r>
+            <a:r>
+              <a:rPr lang="pt-BR" sz="2000" dirty="0">
+                <a:solidFill>
+                  <a:schemeClr val="tx1"/>
+                </a:solidFill>
+                <a:latin typeface="Times New Roman" panose="02020603050405020304" pitchFamily="18" charset="0"/>
+                <a:cs typeface="Times New Roman" panose="02020603050405020304" pitchFamily="18" charset="0"/>
+              </a:rPr>
+              <a:t> (</a:t>
+            </a:r>
+            <a:r>
+              <a:rPr lang="pt-BR" sz="2000" b="1" dirty="0">
+                <a:solidFill>
+                  <a:srgbClr val="FF0000"/>
+                </a:solidFill>
+                <a:latin typeface="Times New Roman" panose="02020603050405020304" pitchFamily="18" charset="0"/>
+                <a:cs typeface="Times New Roman" panose="02020603050405020304" pitchFamily="18" charset="0"/>
+              </a:rPr>
+              <a:t>ou mostrador, em português</a:t>
+            </a:r>
+            <a:r>
+              <a:rPr lang="pt-BR" sz="2000" dirty="0">
+                <a:solidFill>
+                  <a:schemeClr val="tx1"/>
+                </a:solidFill>
+                <a:latin typeface="Times New Roman" panose="02020603050405020304" pitchFamily="18" charset="0"/>
+                <a:cs typeface="Times New Roman" panose="02020603050405020304" pitchFamily="18" charset="0"/>
+              </a:rPr>
+              <a:t>) é um dispositivo para a apresentação de informação, de modo visual e/ou táctil, adquirida, armazenada ou transmitida sob várias formas. </a:t>
+            </a:r>
+          </a:p>
+          <a:p>
+            <a:pPr marL="0" indent="0" algn="just">
+              <a:buNone/>
+            </a:pPr>
+            <a:endParaRPr lang="pt-BR" sz="2000" dirty="0">
+              <a:solidFill>
+                <a:schemeClr val="tx1"/>
+              </a:solidFill>
+              <a:latin typeface="Times New Roman" panose="02020603050405020304" pitchFamily="18" charset="0"/>
+              <a:cs typeface="Times New Roman" panose="02020603050405020304" pitchFamily="18" charset="0"/>
+            </a:endParaRPr>
+          </a:p>
+          <a:p>
+            <a:pPr marL="0" indent="0" algn="just">
+              <a:buNone/>
+            </a:pPr>
+            <a:r>
+              <a:rPr lang="pt-BR" sz="2000" dirty="0">
+                <a:solidFill>
+                  <a:schemeClr val="tx1"/>
+                </a:solidFill>
+                <a:latin typeface="Times New Roman" panose="02020603050405020304" pitchFamily="18" charset="0"/>
+                <a:cs typeface="Times New Roman" panose="02020603050405020304" pitchFamily="18" charset="0"/>
+              </a:rPr>
+              <a:t>Quando a </a:t>
+            </a:r>
+            <a:r>
+              <a:rPr lang="pt-BR" sz="2000" b="1" dirty="0">
+                <a:solidFill>
+                  <a:schemeClr val="tx1"/>
+                </a:solidFill>
+                <a:latin typeface="Times New Roman" panose="02020603050405020304" pitchFamily="18" charset="0"/>
+                <a:cs typeface="Times New Roman" panose="02020603050405020304" pitchFamily="18" charset="0"/>
+              </a:rPr>
+              <a:t>informação de entrada</a:t>
+            </a:r>
+            <a:r>
+              <a:rPr lang="pt-BR" sz="2000" dirty="0">
+                <a:solidFill>
+                  <a:schemeClr val="tx1"/>
+                </a:solidFill>
+                <a:latin typeface="Times New Roman" panose="02020603050405020304" pitchFamily="18" charset="0"/>
+                <a:cs typeface="Times New Roman" panose="02020603050405020304" pitchFamily="18" charset="0"/>
+              </a:rPr>
+              <a:t> é fornecida como um </a:t>
+            </a:r>
+            <a:r>
+              <a:rPr lang="pt-BR" sz="2000" b="1" dirty="0">
+                <a:solidFill>
+                  <a:schemeClr val="tx1"/>
+                </a:solidFill>
+                <a:latin typeface="Times New Roman" panose="02020603050405020304" pitchFamily="18" charset="0"/>
+                <a:cs typeface="Times New Roman" panose="02020603050405020304" pitchFamily="18" charset="0"/>
+              </a:rPr>
+              <a:t>sinal elétrico</a:t>
+            </a:r>
+            <a:r>
+              <a:rPr lang="pt-BR" sz="2000" dirty="0">
+                <a:solidFill>
+                  <a:schemeClr val="tx1"/>
+                </a:solidFill>
+                <a:latin typeface="Times New Roman" panose="02020603050405020304" pitchFamily="18" charset="0"/>
+                <a:cs typeface="Times New Roman" panose="02020603050405020304" pitchFamily="18" charset="0"/>
+              </a:rPr>
+              <a:t>, o display é chamado de "</a:t>
+            </a:r>
+            <a:r>
+              <a:rPr lang="pt-BR" sz="2000" b="1" dirty="0">
+                <a:solidFill>
+                  <a:schemeClr val="tx1"/>
+                </a:solidFill>
+                <a:latin typeface="Times New Roman" panose="02020603050405020304" pitchFamily="18" charset="0"/>
+                <a:cs typeface="Times New Roman" panose="02020603050405020304" pitchFamily="18" charset="0"/>
+              </a:rPr>
+              <a:t>display</a:t>
+            </a:r>
+            <a:r>
+              <a:rPr lang="pt-BR" sz="2000" dirty="0">
+                <a:solidFill>
+                  <a:schemeClr val="tx1"/>
+                </a:solidFill>
+                <a:latin typeface="Times New Roman" panose="02020603050405020304" pitchFamily="18" charset="0"/>
+                <a:cs typeface="Times New Roman" panose="02020603050405020304" pitchFamily="18" charset="0"/>
+              </a:rPr>
+              <a:t> (ou "</a:t>
+            </a:r>
+            <a:r>
+              <a:rPr lang="pt-BR" sz="2000" b="1" dirty="0">
+                <a:solidFill>
+                  <a:srgbClr val="FF0000"/>
+                </a:solidFill>
+                <a:latin typeface="Times New Roman" panose="02020603050405020304" pitchFamily="18" charset="0"/>
+                <a:cs typeface="Times New Roman" panose="02020603050405020304" pitchFamily="18" charset="0"/>
+              </a:rPr>
+              <a:t>painel</a:t>
+            </a:r>
+            <a:r>
+              <a:rPr lang="pt-BR" sz="2000" dirty="0">
+                <a:solidFill>
+                  <a:schemeClr val="tx1"/>
+                </a:solidFill>
+                <a:latin typeface="Times New Roman" panose="02020603050405020304" pitchFamily="18" charset="0"/>
+                <a:cs typeface="Times New Roman" panose="02020603050405020304" pitchFamily="18" charset="0"/>
+              </a:rPr>
+              <a:t>") </a:t>
+            </a:r>
+            <a:r>
+              <a:rPr lang="pt-BR" sz="2000" b="1" dirty="0">
+                <a:solidFill>
+                  <a:schemeClr val="tx1"/>
+                </a:solidFill>
+                <a:latin typeface="Times New Roman" panose="02020603050405020304" pitchFamily="18" charset="0"/>
+                <a:cs typeface="Times New Roman" panose="02020603050405020304" pitchFamily="18" charset="0"/>
+              </a:rPr>
+              <a:t>eletrônico</a:t>
+            </a:r>
+            <a:r>
+              <a:rPr lang="pt-BR" sz="2000" dirty="0">
+                <a:solidFill>
+                  <a:schemeClr val="tx1"/>
+                </a:solidFill>
+                <a:latin typeface="Times New Roman" panose="02020603050405020304" pitchFamily="18" charset="0"/>
+                <a:cs typeface="Times New Roman" panose="02020603050405020304" pitchFamily="18" charset="0"/>
+              </a:rPr>
+              <a:t>".</a:t>
+            </a:r>
+          </a:p>
+          <a:p>
+            <a:pPr marL="0" indent="0" algn="just">
+              <a:buNone/>
+            </a:pPr>
+            <a:endParaRPr lang="pt-BR" sz="2000" dirty="0">
+              <a:solidFill>
+                <a:schemeClr val="tx1"/>
+              </a:solidFill>
+              <a:latin typeface="Times New Roman" panose="02020603050405020304" pitchFamily="18" charset="0"/>
+              <a:cs typeface="Times New Roman" panose="02020603050405020304" pitchFamily="18" charset="0"/>
+            </a:endParaRPr>
+          </a:p>
+          <a:p>
+            <a:pPr marL="0" indent="0" algn="just">
+              <a:buNone/>
+            </a:pPr>
+            <a:r>
+              <a:rPr lang="pt-BR" sz="2000" dirty="0">
+                <a:solidFill>
+                  <a:schemeClr val="tx1"/>
+                </a:solidFill>
+                <a:latin typeface="Times New Roman" panose="02020603050405020304" pitchFamily="18" charset="0"/>
+                <a:cs typeface="Times New Roman" panose="02020603050405020304" pitchFamily="18" charset="0"/>
+              </a:rPr>
+              <a:t>O </a:t>
+            </a:r>
+            <a:r>
+              <a:rPr lang="pt-BR" sz="2000" b="1" dirty="0">
+                <a:solidFill>
+                  <a:schemeClr val="tx1"/>
+                </a:solidFill>
+                <a:latin typeface="Times New Roman" panose="02020603050405020304" pitchFamily="18" charset="0"/>
+                <a:cs typeface="Times New Roman" panose="02020603050405020304" pitchFamily="18" charset="0"/>
+              </a:rPr>
+              <a:t>microcontrolador</a:t>
+            </a:r>
+            <a:r>
+              <a:rPr lang="pt-BR" sz="2000" dirty="0">
+                <a:solidFill>
+                  <a:schemeClr val="tx1"/>
+                </a:solidFill>
+                <a:latin typeface="Times New Roman" panose="02020603050405020304" pitchFamily="18" charset="0"/>
+                <a:cs typeface="Times New Roman" panose="02020603050405020304" pitchFamily="18" charset="0"/>
+              </a:rPr>
+              <a:t> tem o papel fundamental de </a:t>
+            </a:r>
+            <a:r>
+              <a:rPr lang="pt-BR" sz="2000" b="1" dirty="0">
+                <a:solidFill>
+                  <a:srgbClr val="FF0000"/>
+                </a:solidFill>
+                <a:latin typeface="Times New Roman" panose="02020603050405020304" pitchFamily="18" charset="0"/>
+                <a:cs typeface="Times New Roman" panose="02020603050405020304" pitchFamily="18" charset="0"/>
+              </a:rPr>
+              <a:t>receber os dados</a:t>
+            </a:r>
+            <a:r>
+              <a:rPr lang="pt-BR" sz="2000" dirty="0">
+                <a:solidFill>
+                  <a:schemeClr val="tx1"/>
+                </a:solidFill>
+                <a:latin typeface="Times New Roman" panose="02020603050405020304" pitchFamily="18" charset="0"/>
+                <a:cs typeface="Times New Roman" panose="02020603050405020304" pitchFamily="18" charset="0"/>
+              </a:rPr>
+              <a:t> vindos do </a:t>
+            </a:r>
+            <a:r>
+              <a:rPr lang="pt-BR" sz="2000" b="1" dirty="0">
+                <a:solidFill>
+                  <a:schemeClr val="tx1"/>
+                </a:solidFill>
+                <a:latin typeface="Times New Roman" panose="02020603050405020304" pitchFamily="18" charset="0"/>
+                <a:cs typeface="Times New Roman" panose="02020603050405020304" pitchFamily="18" charset="0"/>
+              </a:rPr>
+              <a:t>sensor</a:t>
+            </a:r>
+            <a:r>
+              <a:rPr lang="pt-BR" sz="2000" dirty="0">
+                <a:solidFill>
+                  <a:schemeClr val="tx1"/>
+                </a:solidFill>
+                <a:latin typeface="Times New Roman" panose="02020603050405020304" pitchFamily="18" charset="0"/>
+                <a:cs typeface="Times New Roman" panose="02020603050405020304" pitchFamily="18" charset="0"/>
+              </a:rPr>
+              <a:t>, </a:t>
+            </a:r>
+            <a:r>
+              <a:rPr lang="pt-BR" sz="2000" b="1" dirty="0">
+                <a:solidFill>
+                  <a:srgbClr val="FF0000"/>
+                </a:solidFill>
+                <a:latin typeface="Times New Roman" panose="02020603050405020304" pitchFamily="18" charset="0"/>
+                <a:cs typeface="Times New Roman" panose="02020603050405020304" pitchFamily="18" charset="0"/>
+              </a:rPr>
+              <a:t>interpretá-lo</a:t>
+            </a:r>
+            <a:r>
+              <a:rPr lang="pt-BR" sz="2000" dirty="0">
+                <a:solidFill>
+                  <a:schemeClr val="tx1"/>
+                </a:solidFill>
+                <a:latin typeface="Times New Roman" panose="02020603050405020304" pitchFamily="18" charset="0"/>
+                <a:cs typeface="Times New Roman" panose="02020603050405020304" pitchFamily="18" charset="0"/>
+              </a:rPr>
+              <a:t> e </a:t>
+            </a:r>
+            <a:r>
+              <a:rPr lang="pt-BR" sz="2000" b="1" dirty="0">
+                <a:solidFill>
+                  <a:schemeClr val="tx1"/>
+                </a:solidFill>
+                <a:latin typeface="Times New Roman" panose="02020603050405020304" pitchFamily="18" charset="0"/>
+                <a:cs typeface="Times New Roman" panose="02020603050405020304" pitchFamily="18" charset="0"/>
+              </a:rPr>
+              <a:t>enviar o resultado</a:t>
+            </a:r>
+            <a:r>
+              <a:rPr lang="pt-BR" sz="2000" dirty="0">
+                <a:solidFill>
+                  <a:schemeClr val="tx1"/>
+                </a:solidFill>
+                <a:latin typeface="Times New Roman" panose="02020603050405020304" pitchFamily="18" charset="0"/>
+                <a:cs typeface="Times New Roman" panose="02020603050405020304" pitchFamily="18" charset="0"/>
+              </a:rPr>
+              <a:t> para o display.</a:t>
+            </a:r>
+          </a:p>
+        </p:txBody>
+      </p:sp>
+    </p:spTree>
+    <p:extLst>
+      <p:ext uri="{BB962C8B-B14F-4D97-AF65-F5344CB8AC3E}">
+        <p14:creationId xmlns:p14="http://schemas.microsoft.com/office/powerpoint/2010/main" val="1610113958"/>
+      </p:ext>
+    </p:extLst>
+  </p:cSld>
+  <p:clrMapOvr>
+    <a:masterClrMapping/>
+  </p:clrMapOvr>
+  <p:transition spd="med"/>
+</p:sld>
+</file>
+
+<file path=ppt/slides/slide4.xml><?xml version="1.0" encoding="utf-8"?>
+<p:sld xmlns:a="http://schemas.openxmlformats.org/drawingml/2006/main" xmlns:r="http://schemas.openxmlformats.org/officeDocument/2006/relationships" xmlns:p="http://schemas.openxmlformats.org/presentationml/2006/main">
+  <p:cSld>
+    <p:spTree>
+      <p:nvGrpSpPr>
+        <p:cNvPr id="1" name=""/>
+        <p:cNvGrpSpPr/>
+        <p:nvPr/>
+      </p:nvGrpSpPr>
+      <p:grpSpPr>
+        <a:xfrm>
+          <a:off x="0" y="0"/>
+          <a:ext cx="0" cy="0"/>
+          <a:chOff x="0" y="0"/>
+          <a:chExt cx="0" cy="0"/>
+        </a:xfrm>
+      </p:grpSpPr>
+      <p:sp>
+        <p:nvSpPr>
+          <p:cNvPr id="6" name="Title 1"/>
+          <p:cNvSpPr>
+            <a:spLocks noGrp="1"/>
+          </p:cNvSpPr>
+          <p:nvPr>
+            <p:ph type="title"/>
+          </p:nvPr>
+        </p:nvSpPr>
+        <p:spPr>
+          <a:xfrm>
+            <a:off x="457200" y="205980"/>
+            <a:ext cx="8229600" cy="857251"/>
+          </a:xfrm>
+        </p:spPr>
+        <p:txBody>
+          <a:bodyPr>
+            <a:normAutofit/>
+          </a:bodyPr>
+          <a:lstStyle/>
+          <a:p>
+            <a:r>
+              <a:rPr lang="en-US" b="1" dirty="0" err="1">
+                <a:solidFill>
+                  <a:srgbClr val="0070C0"/>
+                </a:solidFill>
+              </a:rPr>
+              <a:t>Aplicação</a:t>
+            </a:r>
+            <a:r>
+              <a:rPr lang="en-US" b="1" dirty="0">
+                <a:solidFill>
+                  <a:srgbClr val="0070C0"/>
+                </a:solidFill>
+              </a:rPr>
+              <a:t> </a:t>
+            </a:r>
+            <a:r>
+              <a:rPr lang="en-US" b="1" dirty="0" err="1">
+                <a:solidFill>
+                  <a:srgbClr val="0070C0"/>
+                </a:solidFill>
+              </a:rPr>
+              <a:t>Mostradores</a:t>
+            </a:r>
+            <a:endParaRPr lang="en-US" b="1" dirty="0">
+              <a:solidFill>
+                <a:srgbClr val="0070C0"/>
+              </a:solidFill>
+            </a:endParaRPr>
+          </a:p>
+        </p:txBody>
+      </p:sp>
+      <p:sp>
+        <p:nvSpPr>
+          <p:cNvPr id="8" name="Text Placeholder 2"/>
+          <p:cNvSpPr>
+            <a:spLocks noGrp="1"/>
+          </p:cNvSpPr>
+          <p:nvPr>
+            <p:ph type="body" sz="half" idx="1"/>
+          </p:nvPr>
+        </p:nvSpPr>
+        <p:spPr>
+          <a:xfrm>
+            <a:off x="142865" y="1102614"/>
+            <a:ext cx="8865056" cy="3932682"/>
+          </a:xfrm>
+        </p:spPr>
+        <p:txBody>
+          <a:bodyPr>
+            <a:noAutofit/>
+          </a:bodyPr>
+          <a:lstStyle/>
+          <a:p>
+            <a:pPr marL="0" indent="0" algn="just">
+              <a:buNone/>
+            </a:pPr>
+            <a:r>
+              <a:rPr lang="pt-BR" sz="2000" dirty="0">
+                <a:solidFill>
+                  <a:schemeClr val="tx1"/>
+                </a:solidFill>
+                <a:latin typeface="Times New Roman" panose="02020603050405020304" pitchFamily="18" charset="0"/>
+                <a:cs typeface="Times New Roman" panose="02020603050405020304" pitchFamily="18" charset="0"/>
+              </a:rPr>
+              <a:t>Este relógio digital utiliza a </a:t>
+            </a:r>
+            <a:r>
+              <a:rPr lang="pt-BR" sz="2000" b="1" dirty="0">
+                <a:solidFill>
+                  <a:srgbClr val="FF0000"/>
+                </a:solidFill>
+                <a:latin typeface="Times New Roman" panose="02020603050405020304" pitchFamily="18" charset="0"/>
+                <a:cs typeface="Times New Roman" panose="02020603050405020304" pitchFamily="18" charset="0"/>
+              </a:rPr>
+              <a:t>técnica </a:t>
+            </a:r>
+            <a:r>
+              <a:rPr lang="pt-BR" sz="2000" b="1" dirty="0" err="1">
+                <a:solidFill>
+                  <a:srgbClr val="FF0000"/>
+                </a:solidFill>
+                <a:latin typeface="Times New Roman" panose="02020603050405020304" pitchFamily="18" charset="0"/>
+                <a:cs typeface="Times New Roman" panose="02020603050405020304" pitchFamily="18" charset="0"/>
+              </a:rPr>
+              <a:t>Charlieplex</a:t>
+            </a:r>
+            <a:r>
+              <a:rPr lang="pt-BR" sz="2000" b="1" dirty="0">
+                <a:solidFill>
+                  <a:schemeClr val="tx1"/>
+                </a:solidFill>
+                <a:latin typeface="Times New Roman" panose="02020603050405020304" pitchFamily="18" charset="0"/>
+                <a:cs typeface="Times New Roman" panose="02020603050405020304" pitchFamily="18" charset="0"/>
+              </a:rPr>
+              <a:t> </a:t>
+            </a:r>
+            <a:r>
+              <a:rPr lang="pt-BR" sz="2000" dirty="0">
+                <a:solidFill>
+                  <a:schemeClr val="tx1"/>
+                </a:solidFill>
+                <a:latin typeface="Times New Roman" panose="02020603050405020304" pitchFamily="18" charset="0"/>
+                <a:cs typeface="Times New Roman" panose="02020603050405020304" pitchFamily="18" charset="0"/>
+              </a:rPr>
+              <a:t>para </a:t>
+            </a:r>
+            <a:r>
+              <a:rPr lang="pt-BR" sz="2000" b="1" dirty="0">
+                <a:solidFill>
+                  <a:schemeClr val="tx1"/>
+                </a:solidFill>
+                <a:latin typeface="Times New Roman" panose="02020603050405020304" pitchFamily="18" charset="0"/>
+                <a:cs typeface="Times New Roman" panose="02020603050405020304" pitchFamily="18" charset="0"/>
+              </a:rPr>
+              <a:t>acionar os </a:t>
+            </a:r>
+            <a:r>
+              <a:rPr lang="pt-BR" sz="2000" b="1" dirty="0" err="1">
+                <a:solidFill>
+                  <a:schemeClr val="tx1"/>
+                </a:solidFill>
+                <a:latin typeface="Times New Roman" panose="02020603050405020304" pitchFamily="18" charset="0"/>
+                <a:cs typeface="Times New Roman" panose="02020603050405020304" pitchFamily="18" charset="0"/>
+              </a:rPr>
+              <a:t>LED's</a:t>
+            </a:r>
+            <a:r>
+              <a:rPr lang="pt-BR" sz="2000" b="1" dirty="0">
+                <a:solidFill>
+                  <a:schemeClr val="tx1"/>
+                </a:solidFill>
+                <a:latin typeface="Times New Roman" panose="02020603050405020304" pitchFamily="18" charset="0"/>
+                <a:cs typeface="Times New Roman" panose="02020603050405020304" pitchFamily="18" charset="0"/>
+              </a:rPr>
+              <a:t> de seu mostrador</a:t>
+            </a:r>
+            <a:r>
+              <a:rPr lang="pt-BR" sz="2000" dirty="0">
+                <a:solidFill>
+                  <a:schemeClr val="tx1"/>
+                </a:solidFill>
+                <a:latin typeface="Times New Roman" panose="02020603050405020304" pitchFamily="18" charset="0"/>
+                <a:cs typeface="Times New Roman" panose="02020603050405020304" pitchFamily="18" charset="0"/>
+              </a:rPr>
+              <a:t>. Utilizando-se do fato de </a:t>
+            </a:r>
+            <a:r>
+              <a:rPr lang="pt-BR" sz="2000" b="1" dirty="0" err="1">
+                <a:solidFill>
+                  <a:schemeClr val="tx1"/>
+                </a:solidFill>
+                <a:latin typeface="Times New Roman" panose="02020603050405020304" pitchFamily="18" charset="0"/>
+                <a:cs typeface="Times New Roman" panose="02020603050405020304" pitchFamily="18" charset="0"/>
+              </a:rPr>
+              <a:t>LED's</a:t>
+            </a:r>
+            <a:r>
+              <a:rPr lang="pt-BR" sz="2000" dirty="0">
+                <a:solidFill>
+                  <a:schemeClr val="tx1"/>
+                </a:solidFill>
+                <a:latin typeface="Times New Roman" panose="02020603050405020304" pitchFamily="18" charset="0"/>
+                <a:cs typeface="Times New Roman" panose="02020603050405020304" pitchFamily="18" charset="0"/>
+              </a:rPr>
+              <a:t> serem </a:t>
+            </a:r>
+            <a:r>
+              <a:rPr lang="pt-BR" sz="2000" b="1" dirty="0">
+                <a:solidFill>
+                  <a:schemeClr val="tx1"/>
+                </a:solidFill>
+                <a:latin typeface="Times New Roman" panose="02020603050405020304" pitchFamily="18" charset="0"/>
+                <a:cs typeface="Times New Roman" panose="02020603050405020304" pitchFamily="18" charset="0"/>
+              </a:rPr>
+              <a:t>componentes polarizados</a:t>
+            </a:r>
+            <a:r>
+              <a:rPr lang="pt-BR" sz="2000" dirty="0">
+                <a:solidFill>
+                  <a:schemeClr val="tx1"/>
+                </a:solidFill>
+                <a:latin typeface="Times New Roman" panose="02020603050405020304" pitchFamily="18" charset="0"/>
+                <a:cs typeface="Times New Roman" panose="02020603050405020304" pitchFamily="18" charset="0"/>
+              </a:rPr>
+              <a:t> e com voltagens de acionamento bastante específicas, esta técnica de multiplexação permite </a:t>
+            </a:r>
+            <a:r>
+              <a:rPr lang="pt-BR" sz="2000" b="1" dirty="0">
+                <a:solidFill>
+                  <a:schemeClr val="tx1"/>
+                </a:solidFill>
+                <a:latin typeface="Times New Roman" panose="02020603050405020304" pitchFamily="18" charset="0"/>
+                <a:cs typeface="Times New Roman" panose="02020603050405020304" pitchFamily="18" charset="0"/>
+              </a:rPr>
+              <a:t>controlar</a:t>
+            </a:r>
+            <a:r>
+              <a:rPr lang="pt-BR" sz="2000" dirty="0">
+                <a:solidFill>
+                  <a:schemeClr val="tx1"/>
+                </a:solidFill>
+                <a:latin typeface="Times New Roman" panose="02020603050405020304" pitchFamily="18" charset="0"/>
+                <a:cs typeface="Times New Roman" panose="02020603050405020304" pitchFamily="18" charset="0"/>
+              </a:rPr>
+              <a:t> todos os </a:t>
+            </a:r>
+            <a:r>
+              <a:rPr lang="pt-BR" sz="2000" b="1" dirty="0">
+                <a:solidFill>
+                  <a:srgbClr val="FF0000"/>
+                </a:solidFill>
+                <a:latin typeface="Times New Roman" panose="02020603050405020304" pitchFamily="18" charset="0"/>
+                <a:cs typeface="Times New Roman" panose="02020603050405020304" pitchFamily="18" charset="0"/>
+              </a:rPr>
+              <a:t>27 </a:t>
+            </a:r>
+            <a:r>
+              <a:rPr lang="pt-BR" sz="2000" b="1" dirty="0" err="1">
+                <a:solidFill>
+                  <a:srgbClr val="FF0000"/>
+                </a:solidFill>
+                <a:latin typeface="Times New Roman" panose="02020603050405020304" pitchFamily="18" charset="0"/>
+                <a:cs typeface="Times New Roman" panose="02020603050405020304" pitchFamily="18" charset="0"/>
+              </a:rPr>
+              <a:t>LED's</a:t>
+            </a:r>
+            <a:r>
+              <a:rPr lang="pt-BR" sz="2000" dirty="0">
+                <a:solidFill>
+                  <a:schemeClr val="tx1"/>
+                </a:solidFill>
+                <a:latin typeface="Times New Roman" panose="02020603050405020304" pitchFamily="18" charset="0"/>
+                <a:cs typeface="Times New Roman" panose="02020603050405020304" pitchFamily="18" charset="0"/>
+              </a:rPr>
+              <a:t> com apenas </a:t>
+            </a:r>
+            <a:r>
+              <a:rPr lang="pt-BR" sz="2000" b="1" dirty="0">
+                <a:solidFill>
+                  <a:schemeClr val="tx1"/>
+                </a:solidFill>
+                <a:latin typeface="Times New Roman" panose="02020603050405020304" pitchFamily="18" charset="0"/>
+                <a:cs typeface="Times New Roman" panose="02020603050405020304" pitchFamily="18" charset="0"/>
+              </a:rPr>
+              <a:t>6 saídas do microprocessador</a:t>
+            </a:r>
+            <a:r>
+              <a:rPr lang="pt-BR" sz="2000" dirty="0">
+                <a:solidFill>
+                  <a:schemeClr val="tx1"/>
+                </a:solidFill>
+                <a:latin typeface="Times New Roman" panose="02020603050405020304" pitchFamily="18" charset="0"/>
+                <a:cs typeface="Times New Roman" panose="02020603050405020304" pitchFamily="18" charset="0"/>
+              </a:rPr>
+              <a:t>.</a:t>
+            </a:r>
+          </a:p>
+          <a:p>
+            <a:pPr marL="0" indent="0" algn="just">
+              <a:buNone/>
+            </a:pPr>
+            <a:endParaRPr lang="pt-BR" sz="2000" dirty="0">
+              <a:solidFill>
+                <a:schemeClr val="tx1"/>
+              </a:solidFill>
+              <a:latin typeface="Times New Roman" panose="02020603050405020304" pitchFamily="18" charset="0"/>
+              <a:cs typeface="Times New Roman" panose="02020603050405020304" pitchFamily="18" charset="0"/>
+            </a:endParaRPr>
+          </a:p>
+          <a:p>
+            <a:pPr marL="0" indent="0" algn="just">
+              <a:buNone/>
+            </a:pPr>
+            <a:endParaRPr lang="pt-BR" sz="2000" dirty="0">
+              <a:solidFill>
+                <a:schemeClr val="tx1"/>
+              </a:solidFill>
+              <a:latin typeface="Times New Roman" panose="02020603050405020304" pitchFamily="18" charset="0"/>
+              <a:cs typeface="Times New Roman" panose="02020603050405020304" pitchFamily="18" charset="0"/>
+            </a:endParaRPr>
+          </a:p>
+          <a:p>
+            <a:pPr marL="0" indent="0" algn="just">
+              <a:buNone/>
+            </a:pPr>
+            <a:endParaRPr lang="pt-BR" sz="2000" dirty="0">
+              <a:solidFill>
+                <a:schemeClr val="tx1"/>
+              </a:solidFill>
+              <a:latin typeface="Times New Roman" panose="02020603050405020304" pitchFamily="18" charset="0"/>
+              <a:cs typeface="Times New Roman" panose="02020603050405020304" pitchFamily="18" charset="0"/>
+            </a:endParaRPr>
+          </a:p>
+          <a:p>
+            <a:pPr marL="0" indent="0" algn="just">
+              <a:buNone/>
+            </a:pPr>
+            <a:endParaRPr lang="pt-BR" sz="2000" dirty="0">
+              <a:solidFill>
+                <a:schemeClr val="tx1"/>
+              </a:solidFill>
+              <a:latin typeface="Times New Roman" panose="02020603050405020304" pitchFamily="18" charset="0"/>
+              <a:cs typeface="Times New Roman" panose="02020603050405020304" pitchFamily="18" charset="0"/>
+            </a:endParaRPr>
+          </a:p>
+          <a:p>
+            <a:pPr marL="0" indent="0" algn="just">
+              <a:buNone/>
+            </a:pPr>
+            <a:endParaRPr lang="pt-BR" sz="2000" dirty="0">
+              <a:solidFill>
+                <a:schemeClr val="tx1"/>
+              </a:solidFill>
+              <a:latin typeface="Times New Roman" panose="02020603050405020304" pitchFamily="18" charset="0"/>
+              <a:cs typeface="Times New Roman" panose="02020603050405020304" pitchFamily="18" charset="0"/>
+            </a:endParaRPr>
+          </a:p>
+          <a:p>
+            <a:pPr marL="0" indent="0" algn="just">
+              <a:buNone/>
+            </a:pPr>
+            <a:endParaRPr lang="pt-BR" sz="2000" dirty="0">
+              <a:solidFill>
+                <a:schemeClr val="tx1"/>
+              </a:solidFill>
+              <a:latin typeface="Times New Roman" panose="02020603050405020304" pitchFamily="18" charset="0"/>
+              <a:cs typeface="Times New Roman" panose="02020603050405020304" pitchFamily="18" charset="0"/>
+            </a:endParaRPr>
+          </a:p>
+          <a:p>
+            <a:pPr marL="0" indent="0" algn="just">
+              <a:buNone/>
+            </a:pPr>
+            <a:r>
+              <a:rPr lang="pt-BR" sz="2000" dirty="0">
+                <a:solidFill>
+                  <a:schemeClr val="tx1"/>
+                </a:solidFill>
+                <a:latin typeface="Times New Roman" panose="02020603050405020304" pitchFamily="18" charset="0"/>
+                <a:cs typeface="Times New Roman" panose="02020603050405020304" pitchFamily="18" charset="0"/>
+                <a:hlinkClick r:id="rId3"/>
+              </a:rPr>
+              <a:t>https://jpralves.net/post/2015/06/30/charlieplexing-pt.html</a:t>
+            </a:r>
+            <a:r>
+              <a:rPr lang="pt-BR" sz="2000" dirty="0">
+                <a:solidFill>
+                  <a:schemeClr val="tx1"/>
+                </a:solidFill>
+                <a:latin typeface="Times New Roman" panose="02020603050405020304" pitchFamily="18" charset="0"/>
+                <a:cs typeface="Times New Roman" panose="02020603050405020304" pitchFamily="18" charset="0"/>
+              </a:rPr>
+              <a:t> </a:t>
+            </a:r>
+          </a:p>
+        </p:txBody>
+      </p:sp>
+      <p:pic>
+        <p:nvPicPr>
+          <p:cNvPr id="3" name="Imagem 2">
+            <a:extLst>
+              <a:ext uri="{FF2B5EF4-FFF2-40B4-BE49-F238E27FC236}">
+                <a16:creationId xmlns:a16="http://schemas.microsoft.com/office/drawing/2014/main" id="{5A3A8FDA-CB8F-37DD-B2F7-78C2ADD83AFE}"/>
+              </a:ext>
+            </a:extLst>
+          </p:cNvPr>
+          <p:cNvPicPr>
+            <a:picLocks noChangeAspect="1"/>
+          </p:cNvPicPr>
+          <p:nvPr/>
+        </p:nvPicPr>
+        <p:blipFill>
+          <a:blip r:embed="rId4"/>
+          <a:stretch>
+            <a:fillRect/>
+          </a:stretch>
+        </p:blipFill>
+        <p:spPr>
+          <a:xfrm>
+            <a:off x="1235197" y="2463687"/>
+            <a:ext cx="2847975" cy="2181225"/>
+          </a:xfrm>
+          <a:prstGeom prst="rect">
+            <a:avLst/>
+          </a:prstGeom>
+        </p:spPr>
+      </p:pic>
+      <p:sp>
+        <p:nvSpPr>
+          <p:cNvPr id="4" name="CaixaDeTexto 3">
+            <a:extLst>
+              <a:ext uri="{FF2B5EF4-FFF2-40B4-BE49-F238E27FC236}">
+                <a16:creationId xmlns:a16="http://schemas.microsoft.com/office/drawing/2014/main" id="{296DA832-F4FA-B85D-8AE8-CED910B2870C}"/>
+              </a:ext>
+            </a:extLst>
+          </p:cNvPr>
+          <p:cNvSpPr txBox="1"/>
+          <p:nvPr/>
+        </p:nvSpPr>
+        <p:spPr>
+          <a:xfrm>
+            <a:off x="5175503" y="2932507"/>
+            <a:ext cx="3371089" cy="1754322"/>
+          </a:xfrm>
+          <a:prstGeom prst="rect">
+            <a:avLst/>
+          </a:prstGeom>
+          <a:noFill/>
+          <a:ln w="12700" cap="flat">
+            <a:noFill/>
+            <a:miter lim="400000"/>
+          </a:ln>
+        </p:spPr>
+        <p:style>
+          <a:lnRef idx="0">
+            <a:scrgbClr r="0" g="0" b="0"/>
+          </a:lnRef>
+          <a:fillRef idx="0">
+            <a:scrgbClr r="0" g="0" b="0"/>
+          </a:fillRef>
+          <a:effectRef idx="0">
+            <a:scrgbClr r="0" g="0" b="0"/>
+          </a:effectRef>
+          <a:fontRef idx="none"/>
+        </p:style>
+        <p:txBody>
+          <a:bodyPr rot="0" spcFirstLastPara="1" vertOverflow="overflow" horzOverflow="overflow" vert="horz" wrap="square" lIns="45718" tIns="45718" rIns="45718" bIns="45718" numCol="1" spcCol="38100" rtlCol="0" anchor="t">
+            <a:spAutoFit/>
+          </a:bodyPr>
+          <a:lstStyle/>
+          <a:p>
+            <a:pPr marL="0" marR="0" indent="0" algn="l" defTabSz="457200" rtl="0" fontAlgn="auto" latinLnBrk="0" hangingPunct="0">
+              <a:lnSpc>
+                <a:spcPct val="100000"/>
+              </a:lnSpc>
+              <a:spcBef>
+                <a:spcPts val="0"/>
+              </a:spcBef>
+              <a:spcAft>
+                <a:spcPts val="0"/>
+              </a:spcAft>
+              <a:buClrTx/>
+              <a:buSzTx/>
+              <a:buFontTx/>
+              <a:buNone/>
+            </a:pPr>
+            <a:r>
+              <a:rPr kumimoji="0" lang="pt-BR" sz="1800" b="1" i="0" u="none" strike="noStrike" cap="none" spc="0" normalizeH="0" baseline="0" dirty="0" err="1">
+                <a:ln>
+                  <a:noFill/>
+                </a:ln>
+                <a:solidFill>
+                  <a:srgbClr val="000000"/>
+                </a:solidFill>
+                <a:effectLst/>
+                <a:uFillTx/>
+                <a:latin typeface="Times New Roman" panose="02020603050405020304" pitchFamily="18" charset="0"/>
+                <a:cs typeface="Times New Roman" panose="02020603050405020304" pitchFamily="18" charset="0"/>
+                <a:sym typeface="Calibri"/>
+              </a:rPr>
+              <a:t>Charlieplexing</a:t>
+            </a:r>
+            <a:r>
+              <a:rPr kumimoji="0" lang="pt-BR" sz="1800" b="0" i="0" u="none" strike="noStrike" cap="none" spc="0" normalizeH="0" baseline="0" dirty="0">
+                <a:ln>
+                  <a:noFill/>
+                </a:ln>
+                <a:solidFill>
+                  <a:srgbClr val="000000"/>
+                </a:solidFill>
+                <a:effectLst/>
+                <a:uFillTx/>
+                <a:latin typeface="Times New Roman" panose="02020603050405020304" pitchFamily="18" charset="0"/>
+                <a:cs typeface="Times New Roman" panose="02020603050405020304" pitchFamily="18" charset="0"/>
+                <a:sym typeface="Calibri"/>
+              </a:rPr>
+              <a:t> é um método para controlar vários LEDs sem o uso de muitos pinos do Arduino, com esse método você pode ligar ou desligar um LED e assumir 3 estados (alto, baixo e input).</a:t>
+            </a:r>
+          </a:p>
+        </p:txBody>
+      </p:sp>
+    </p:spTree>
+    <p:extLst>
+      <p:ext uri="{BB962C8B-B14F-4D97-AF65-F5344CB8AC3E}">
+        <p14:creationId xmlns:p14="http://schemas.microsoft.com/office/powerpoint/2010/main" val="4216055303"/>
+      </p:ext>
+    </p:extLst>
+  </p:cSld>
+  <p:clrMapOvr>
+    <a:masterClrMapping/>
+  </p:clrMapOvr>
+  <p:transition spd="med"/>
+</p:sld>
+</file>
+
+<file path=ppt/slides/slide5.xml><?xml version="1.0" encoding="utf-8"?>
+<p:sld xmlns:a="http://schemas.openxmlformats.org/drawingml/2006/main" xmlns:r="http://schemas.openxmlformats.org/officeDocument/2006/relationships" xmlns:p="http://schemas.openxmlformats.org/presentationml/2006/main">
+  <p:cSld>
+    <p:spTree>
+      <p:nvGrpSpPr>
+        <p:cNvPr id="1" name=""/>
+        <p:cNvGrpSpPr/>
+        <p:nvPr/>
+      </p:nvGrpSpPr>
+      <p:grpSpPr>
+        <a:xfrm>
+          <a:off x="0" y="0"/>
+          <a:ext cx="0" cy="0"/>
+          <a:chOff x="0" y="0"/>
+          <a:chExt cx="0" cy="0"/>
+        </a:xfrm>
+      </p:grpSpPr>
+      <p:sp>
+        <p:nvSpPr>
+          <p:cNvPr id="6" name="Title 1"/>
+          <p:cNvSpPr>
+            <a:spLocks noGrp="1"/>
+          </p:cNvSpPr>
+          <p:nvPr>
+            <p:ph type="title"/>
+          </p:nvPr>
+        </p:nvSpPr>
+        <p:spPr>
+          <a:xfrm>
+            <a:off x="457200" y="205980"/>
+            <a:ext cx="8229600" cy="857251"/>
+          </a:xfrm>
+        </p:spPr>
+        <p:txBody>
+          <a:bodyPr>
+            <a:normAutofit/>
+          </a:bodyPr>
+          <a:lstStyle/>
+          <a:p>
+            <a:r>
+              <a:rPr lang="en-US" b="1" dirty="0" err="1">
+                <a:solidFill>
+                  <a:srgbClr val="0070C0"/>
+                </a:solidFill>
+              </a:rPr>
+              <a:t>Tipos</a:t>
+            </a:r>
+            <a:r>
+              <a:rPr lang="en-US" b="1" dirty="0">
+                <a:solidFill>
+                  <a:srgbClr val="0070C0"/>
+                </a:solidFill>
+              </a:rPr>
+              <a:t> de Displays (Datasheet)</a:t>
+            </a:r>
+          </a:p>
+        </p:txBody>
+      </p:sp>
+      <p:sp>
+        <p:nvSpPr>
+          <p:cNvPr id="8" name="Text Placeholder 2"/>
+          <p:cNvSpPr>
+            <a:spLocks noGrp="1"/>
+          </p:cNvSpPr>
+          <p:nvPr>
+            <p:ph type="body" sz="half" idx="1"/>
+          </p:nvPr>
+        </p:nvSpPr>
+        <p:spPr>
+          <a:xfrm>
+            <a:off x="142865" y="1395222"/>
+            <a:ext cx="8865056" cy="3542298"/>
+          </a:xfrm>
+        </p:spPr>
+        <p:txBody>
+          <a:bodyPr>
+            <a:noAutofit/>
+          </a:bodyPr>
+          <a:lstStyle/>
+          <a:p>
+            <a:pPr algn="just">
+              <a:buFont typeface="Wingdings" panose="05000000000000000000" pitchFamily="2" charset="2"/>
+              <a:buChar char="§"/>
+            </a:pPr>
+            <a:r>
+              <a:rPr lang="pt-BR" sz="2000" dirty="0">
+                <a:solidFill>
+                  <a:schemeClr val="tx1"/>
+                </a:solidFill>
+                <a:latin typeface="Times New Roman" panose="02020603050405020304" pitchFamily="18" charset="0"/>
+                <a:cs typeface="Times New Roman" panose="02020603050405020304" pitchFamily="18" charset="0"/>
+              </a:rPr>
+              <a:t>7 segmentos / Numéricos</a:t>
+            </a:r>
+          </a:p>
+          <a:p>
+            <a:pPr algn="just">
+              <a:buFont typeface="Wingdings" panose="05000000000000000000" pitchFamily="2" charset="2"/>
+              <a:buChar char="§"/>
+            </a:pPr>
+            <a:endParaRPr lang="pt-BR" sz="2000" dirty="0">
+              <a:solidFill>
+                <a:schemeClr val="tx1"/>
+              </a:solidFill>
+              <a:latin typeface="Times New Roman" panose="02020603050405020304" pitchFamily="18" charset="0"/>
+              <a:cs typeface="Times New Roman" panose="02020603050405020304" pitchFamily="18" charset="0"/>
+            </a:endParaRPr>
+          </a:p>
+          <a:p>
+            <a:pPr algn="just">
+              <a:buFont typeface="Wingdings" panose="05000000000000000000" pitchFamily="2" charset="2"/>
+              <a:buChar char="§"/>
+            </a:pPr>
+            <a:r>
+              <a:rPr lang="pt-BR" sz="2000" dirty="0">
+                <a:solidFill>
+                  <a:schemeClr val="tx1"/>
+                </a:solidFill>
+                <a:latin typeface="Times New Roman" panose="02020603050405020304" pitchFamily="18" charset="0"/>
+                <a:cs typeface="Times New Roman" panose="02020603050405020304" pitchFamily="18" charset="0"/>
+              </a:rPr>
+              <a:t>LCD 16 x 2 – i2c / Alfanuméricos</a:t>
+            </a:r>
+          </a:p>
+          <a:p>
+            <a:pPr algn="just">
+              <a:buFont typeface="Wingdings" panose="05000000000000000000" pitchFamily="2" charset="2"/>
+              <a:buChar char="§"/>
+            </a:pPr>
+            <a:endParaRPr lang="pt-BR" sz="2000" dirty="0">
+              <a:solidFill>
+                <a:schemeClr val="tx1"/>
+              </a:solidFill>
+              <a:latin typeface="Times New Roman" panose="02020603050405020304" pitchFamily="18" charset="0"/>
+              <a:cs typeface="Times New Roman" panose="02020603050405020304" pitchFamily="18" charset="0"/>
+            </a:endParaRPr>
+          </a:p>
+          <a:p>
+            <a:pPr algn="just">
+              <a:buFont typeface="Wingdings" panose="05000000000000000000" pitchFamily="2" charset="2"/>
+              <a:buChar char="§"/>
+            </a:pPr>
+            <a:r>
+              <a:rPr lang="pt-BR" sz="2000" dirty="0">
+                <a:solidFill>
+                  <a:schemeClr val="tx1"/>
+                </a:solidFill>
+                <a:latin typeface="Times New Roman" panose="02020603050405020304" pitchFamily="18" charset="0"/>
+                <a:cs typeface="Times New Roman" panose="02020603050405020304" pitchFamily="18" charset="0"/>
+              </a:rPr>
+              <a:t>LCD 20 x 2</a:t>
+            </a:r>
+          </a:p>
+          <a:p>
+            <a:pPr algn="just">
+              <a:buFont typeface="Wingdings" panose="05000000000000000000" pitchFamily="2" charset="2"/>
+              <a:buChar char="§"/>
+            </a:pPr>
+            <a:endParaRPr lang="pt-BR" sz="2000" dirty="0">
+              <a:solidFill>
+                <a:schemeClr val="tx1"/>
+              </a:solidFill>
+              <a:latin typeface="Times New Roman" panose="02020603050405020304" pitchFamily="18" charset="0"/>
+              <a:cs typeface="Times New Roman" panose="02020603050405020304" pitchFamily="18" charset="0"/>
+            </a:endParaRPr>
+          </a:p>
+          <a:p>
+            <a:pPr algn="just">
+              <a:buFont typeface="Wingdings" panose="05000000000000000000" pitchFamily="2" charset="2"/>
+              <a:buChar char="§"/>
+            </a:pPr>
+            <a:r>
+              <a:rPr lang="pt-BR" sz="2000" dirty="0">
+                <a:solidFill>
+                  <a:schemeClr val="tx1"/>
+                </a:solidFill>
+                <a:latin typeface="Times New Roman" panose="02020603050405020304" pitchFamily="18" charset="0"/>
+                <a:cs typeface="Times New Roman" panose="02020603050405020304" pitchFamily="18" charset="0"/>
+              </a:rPr>
+              <a:t>LCD 40 x 2</a:t>
+            </a:r>
+          </a:p>
+          <a:p>
+            <a:pPr algn="just">
+              <a:buFont typeface="Wingdings" panose="05000000000000000000" pitchFamily="2" charset="2"/>
+              <a:buChar char="§"/>
+            </a:pPr>
+            <a:endParaRPr lang="pt-BR" sz="2000" dirty="0">
+              <a:solidFill>
+                <a:schemeClr val="tx1"/>
+              </a:solidFill>
+              <a:latin typeface="Times New Roman" panose="02020603050405020304" pitchFamily="18" charset="0"/>
+              <a:cs typeface="Times New Roman" panose="02020603050405020304" pitchFamily="18" charset="0"/>
+            </a:endParaRPr>
+          </a:p>
+          <a:p>
+            <a:pPr algn="just">
+              <a:buFont typeface="Wingdings" panose="05000000000000000000" pitchFamily="2" charset="2"/>
+              <a:buChar char="§"/>
+            </a:pPr>
+            <a:r>
+              <a:rPr lang="pt-BR" sz="2000" dirty="0">
+                <a:solidFill>
+                  <a:schemeClr val="tx1"/>
+                </a:solidFill>
+                <a:latin typeface="Times New Roman" panose="02020603050405020304" pitchFamily="18" charset="0"/>
+                <a:cs typeface="Times New Roman" panose="02020603050405020304" pitchFamily="18" charset="0"/>
+              </a:rPr>
+              <a:t>Gráficos</a:t>
+            </a:r>
+          </a:p>
+        </p:txBody>
+      </p:sp>
+    </p:spTree>
+    <p:extLst>
+      <p:ext uri="{BB962C8B-B14F-4D97-AF65-F5344CB8AC3E}">
+        <p14:creationId xmlns:p14="http://schemas.microsoft.com/office/powerpoint/2010/main" val="1511090504"/>
+      </p:ext>
+    </p:extLst>
+  </p:cSld>
+  <p:clrMapOvr>
+    <a:masterClrMapping/>
+  </p:clrMapOvr>
+  <p:transition spd="med"/>
+</p:sld>
+</file>
+
+<file path=ppt/slides/slide6.xml><?xml version="1.0" encoding="utf-8"?>
+<p:sld xmlns:a="http://schemas.openxmlformats.org/drawingml/2006/main" xmlns:r="http://schemas.openxmlformats.org/officeDocument/2006/relationships" xmlns:p="http://schemas.openxmlformats.org/presentationml/2006/main">
+  <p:cSld>
+    <p:spTree>
+      <p:nvGrpSpPr>
+        <p:cNvPr id="1" name=""/>
+        <p:cNvGrpSpPr/>
+        <p:nvPr/>
+      </p:nvGrpSpPr>
+      <p:grpSpPr>
+        <a:xfrm>
+          <a:off x="0" y="0"/>
+          <a:ext cx="0" cy="0"/>
+          <a:chOff x="0" y="0"/>
+          <a:chExt cx="0" cy="0"/>
+        </a:xfrm>
+      </p:grpSpPr>
+      <p:sp>
+        <p:nvSpPr>
+          <p:cNvPr id="6" name="Title 1"/>
+          <p:cNvSpPr>
+            <a:spLocks noGrp="1"/>
+          </p:cNvSpPr>
+          <p:nvPr>
+            <p:ph type="title"/>
+          </p:nvPr>
+        </p:nvSpPr>
+        <p:spPr>
+          <a:xfrm>
+            <a:off x="457200" y="205980"/>
+            <a:ext cx="8229600" cy="857251"/>
+          </a:xfrm>
+        </p:spPr>
+        <p:txBody>
+          <a:bodyPr>
+            <a:normAutofit fontScale="90000"/>
+          </a:bodyPr>
+          <a:lstStyle/>
+          <a:p>
+            <a:r>
+              <a:rPr lang="en-US" b="1" dirty="0">
+                <a:solidFill>
+                  <a:srgbClr val="0070C0"/>
+                </a:solidFill>
+              </a:rPr>
+              <a:t>Display de 7 </a:t>
+            </a:r>
+            <a:r>
+              <a:rPr lang="en-US" b="1" dirty="0" err="1">
+                <a:solidFill>
+                  <a:srgbClr val="0070C0"/>
+                </a:solidFill>
+              </a:rPr>
+              <a:t>Segmentos</a:t>
+            </a:r>
+            <a:r>
+              <a:rPr lang="en-US" b="1" dirty="0">
+                <a:solidFill>
+                  <a:srgbClr val="0070C0"/>
+                </a:solidFill>
+              </a:rPr>
+              <a:t> / </a:t>
+            </a:r>
+            <a:r>
+              <a:rPr lang="en-US" b="1" dirty="0" err="1">
+                <a:solidFill>
+                  <a:srgbClr val="0070C0"/>
+                </a:solidFill>
+              </a:rPr>
+              <a:t>Numéricos</a:t>
+            </a:r>
+            <a:endParaRPr lang="en-US" b="1" dirty="0">
+              <a:solidFill>
+                <a:srgbClr val="0070C0"/>
+              </a:solidFill>
+            </a:endParaRPr>
+          </a:p>
+        </p:txBody>
+      </p:sp>
+      <p:sp>
+        <p:nvSpPr>
+          <p:cNvPr id="8" name="Text Placeholder 2"/>
+          <p:cNvSpPr>
+            <a:spLocks noGrp="1"/>
+          </p:cNvSpPr>
+          <p:nvPr>
+            <p:ph type="body" sz="half" idx="1"/>
+          </p:nvPr>
+        </p:nvSpPr>
+        <p:spPr>
+          <a:xfrm>
+            <a:off x="142865" y="965915"/>
+            <a:ext cx="8865056" cy="3971605"/>
+          </a:xfrm>
+        </p:spPr>
+        <p:txBody>
+          <a:bodyPr>
+            <a:noAutofit/>
+          </a:bodyPr>
+          <a:lstStyle/>
+          <a:p>
+            <a:pPr marL="0" indent="0" algn="just">
+              <a:buNone/>
+            </a:pPr>
+            <a:r>
+              <a:rPr lang="pt-BR" sz="2000" b="1" dirty="0" err="1">
+                <a:solidFill>
+                  <a:schemeClr val="tx1"/>
+                </a:solidFill>
+                <a:latin typeface="Times New Roman" panose="02020603050405020304" pitchFamily="18" charset="0"/>
+                <a:cs typeface="Times New Roman" panose="02020603050405020304" pitchFamily="18" charset="0"/>
+              </a:rPr>
+              <a:t>Display’s</a:t>
+            </a:r>
+            <a:r>
+              <a:rPr lang="pt-BR" sz="2000" b="1" dirty="0">
+                <a:solidFill>
+                  <a:schemeClr val="tx1"/>
+                </a:solidFill>
+                <a:latin typeface="Times New Roman" panose="02020603050405020304" pitchFamily="18" charset="0"/>
+                <a:cs typeface="Times New Roman" panose="02020603050405020304" pitchFamily="18" charset="0"/>
+              </a:rPr>
+              <a:t> com sete LEDS</a:t>
+            </a:r>
+            <a:r>
+              <a:rPr lang="pt-BR" sz="2000" dirty="0">
+                <a:solidFill>
+                  <a:schemeClr val="tx1"/>
+                </a:solidFill>
+                <a:latin typeface="Times New Roman" panose="02020603050405020304" pitchFamily="18" charset="0"/>
+                <a:cs typeface="Times New Roman" panose="02020603050405020304" pitchFamily="18" charset="0"/>
+              </a:rPr>
+              <a:t>, com o objetivo de formar um digito.</a:t>
+            </a:r>
+          </a:p>
+          <a:p>
+            <a:pPr marL="0" indent="0" algn="just">
+              <a:buNone/>
+            </a:pPr>
+            <a:r>
+              <a:rPr lang="pt-BR" sz="2000" b="1" dirty="0">
+                <a:solidFill>
+                  <a:srgbClr val="FF0000"/>
+                </a:solidFill>
+                <a:latin typeface="Times New Roman" panose="02020603050405020304" pitchFamily="18" charset="0"/>
+                <a:cs typeface="Times New Roman" panose="02020603050405020304" pitchFamily="18" charset="0"/>
+              </a:rPr>
+              <a:t>Pinos do Display</a:t>
+            </a:r>
+          </a:p>
+          <a:p>
+            <a:pPr algn="just">
+              <a:buFont typeface="Wingdings" panose="05000000000000000000" pitchFamily="2" charset="2"/>
+              <a:buChar char="§"/>
+            </a:pPr>
+            <a:r>
+              <a:rPr lang="pt-BR" sz="1800" dirty="0">
+                <a:solidFill>
+                  <a:schemeClr val="tx1"/>
+                </a:solidFill>
+                <a:latin typeface="Times New Roman" panose="02020603050405020304" pitchFamily="18" charset="0"/>
+                <a:cs typeface="Times New Roman" panose="02020603050405020304" pitchFamily="18" charset="0"/>
+              </a:rPr>
+              <a:t>VSS (pino de alimentação 0V liga ao GND) – </a:t>
+            </a:r>
+            <a:r>
+              <a:rPr lang="pt-BR" sz="1800" b="1" dirty="0">
+                <a:solidFill>
+                  <a:schemeClr val="tx1"/>
+                </a:solidFill>
+                <a:latin typeface="Times New Roman" panose="02020603050405020304" pitchFamily="18" charset="0"/>
+                <a:cs typeface="Times New Roman" panose="02020603050405020304" pitchFamily="18" charset="0"/>
+              </a:rPr>
+              <a:t>terra</a:t>
+            </a:r>
+          </a:p>
+          <a:p>
+            <a:pPr algn="just">
+              <a:buFont typeface="Wingdings" panose="05000000000000000000" pitchFamily="2" charset="2"/>
+              <a:buChar char="§"/>
+            </a:pPr>
+            <a:r>
+              <a:rPr lang="pt-BR" sz="1800" dirty="0">
+                <a:solidFill>
+                  <a:schemeClr val="tx1"/>
+                </a:solidFill>
+                <a:latin typeface="Times New Roman" panose="02020603050405020304" pitchFamily="18" charset="0"/>
+                <a:cs typeface="Times New Roman" panose="02020603050405020304" pitchFamily="18" charset="0"/>
+              </a:rPr>
+              <a:t>VDD (pino de alimentação +5V liga ao GND) – </a:t>
+            </a:r>
+            <a:r>
+              <a:rPr lang="pt-BR" sz="1800" b="1" dirty="0">
+                <a:solidFill>
+                  <a:srgbClr val="FF0000"/>
+                </a:solidFill>
+                <a:latin typeface="Times New Roman" panose="02020603050405020304" pitchFamily="18" charset="0"/>
+                <a:cs typeface="Times New Roman" panose="02020603050405020304" pitchFamily="18" charset="0"/>
+              </a:rPr>
+              <a:t>tensão</a:t>
+            </a:r>
+          </a:p>
+          <a:p>
+            <a:pPr algn="just">
+              <a:buFont typeface="Wingdings" panose="05000000000000000000" pitchFamily="2" charset="2"/>
+              <a:buChar char="§"/>
+            </a:pPr>
+            <a:r>
+              <a:rPr lang="pt-BR" sz="1800" dirty="0">
+                <a:solidFill>
+                  <a:schemeClr val="tx1"/>
+                </a:solidFill>
+                <a:latin typeface="Times New Roman" panose="02020603050405020304" pitchFamily="18" charset="0"/>
+                <a:cs typeface="Times New Roman" panose="02020603050405020304" pitchFamily="18" charset="0"/>
+              </a:rPr>
+              <a:t>VEE - Ajuste de contraste</a:t>
+            </a:r>
+          </a:p>
+          <a:p>
+            <a:pPr algn="just">
+              <a:buFont typeface="Wingdings" panose="05000000000000000000" pitchFamily="2" charset="2"/>
+              <a:buChar char="§"/>
+            </a:pPr>
+            <a:r>
+              <a:rPr lang="pt-BR" sz="1800" dirty="0">
+                <a:solidFill>
+                  <a:schemeClr val="tx1"/>
+                </a:solidFill>
+                <a:latin typeface="Times New Roman" panose="02020603050405020304" pitchFamily="18" charset="0"/>
+                <a:cs typeface="Times New Roman" panose="02020603050405020304" pitchFamily="18" charset="0"/>
+              </a:rPr>
+              <a:t>RS - Register </a:t>
+            </a:r>
+            <a:r>
+              <a:rPr lang="pt-BR" sz="1800" dirty="0" err="1">
+                <a:solidFill>
+                  <a:schemeClr val="tx1"/>
+                </a:solidFill>
+                <a:latin typeface="Times New Roman" panose="02020603050405020304" pitchFamily="18" charset="0"/>
+                <a:cs typeface="Times New Roman" panose="02020603050405020304" pitchFamily="18" charset="0"/>
+              </a:rPr>
+              <a:t>Select</a:t>
+            </a:r>
+            <a:r>
+              <a:rPr lang="pt-BR" sz="1800" dirty="0">
+                <a:solidFill>
+                  <a:schemeClr val="tx1"/>
+                </a:solidFill>
+                <a:latin typeface="Times New Roman" panose="02020603050405020304" pitchFamily="18" charset="0"/>
+                <a:cs typeface="Times New Roman" panose="02020603050405020304" pitchFamily="18" charset="0"/>
+              </a:rPr>
+              <a:t> (dado ou comando)</a:t>
+            </a:r>
+          </a:p>
+          <a:p>
+            <a:pPr algn="just">
+              <a:buFont typeface="Wingdings" panose="05000000000000000000" pitchFamily="2" charset="2"/>
+              <a:buChar char="§"/>
+            </a:pPr>
+            <a:r>
+              <a:rPr lang="pt-BR" sz="1800" dirty="0">
+                <a:solidFill>
+                  <a:schemeClr val="tx1"/>
+                </a:solidFill>
+                <a:latin typeface="Times New Roman" panose="02020603050405020304" pitchFamily="18" charset="0"/>
+                <a:cs typeface="Times New Roman" panose="02020603050405020304" pitchFamily="18" charset="0"/>
+              </a:rPr>
+              <a:t>RW - </a:t>
+            </a:r>
+            <a:r>
+              <a:rPr lang="pt-BR" sz="1800" dirty="0" err="1">
+                <a:solidFill>
+                  <a:schemeClr val="tx1"/>
+                </a:solidFill>
+                <a:latin typeface="Times New Roman" panose="02020603050405020304" pitchFamily="18" charset="0"/>
+                <a:cs typeface="Times New Roman" panose="02020603050405020304" pitchFamily="18" charset="0"/>
+              </a:rPr>
+              <a:t>Read</a:t>
+            </a:r>
+            <a:r>
+              <a:rPr lang="pt-BR" sz="1800" dirty="0">
+                <a:solidFill>
+                  <a:schemeClr val="tx1"/>
+                </a:solidFill>
+                <a:latin typeface="Times New Roman" panose="02020603050405020304" pitchFamily="18" charset="0"/>
+                <a:cs typeface="Times New Roman" panose="02020603050405020304" pitchFamily="18" charset="0"/>
+              </a:rPr>
+              <a:t>/Write</a:t>
+            </a:r>
+          </a:p>
+          <a:p>
+            <a:pPr algn="just">
+              <a:buFont typeface="Wingdings" panose="05000000000000000000" pitchFamily="2" charset="2"/>
+              <a:buChar char="§"/>
+            </a:pPr>
+            <a:r>
+              <a:rPr lang="pt-BR" sz="1800" dirty="0">
+                <a:solidFill>
+                  <a:schemeClr val="tx1"/>
+                </a:solidFill>
+                <a:latin typeface="Times New Roman" panose="02020603050405020304" pitchFamily="18" charset="0"/>
+                <a:cs typeface="Times New Roman" panose="02020603050405020304" pitchFamily="18" charset="0"/>
+              </a:rPr>
+              <a:t>EN - </a:t>
+            </a:r>
+            <a:r>
+              <a:rPr lang="pt-BR" sz="1800" dirty="0" err="1">
+                <a:solidFill>
+                  <a:schemeClr val="tx1"/>
+                </a:solidFill>
+                <a:latin typeface="Times New Roman" panose="02020603050405020304" pitchFamily="18" charset="0"/>
+                <a:cs typeface="Times New Roman" panose="02020603050405020304" pitchFamily="18" charset="0"/>
+              </a:rPr>
+              <a:t>Enabled</a:t>
+            </a:r>
+            <a:r>
+              <a:rPr lang="pt-BR" sz="1800" dirty="0">
+                <a:solidFill>
+                  <a:schemeClr val="tx1"/>
+                </a:solidFill>
+                <a:latin typeface="Times New Roman" panose="02020603050405020304" pitchFamily="18" charset="0"/>
+                <a:cs typeface="Times New Roman" panose="02020603050405020304" pitchFamily="18" charset="0"/>
+              </a:rPr>
+              <a:t> (dado ou comando)</a:t>
+            </a:r>
+          </a:p>
+          <a:p>
+            <a:pPr algn="just">
+              <a:buFont typeface="Wingdings" panose="05000000000000000000" pitchFamily="2" charset="2"/>
+              <a:buChar char="§"/>
+            </a:pPr>
+            <a:r>
+              <a:rPr lang="pt-BR" sz="1800" dirty="0">
+                <a:solidFill>
+                  <a:schemeClr val="tx1"/>
+                </a:solidFill>
+                <a:latin typeface="Times New Roman" panose="02020603050405020304" pitchFamily="18" charset="0"/>
+                <a:cs typeface="Times New Roman" panose="02020603050405020304" pitchFamily="18" charset="0"/>
+              </a:rPr>
+              <a:t>DB0 a DB7 (Barramento de Dados)</a:t>
+            </a:r>
+          </a:p>
+          <a:p>
+            <a:pPr algn="just">
+              <a:buFont typeface="Wingdings" panose="05000000000000000000" pitchFamily="2" charset="2"/>
+              <a:buChar char="§"/>
+            </a:pPr>
+            <a:r>
+              <a:rPr lang="pt-BR" sz="1800" dirty="0">
+                <a:solidFill>
+                  <a:schemeClr val="tx1"/>
+                </a:solidFill>
+                <a:latin typeface="Times New Roman" panose="02020603050405020304" pitchFamily="18" charset="0"/>
+                <a:cs typeface="Times New Roman" panose="02020603050405020304" pitchFamily="18" charset="0"/>
+              </a:rPr>
+              <a:t>A – Anodo, ligar no VCC +5V</a:t>
+            </a:r>
+          </a:p>
+          <a:p>
+            <a:pPr algn="just">
+              <a:buFont typeface="Wingdings" panose="05000000000000000000" pitchFamily="2" charset="2"/>
+              <a:buChar char="§"/>
+            </a:pPr>
+            <a:r>
+              <a:rPr lang="pt-BR" sz="1800" dirty="0">
+                <a:solidFill>
+                  <a:schemeClr val="tx1"/>
+                </a:solidFill>
+                <a:latin typeface="Times New Roman" panose="02020603050405020304" pitchFamily="18" charset="0"/>
+                <a:cs typeface="Times New Roman" panose="02020603050405020304" pitchFamily="18" charset="0"/>
+              </a:rPr>
+              <a:t>K – Catodo, ligar no GND</a:t>
+            </a:r>
+          </a:p>
+        </p:txBody>
+      </p:sp>
+      <p:pic>
+        <p:nvPicPr>
+          <p:cNvPr id="2" name="Imagem 1">
+            <a:extLst>
+              <a:ext uri="{FF2B5EF4-FFF2-40B4-BE49-F238E27FC236}">
+                <a16:creationId xmlns:a16="http://schemas.microsoft.com/office/drawing/2014/main" id="{394EA7F0-A2CA-7C89-30BD-476BB324815E}"/>
+              </a:ext>
+            </a:extLst>
+          </p:cNvPr>
+          <p:cNvPicPr>
+            <a:picLocks noChangeAspect="1"/>
+          </p:cNvPicPr>
+          <p:nvPr/>
+        </p:nvPicPr>
+        <p:blipFill>
+          <a:blip r:embed="rId3"/>
+          <a:stretch>
+            <a:fillRect/>
+          </a:stretch>
+        </p:blipFill>
+        <p:spPr>
+          <a:xfrm>
+            <a:off x="4818294" y="2700539"/>
+            <a:ext cx="3381375" cy="1285875"/>
+          </a:xfrm>
+          <a:prstGeom prst="rect">
+            <a:avLst/>
+          </a:prstGeom>
+        </p:spPr>
+      </p:pic>
+    </p:spTree>
+    <p:extLst>
+      <p:ext uri="{BB962C8B-B14F-4D97-AF65-F5344CB8AC3E}">
+        <p14:creationId xmlns:p14="http://schemas.microsoft.com/office/powerpoint/2010/main" val="2294322225"/>
+      </p:ext>
+    </p:extLst>
+  </p:cSld>
+  <p:clrMapOvr>
+    <a:masterClrMapping/>
+  </p:clrMapOvr>
+  <p:transition spd="med"/>
+</p:sld>
+</file>
+
+<file path=ppt/slides/slide7.xml><?xml version="1.0" encoding="utf-8"?>
+<p:sld xmlns:a="http://schemas.openxmlformats.org/drawingml/2006/main" xmlns:r="http://schemas.openxmlformats.org/officeDocument/2006/relationships" xmlns:p="http://schemas.openxmlformats.org/presentationml/2006/main">
+  <p:cSld>
+    <p:spTree>
+      <p:nvGrpSpPr>
+        <p:cNvPr id="1" name=""/>
+        <p:cNvGrpSpPr/>
+        <p:nvPr/>
+      </p:nvGrpSpPr>
+      <p:grpSpPr>
+        <a:xfrm>
+          <a:off x="0" y="0"/>
+          <a:ext cx="0" cy="0"/>
+          <a:chOff x="0" y="0"/>
+          <a:chExt cx="0" cy="0"/>
+        </a:xfrm>
+      </p:grpSpPr>
+      <p:sp>
+        <p:nvSpPr>
+          <p:cNvPr id="6" name="Title 1"/>
+          <p:cNvSpPr>
+            <a:spLocks noGrp="1"/>
+          </p:cNvSpPr>
+          <p:nvPr>
+            <p:ph type="title"/>
+          </p:nvPr>
+        </p:nvSpPr>
+        <p:spPr>
+          <a:xfrm>
+            <a:off x="457200" y="205980"/>
+            <a:ext cx="8229600" cy="857251"/>
+          </a:xfrm>
+        </p:spPr>
+        <p:txBody>
+          <a:bodyPr>
+            <a:normAutofit/>
+          </a:bodyPr>
+          <a:lstStyle/>
+          <a:p>
+            <a:r>
+              <a:rPr lang="en-US" b="1" dirty="0" err="1">
+                <a:solidFill>
+                  <a:srgbClr val="0070C0"/>
+                </a:solidFill>
+              </a:rPr>
+              <a:t>Pinos</a:t>
+            </a:r>
+            <a:r>
+              <a:rPr lang="en-US" b="1" dirty="0">
+                <a:solidFill>
+                  <a:srgbClr val="0070C0"/>
+                </a:solidFill>
+              </a:rPr>
+              <a:t> - Display de 7 </a:t>
+            </a:r>
+            <a:r>
+              <a:rPr lang="en-US" b="1" dirty="0" err="1">
+                <a:solidFill>
+                  <a:srgbClr val="0070C0"/>
+                </a:solidFill>
+              </a:rPr>
+              <a:t>Segmentos</a:t>
+            </a:r>
+            <a:endParaRPr lang="en-US" b="1" dirty="0">
+              <a:solidFill>
+                <a:srgbClr val="0070C0"/>
+              </a:solidFill>
+            </a:endParaRPr>
+          </a:p>
+        </p:txBody>
+      </p:sp>
+      <p:sp>
+        <p:nvSpPr>
+          <p:cNvPr id="8" name="Text Placeholder 2"/>
+          <p:cNvSpPr>
+            <a:spLocks noGrp="1"/>
+          </p:cNvSpPr>
+          <p:nvPr>
+            <p:ph type="body" sz="half" idx="1"/>
+          </p:nvPr>
+        </p:nvSpPr>
+        <p:spPr>
+          <a:xfrm>
+            <a:off x="142865" y="965915"/>
+            <a:ext cx="8865056" cy="3971605"/>
+          </a:xfrm>
+        </p:spPr>
+        <p:txBody>
+          <a:bodyPr>
+            <a:noAutofit/>
+          </a:bodyPr>
+          <a:lstStyle/>
+          <a:p>
+            <a:pPr marL="0" indent="0" algn="just">
+              <a:buNone/>
+            </a:pPr>
+            <a:endParaRPr lang="pt-BR" sz="2000" dirty="0">
+              <a:solidFill>
+                <a:schemeClr val="tx1"/>
+              </a:solidFill>
+              <a:latin typeface="Times New Roman" panose="02020603050405020304" pitchFamily="18" charset="0"/>
+              <a:cs typeface="Times New Roman" panose="02020603050405020304" pitchFamily="18" charset="0"/>
+            </a:endParaRPr>
+          </a:p>
+        </p:txBody>
+      </p:sp>
+      <p:pic>
+        <p:nvPicPr>
+          <p:cNvPr id="3" name="Imagem 2">
+            <a:extLst>
+              <a:ext uri="{FF2B5EF4-FFF2-40B4-BE49-F238E27FC236}">
+                <a16:creationId xmlns:a16="http://schemas.microsoft.com/office/drawing/2014/main" id="{5B127C3E-FAA2-407D-70E5-715A516D5E41}"/>
+              </a:ext>
+            </a:extLst>
+          </p:cNvPr>
+          <p:cNvPicPr>
+            <a:picLocks noChangeAspect="1"/>
+          </p:cNvPicPr>
+          <p:nvPr/>
+        </p:nvPicPr>
+        <p:blipFill>
+          <a:blip r:embed="rId3"/>
+          <a:stretch>
+            <a:fillRect/>
+          </a:stretch>
+        </p:blipFill>
+        <p:spPr>
+          <a:xfrm>
+            <a:off x="1139780" y="1029167"/>
+            <a:ext cx="5479961" cy="3942418"/>
+          </a:xfrm>
+          <a:prstGeom prst="rect">
+            <a:avLst/>
+          </a:prstGeom>
+        </p:spPr>
+      </p:pic>
+    </p:spTree>
+    <p:extLst>
+      <p:ext uri="{BB962C8B-B14F-4D97-AF65-F5344CB8AC3E}">
+        <p14:creationId xmlns:p14="http://schemas.microsoft.com/office/powerpoint/2010/main" val="3447647611"/>
+      </p:ext>
+    </p:extLst>
+  </p:cSld>
+  <p:clrMapOvr>
+    <a:masterClrMapping/>
+  </p:clrMapOvr>
+  <p:transition spd="med"/>
+</p:sld>
+</file>
+
+<file path=ppt/slides/slide8.xml><?xml version="1.0" encoding="utf-8"?>
+<p:sld xmlns:a="http://schemas.openxmlformats.org/drawingml/2006/main" xmlns:r="http://schemas.openxmlformats.org/officeDocument/2006/relationships" xmlns:p="http://schemas.openxmlformats.org/presentationml/2006/main">
+  <p:cSld>
+    <p:spTree>
+      <p:nvGrpSpPr>
+        <p:cNvPr id="1" name=""/>
+        <p:cNvGrpSpPr/>
+        <p:nvPr/>
+      </p:nvGrpSpPr>
+      <p:grpSpPr>
+        <a:xfrm>
+          <a:off x="0" y="0"/>
+          <a:ext cx="0" cy="0"/>
+          <a:chOff x="0" y="0"/>
+          <a:chExt cx="0" cy="0"/>
+        </a:xfrm>
+      </p:grpSpPr>
+      <p:sp>
+        <p:nvSpPr>
+          <p:cNvPr id="6" name="Title 1"/>
+          <p:cNvSpPr>
+            <a:spLocks noGrp="1"/>
+          </p:cNvSpPr>
+          <p:nvPr>
+            <p:ph type="title"/>
+          </p:nvPr>
+        </p:nvSpPr>
+        <p:spPr>
+          <a:xfrm>
+            <a:off x="457200" y="205980"/>
+            <a:ext cx="8229600" cy="857251"/>
+          </a:xfrm>
+        </p:spPr>
+        <p:txBody>
+          <a:bodyPr>
+            <a:normAutofit/>
+          </a:bodyPr>
+          <a:lstStyle/>
+          <a:p>
+            <a:r>
+              <a:rPr lang="en-US" b="1" dirty="0">
+                <a:solidFill>
+                  <a:srgbClr val="0070C0"/>
+                </a:solidFill>
+              </a:rPr>
+              <a:t>Display LCD</a:t>
+            </a:r>
+          </a:p>
+        </p:txBody>
+      </p:sp>
+      <p:sp>
+        <p:nvSpPr>
+          <p:cNvPr id="8" name="Text Placeholder 2"/>
+          <p:cNvSpPr>
+            <a:spLocks noGrp="1"/>
+          </p:cNvSpPr>
+          <p:nvPr>
+            <p:ph type="body" sz="half" idx="1"/>
+          </p:nvPr>
+        </p:nvSpPr>
+        <p:spPr>
+          <a:xfrm>
+            <a:off x="142865" y="965915"/>
+            <a:ext cx="8865056" cy="3971605"/>
+          </a:xfrm>
+        </p:spPr>
+        <p:txBody>
+          <a:bodyPr>
+            <a:noAutofit/>
+          </a:bodyPr>
+          <a:lstStyle/>
+          <a:p>
+            <a:pPr marL="0" indent="0" algn="just">
+              <a:buNone/>
+            </a:pPr>
+            <a:r>
+              <a:rPr lang="pt-BR" sz="2000" dirty="0">
+                <a:solidFill>
+                  <a:schemeClr val="tx1"/>
+                </a:solidFill>
+                <a:latin typeface="Times New Roman" panose="02020603050405020304" pitchFamily="18" charset="0"/>
+                <a:cs typeface="Times New Roman" panose="02020603050405020304" pitchFamily="18" charset="0"/>
+              </a:rPr>
+              <a:t>Um </a:t>
+            </a:r>
+            <a:r>
+              <a:rPr lang="pt-BR" sz="2000" b="1" dirty="0">
+                <a:solidFill>
+                  <a:schemeClr val="tx1"/>
+                </a:solidFill>
+                <a:latin typeface="Times New Roman" panose="02020603050405020304" pitchFamily="18" charset="0"/>
+                <a:cs typeface="Times New Roman" panose="02020603050405020304" pitchFamily="18" charset="0"/>
+              </a:rPr>
+              <a:t>display de cristal líquido</a:t>
+            </a:r>
+            <a:r>
+              <a:rPr lang="pt-BR" sz="2000" dirty="0">
+                <a:solidFill>
+                  <a:schemeClr val="tx1"/>
+                </a:solidFill>
+                <a:latin typeface="Times New Roman" panose="02020603050405020304" pitchFamily="18" charset="0"/>
+                <a:cs typeface="Times New Roman" panose="02020603050405020304" pitchFamily="18" charset="0"/>
+              </a:rPr>
+              <a:t>, acrônimo de </a:t>
+            </a:r>
+            <a:r>
+              <a:rPr lang="pt-BR" sz="2000" b="1" dirty="0">
+                <a:solidFill>
+                  <a:schemeClr val="tx1"/>
+                </a:solidFill>
+                <a:latin typeface="Times New Roman" panose="02020603050405020304" pitchFamily="18" charset="0"/>
+                <a:cs typeface="Times New Roman" panose="02020603050405020304" pitchFamily="18" charset="0"/>
+              </a:rPr>
+              <a:t>LCD</a:t>
+            </a:r>
+            <a:r>
+              <a:rPr lang="pt-BR" sz="2000" dirty="0">
+                <a:solidFill>
+                  <a:schemeClr val="tx1"/>
+                </a:solidFill>
+                <a:latin typeface="Times New Roman" panose="02020603050405020304" pitchFamily="18" charset="0"/>
+                <a:cs typeface="Times New Roman" panose="02020603050405020304" pitchFamily="18" charset="0"/>
+              </a:rPr>
+              <a:t> (em inglês </a:t>
+            </a:r>
+            <a:r>
+              <a:rPr lang="pt-BR" sz="2000" dirty="0" err="1">
+                <a:solidFill>
+                  <a:schemeClr val="tx1"/>
+                </a:solidFill>
+                <a:latin typeface="Times New Roman" panose="02020603050405020304" pitchFamily="18" charset="0"/>
+                <a:cs typeface="Times New Roman" panose="02020603050405020304" pitchFamily="18" charset="0"/>
+              </a:rPr>
+              <a:t>liquid</a:t>
+            </a:r>
+            <a:r>
+              <a:rPr lang="pt-BR" sz="2000" dirty="0">
+                <a:solidFill>
+                  <a:schemeClr val="tx1"/>
+                </a:solidFill>
+                <a:latin typeface="Times New Roman" panose="02020603050405020304" pitchFamily="18" charset="0"/>
+                <a:cs typeface="Times New Roman" panose="02020603050405020304" pitchFamily="18" charset="0"/>
+              </a:rPr>
+              <a:t> </a:t>
+            </a:r>
+            <a:r>
+              <a:rPr lang="pt-BR" sz="2000" dirty="0" err="1">
+                <a:solidFill>
+                  <a:schemeClr val="tx1"/>
+                </a:solidFill>
+                <a:latin typeface="Times New Roman" panose="02020603050405020304" pitchFamily="18" charset="0"/>
+                <a:cs typeface="Times New Roman" panose="02020603050405020304" pitchFamily="18" charset="0"/>
+              </a:rPr>
+              <a:t>crystal</a:t>
+            </a:r>
+            <a:r>
+              <a:rPr lang="pt-BR" sz="2000" dirty="0">
+                <a:solidFill>
+                  <a:schemeClr val="tx1"/>
+                </a:solidFill>
+                <a:latin typeface="Times New Roman" panose="02020603050405020304" pitchFamily="18" charset="0"/>
+                <a:cs typeface="Times New Roman" panose="02020603050405020304" pitchFamily="18" charset="0"/>
+              </a:rPr>
+              <a:t> display), é um painel fino usado para exibir informações por via eletrônica, como texto, imagens e vídeos. O </a:t>
+            </a:r>
+            <a:r>
+              <a:rPr lang="pt-BR" sz="2000" b="1" dirty="0">
+                <a:solidFill>
+                  <a:schemeClr val="tx1"/>
+                </a:solidFill>
+                <a:latin typeface="Times New Roman" panose="02020603050405020304" pitchFamily="18" charset="0"/>
+                <a:cs typeface="Times New Roman" panose="02020603050405020304" pitchFamily="18" charset="0"/>
+              </a:rPr>
+              <a:t>Display LCD 16x2</a:t>
+            </a:r>
+            <a:r>
+              <a:rPr lang="pt-BR" sz="2000" dirty="0">
+                <a:solidFill>
+                  <a:schemeClr val="tx1"/>
+                </a:solidFill>
+                <a:latin typeface="Times New Roman" panose="02020603050405020304" pitchFamily="18" charset="0"/>
+                <a:cs typeface="Times New Roman" panose="02020603050405020304" pitchFamily="18" charset="0"/>
+              </a:rPr>
+              <a:t> é um display que possui </a:t>
+            </a:r>
+            <a:r>
+              <a:rPr lang="pt-BR" sz="2000" b="1" dirty="0">
+                <a:solidFill>
+                  <a:srgbClr val="FF0000"/>
+                </a:solidFill>
+                <a:latin typeface="Times New Roman" panose="02020603050405020304" pitchFamily="18" charset="0"/>
+                <a:cs typeface="Times New Roman" panose="02020603050405020304" pitchFamily="18" charset="0"/>
+              </a:rPr>
+              <a:t>16 colunas e 2 linhas</a:t>
+            </a:r>
+            <a:r>
+              <a:rPr lang="pt-BR" sz="2000" dirty="0">
+                <a:solidFill>
+                  <a:schemeClr val="tx1"/>
+                </a:solidFill>
+                <a:latin typeface="Times New Roman" panose="02020603050405020304" pitchFamily="18" charset="0"/>
+                <a:cs typeface="Times New Roman" panose="02020603050405020304" pitchFamily="18" charset="0"/>
+              </a:rPr>
+              <a:t> para escrita, e este modelo tem como </a:t>
+            </a:r>
+            <a:r>
+              <a:rPr lang="pt-BR" sz="2000" b="1" dirty="0">
+                <a:solidFill>
+                  <a:schemeClr val="tx1"/>
+                </a:solidFill>
+                <a:latin typeface="Times New Roman" panose="02020603050405020304" pitchFamily="18" charset="0"/>
+                <a:cs typeface="Times New Roman" panose="02020603050405020304" pitchFamily="18" charset="0"/>
+              </a:rPr>
+              <a:t>principal característica</a:t>
+            </a:r>
+            <a:r>
+              <a:rPr lang="pt-BR" sz="2000" dirty="0">
+                <a:solidFill>
+                  <a:schemeClr val="tx1"/>
+                </a:solidFill>
+                <a:latin typeface="Times New Roman" panose="02020603050405020304" pitchFamily="18" charset="0"/>
+                <a:cs typeface="Times New Roman" panose="02020603050405020304" pitchFamily="18" charset="0"/>
+              </a:rPr>
+              <a:t> seu </a:t>
+            </a:r>
+            <a:r>
+              <a:rPr lang="pt-BR" sz="2000" b="1" dirty="0">
+                <a:solidFill>
+                  <a:srgbClr val="FF0000"/>
+                </a:solidFill>
+                <a:latin typeface="Times New Roman" panose="02020603050405020304" pitchFamily="18" charset="0"/>
+                <a:cs typeface="Times New Roman" panose="02020603050405020304" pitchFamily="18" charset="0"/>
+              </a:rPr>
+              <a:t>fundo azul</a:t>
+            </a:r>
+            <a:r>
+              <a:rPr lang="pt-BR" sz="2000" dirty="0">
+                <a:solidFill>
+                  <a:schemeClr val="tx1"/>
+                </a:solidFill>
+                <a:latin typeface="Times New Roman" panose="02020603050405020304" pitchFamily="18" charset="0"/>
+                <a:cs typeface="Times New Roman" panose="02020603050405020304" pitchFamily="18" charset="0"/>
+              </a:rPr>
+              <a:t> e sua </a:t>
+            </a:r>
+            <a:r>
+              <a:rPr lang="pt-BR" sz="2000" b="1" dirty="0">
+                <a:solidFill>
+                  <a:srgbClr val="FF0000"/>
+                </a:solidFill>
+                <a:latin typeface="Times New Roman" panose="02020603050405020304" pitchFamily="18" charset="0"/>
+                <a:cs typeface="Times New Roman" panose="02020603050405020304" pitchFamily="18" charset="0"/>
+              </a:rPr>
+              <a:t>escrita branca</a:t>
+            </a:r>
+            <a:r>
+              <a:rPr lang="pt-BR" sz="2000" dirty="0">
+                <a:solidFill>
+                  <a:schemeClr val="tx1"/>
+                </a:solidFill>
+                <a:latin typeface="Times New Roman" panose="02020603050405020304" pitchFamily="18" charset="0"/>
+                <a:cs typeface="Times New Roman" panose="02020603050405020304" pitchFamily="18" charset="0"/>
+              </a:rPr>
+              <a:t>.</a:t>
+            </a:r>
+          </a:p>
+          <a:p>
+            <a:pPr marL="0" indent="0" algn="just">
+              <a:buNone/>
+            </a:pPr>
+            <a:endParaRPr lang="pt-BR" sz="2000" dirty="0">
+              <a:solidFill>
+                <a:schemeClr val="tx1"/>
+              </a:solidFill>
+              <a:latin typeface="Times New Roman" panose="02020603050405020304" pitchFamily="18" charset="0"/>
+              <a:cs typeface="Times New Roman" panose="02020603050405020304" pitchFamily="18" charset="0"/>
+            </a:endParaRPr>
+          </a:p>
+          <a:p>
+            <a:pPr marL="0" indent="0" algn="just">
+              <a:buNone/>
+            </a:pPr>
+            <a:r>
+              <a:rPr lang="pt-BR" sz="2000" dirty="0">
+                <a:solidFill>
+                  <a:schemeClr val="tx1"/>
+                </a:solidFill>
+                <a:latin typeface="Times New Roman" panose="02020603050405020304" pitchFamily="18" charset="0"/>
+                <a:cs typeface="Times New Roman" panose="02020603050405020304" pitchFamily="18" charset="0"/>
+              </a:rPr>
+              <a:t>O controle desse </a:t>
+            </a:r>
+            <a:r>
+              <a:rPr lang="pt-BR" sz="2000" b="1" dirty="0">
+                <a:solidFill>
+                  <a:srgbClr val="FF0000"/>
+                </a:solidFill>
+                <a:latin typeface="Times New Roman" panose="02020603050405020304" pitchFamily="18" charset="0"/>
+                <a:cs typeface="Times New Roman" panose="02020603050405020304" pitchFamily="18" charset="0"/>
+              </a:rPr>
+              <a:t>display</a:t>
+            </a:r>
+            <a:r>
+              <a:rPr lang="pt-BR" sz="2000" dirty="0">
+                <a:solidFill>
+                  <a:schemeClr val="tx1"/>
+                </a:solidFill>
+                <a:latin typeface="Times New Roman" panose="02020603050405020304" pitchFamily="18" charset="0"/>
+                <a:cs typeface="Times New Roman" panose="02020603050405020304" pitchFamily="18" charset="0"/>
+              </a:rPr>
+              <a:t> pode ser feito utilizando-se a </a:t>
+            </a:r>
+            <a:r>
+              <a:rPr lang="pt-BR" sz="2000" b="1" dirty="0">
+                <a:solidFill>
+                  <a:schemeClr val="tx1"/>
+                </a:solidFill>
+                <a:latin typeface="Times New Roman" panose="02020603050405020304" pitchFamily="18" charset="0"/>
+                <a:cs typeface="Times New Roman" panose="02020603050405020304" pitchFamily="18" charset="0"/>
+              </a:rPr>
+              <a:t>biblioteca </a:t>
+            </a:r>
+            <a:r>
+              <a:rPr lang="pt-BR" sz="2000" b="1" dirty="0" err="1">
+                <a:solidFill>
+                  <a:schemeClr val="tx1"/>
+                </a:solidFill>
+                <a:latin typeface="Times New Roman" panose="02020603050405020304" pitchFamily="18" charset="0"/>
+                <a:cs typeface="Times New Roman" panose="02020603050405020304" pitchFamily="18" charset="0"/>
+              </a:rPr>
+              <a:t>LiquidCrystal</a:t>
+            </a:r>
+            <a:r>
+              <a:rPr lang="pt-BR" sz="2000" dirty="0">
+                <a:solidFill>
+                  <a:schemeClr val="tx1"/>
+                </a:solidFill>
+                <a:latin typeface="Times New Roman" panose="02020603050405020304" pitchFamily="18" charset="0"/>
+                <a:cs typeface="Times New Roman" panose="02020603050405020304" pitchFamily="18" charset="0"/>
+              </a:rPr>
+              <a:t>, já embutida na IDE do </a:t>
+            </a:r>
+            <a:r>
+              <a:rPr lang="pt-BR" sz="2000" b="1" dirty="0">
+                <a:solidFill>
+                  <a:srgbClr val="FF0000"/>
+                </a:solidFill>
+                <a:latin typeface="Times New Roman" panose="02020603050405020304" pitchFamily="18" charset="0"/>
+                <a:cs typeface="Times New Roman" panose="02020603050405020304" pitchFamily="18" charset="0"/>
+              </a:rPr>
+              <a:t>Arduino</a:t>
+            </a:r>
+            <a:r>
+              <a:rPr lang="pt-BR" sz="2000" dirty="0">
+                <a:solidFill>
+                  <a:schemeClr val="tx1"/>
+                </a:solidFill>
+                <a:latin typeface="Times New Roman" panose="02020603050405020304" pitchFamily="18" charset="0"/>
+                <a:cs typeface="Times New Roman" panose="02020603050405020304" pitchFamily="18" charset="0"/>
+              </a:rPr>
+              <a:t>. </a:t>
+            </a:r>
+          </a:p>
+          <a:p>
+            <a:pPr marL="0" indent="0" algn="just">
+              <a:buNone/>
+            </a:pPr>
+            <a:endParaRPr lang="pt-BR" sz="2000" dirty="0">
+              <a:solidFill>
+                <a:schemeClr val="tx1"/>
+              </a:solidFill>
+              <a:latin typeface="Times New Roman" panose="02020603050405020304" pitchFamily="18" charset="0"/>
+              <a:cs typeface="Times New Roman" panose="02020603050405020304" pitchFamily="18" charset="0"/>
+            </a:endParaRPr>
+          </a:p>
+          <a:p>
+            <a:pPr marL="0" indent="0" algn="just">
+              <a:buNone/>
+            </a:pPr>
+            <a:r>
+              <a:rPr lang="pt-BR" sz="2000" dirty="0">
+                <a:solidFill>
+                  <a:schemeClr val="tx1"/>
+                </a:solidFill>
+                <a:latin typeface="Times New Roman" panose="02020603050405020304" pitchFamily="18" charset="0"/>
+                <a:cs typeface="Times New Roman" panose="02020603050405020304" pitchFamily="18" charset="0"/>
+              </a:rPr>
+              <a:t>No setup, inicializamos o </a:t>
+            </a:r>
+            <a:r>
+              <a:rPr lang="pt-BR" sz="2000" b="1" dirty="0">
+                <a:solidFill>
+                  <a:schemeClr val="tx1"/>
+                </a:solidFill>
+                <a:latin typeface="Times New Roman" panose="02020603050405020304" pitchFamily="18" charset="0"/>
+                <a:cs typeface="Times New Roman" panose="02020603050405020304" pitchFamily="18" charset="0"/>
+              </a:rPr>
+              <a:t>display</a:t>
+            </a:r>
+            <a:r>
+              <a:rPr lang="pt-BR" sz="2000" dirty="0">
+                <a:solidFill>
+                  <a:schemeClr val="tx1"/>
+                </a:solidFill>
+                <a:latin typeface="Times New Roman" panose="02020603050405020304" pitchFamily="18" charset="0"/>
+                <a:cs typeface="Times New Roman" panose="02020603050405020304" pitchFamily="18" charset="0"/>
+              </a:rPr>
+              <a:t> definindo o número de colunas e linhas com o comando </a:t>
+            </a:r>
+            <a:r>
+              <a:rPr lang="pt-BR" sz="2000" dirty="0" err="1">
+                <a:solidFill>
+                  <a:schemeClr val="tx1"/>
+                </a:solidFill>
+                <a:latin typeface="Times New Roman" panose="02020603050405020304" pitchFamily="18" charset="0"/>
+                <a:cs typeface="Times New Roman" panose="02020603050405020304" pitchFamily="18" charset="0"/>
+              </a:rPr>
+              <a:t>lcd</a:t>
+            </a:r>
+            <a:r>
+              <a:rPr lang="pt-BR" sz="2000" dirty="0">
+                <a:solidFill>
+                  <a:schemeClr val="tx1"/>
+                </a:solidFill>
+                <a:latin typeface="Times New Roman" panose="02020603050405020304" pitchFamily="18" charset="0"/>
+                <a:cs typeface="Times New Roman" panose="02020603050405020304" pitchFamily="18" charset="0"/>
+              </a:rPr>
+              <a:t>. </a:t>
+            </a:r>
+            <a:r>
+              <a:rPr lang="pt-BR" sz="2000" b="1" dirty="0" err="1">
+                <a:solidFill>
+                  <a:schemeClr val="tx1"/>
+                </a:solidFill>
+                <a:latin typeface="Times New Roman" panose="02020603050405020304" pitchFamily="18" charset="0"/>
+                <a:cs typeface="Times New Roman" panose="02020603050405020304" pitchFamily="18" charset="0"/>
+              </a:rPr>
+              <a:t>begin</a:t>
+            </a:r>
+            <a:r>
+              <a:rPr lang="pt-BR" sz="2000" dirty="0">
+                <a:solidFill>
+                  <a:schemeClr val="tx1"/>
+                </a:solidFill>
+                <a:latin typeface="Times New Roman" panose="02020603050405020304" pitchFamily="18" charset="0"/>
+                <a:cs typeface="Times New Roman" panose="02020603050405020304" pitchFamily="18" charset="0"/>
+              </a:rPr>
+              <a:t>(16,2).</a:t>
+            </a:r>
+          </a:p>
+        </p:txBody>
+      </p:sp>
+    </p:spTree>
+    <p:extLst>
+      <p:ext uri="{BB962C8B-B14F-4D97-AF65-F5344CB8AC3E}">
+        <p14:creationId xmlns:p14="http://schemas.microsoft.com/office/powerpoint/2010/main" val="143062052"/>
+      </p:ext>
+    </p:extLst>
+  </p:cSld>
+  <p:clrMapOvr>
+    <a:masterClrMapping/>
+  </p:clrMapOvr>
+  <p:transition spd="med"/>
+</p:sld>
+</file>
+
+<file path=ppt/slides/slide9.xml><?xml version="1.0" encoding="utf-8"?>
+<p:sld xmlns:a="http://schemas.openxmlformats.org/drawingml/2006/main" xmlns:r="http://schemas.openxmlformats.org/officeDocument/2006/relationships" xmlns:p="http://schemas.openxmlformats.org/presentationml/2006/main">
+  <p:cSld>
+    <p:spTree>
+      <p:nvGrpSpPr>
+        <p:cNvPr id="1" name=""/>
+        <p:cNvGrpSpPr/>
+        <p:nvPr/>
+      </p:nvGrpSpPr>
+      <p:grpSpPr>
+        <a:xfrm>
+          <a:off x="0" y="0"/>
+          <a:ext cx="0" cy="0"/>
+          <a:chOff x="0" y="0"/>
+          <a:chExt cx="0" cy="0"/>
+        </a:xfrm>
+      </p:grpSpPr>
+      <p:sp>
+        <p:nvSpPr>
+          <p:cNvPr id="6" name="Title 1"/>
+          <p:cNvSpPr>
+            <a:spLocks noGrp="1"/>
+          </p:cNvSpPr>
+          <p:nvPr>
+            <p:ph type="title"/>
+          </p:nvPr>
+        </p:nvSpPr>
+        <p:spPr>
+          <a:xfrm>
+            <a:off x="457200" y="205980"/>
+            <a:ext cx="8229600" cy="857251"/>
+          </a:xfrm>
+        </p:spPr>
+        <p:txBody>
+          <a:bodyPr>
+            <a:normAutofit/>
+          </a:bodyPr>
+          <a:lstStyle/>
+          <a:p>
+            <a:r>
+              <a:rPr lang="en-US" b="1" dirty="0">
+                <a:solidFill>
+                  <a:srgbClr val="0070C0"/>
+                </a:solidFill>
+              </a:rPr>
+              <a:t>Display LCD</a:t>
+            </a:r>
+          </a:p>
+        </p:txBody>
+      </p:sp>
+      <p:sp>
+        <p:nvSpPr>
+          <p:cNvPr id="8" name="Text Placeholder 2"/>
+          <p:cNvSpPr>
+            <a:spLocks noGrp="1"/>
+          </p:cNvSpPr>
+          <p:nvPr>
+            <p:ph type="body" sz="half" idx="1"/>
+          </p:nvPr>
+        </p:nvSpPr>
+        <p:spPr>
+          <a:xfrm>
+            <a:off x="142865" y="965915"/>
+            <a:ext cx="8865056" cy="3971605"/>
+          </a:xfrm>
+        </p:spPr>
+        <p:txBody>
+          <a:bodyPr>
+            <a:noAutofit/>
+          </a:bodyPr>
+          <a:lstStyle/>
+          <a:p>
+            <a:pPr marL="0" indent="0" algn="just">
+              <a:buNone/>
+            </a:pPr>
+            <a:endParaRPr lang="pt-BR" sz="2000" dirty="0">
+              <a:solidFill>
+                <a:schemeClr val="tx1"/>
+              </a:solidFill>
+              <a:latin typeface="Times New Roman" panose="02020603050405020304" pitchFamily="18" charset="0"/>
+              <a:cs typeface="Times New Roman" panose="02020603050405020304" pitchFamily="18" charset="0"/>
+              <a:hlinkClick r:id="rId3"/>
+            </a:endParaRPr>
+          </a:p>
+          <a:p>
+            <a:pPr marL="0" indent="0" algn="just">
+              <a:buNone/>
+            </a:pPr>
+            <a:endParaRPr lang="pt-BR" sz="2000" dirty="0">
+              <a:solidFill>
+                <a:schemeClr val="tx1"/>
+              </a:solidFill>
+              <a:latin typeface="Times New Roman" panose="02020603050405020304" pitchFamily="18" charset="0"/>
+              <a:cs typeface="Times New Roman" panose="02020603050405020304" pitchFamily="18" charset="0"/>
+              <a:hlinkClick r:id="rId3"/>
+            </a:endParaRPr>
+          </a:p>
+          <a:p>
+            <a:pPr marL="0" indent="0" algn="just">
+              <a:buNone/>
+            </a:pPr>
+            <a:endParaRPr lang="pt-BR" sz="2000" dirty="0">
+              <a:solidFill>
+                <a:schemeClr val="tx1"/>
+              </a:solidFill>
+              <a:latin typeface="Times New Roman" panose="02020603050405020304" pitchFamily="18" charset="0"/>
+              <a:cs typeface="Times New Roman" panose="02020603050405020304" pitchFamily="18" charset="0"/>
+              <a:hlinkClick r:id="rId3"/>
+            </a:endParaRPr>
+          </a:p>
+          <a:p>
+            <a:pPr marL="0" indent="0" algn="just">
+              <a:buNone/>
+            </a:pPr>
+            <a:endParaRPr lang="pt-BR" sz="2000" dirty="0">
+              <a:solidFill>
+                <a:schemeClr val="tx1"/>
+              </a:solidFill>
+              <a:latin typeface="Times New Roman" panose="02020603050405020304" pitchFamily="18" charset="0"/>
+              <a:cs typeface="Times New Roman" panose="02020603050405020304" pitchFamily="18" charset="0"/>
+              <a:hlinkClick r:id="rId3"/>
+            </a:endParaRPr>
+          </a:p>
+          <a:p>
+            <a:pPr marL="0" indent="0" algn="just">
+              <a:buNone/>
+            </a:pPr>
+            <a:endParaRPr lang="pt-BR" sz="2000" dirty="0">
+              <a:solidFill>
+                <a:schemeClr val="tx1"/>
+              </a:solidFill>
+              <a:latin typeface="Times New Roman" panose="02020603050405020304" pitchFamily="18" charset="0"/>
+              <a:cs typeface="Times New Roman" panose="02020603050405020304" pitchFamily="18" charset="0"/>
+              <a:hlinkClick r:id="rId3"/>
+            </a:endParaRPr>
+          </a:p>
+          <a:p>
+            <a:pPr marL="0" indent="0" algn="just">
+              <a:buNone/>
+            </a:pPr>
+            <a:endParaRPr lang="pt-BR" sz="2000" dirty="0">
+              <a:solidFill>
+                <a:schemeClr val="tx1"/>
+              </a:solidFill>
+              <a:latin typeface="Times New Roman" panose="02020603050405020304" pitchFamily="18" charset="0"/>
+              <a:cs typeface="Times New Roman" panose="02020603050405020304" pitchFamily="18" charset="0"/>
+              <a:hlinkClick r:id="rId3"/>
+            </a:endParaRPr>
+          </a:p>
+          <a:p>
+            <a:pPr marL="0" indent="0" algn="just">
+              <a:buNone/>
+            </a:pPr>
+            <a:endParaRPr lang="pt-BR" sz="2000" dirty="0">
+              <a:solidFill>
+                <a:schemeClr val="tx1"/>
+              </a:solidFill>
+              <a:latin typeface="Times New Roman" panose="02020603050405020304" pitchFamily="18" charset="0"/>
+              <a:cs typeface="Times New Roman" panose="02020603050405020304" pitchFamily="18" charset="0"/>
+              <a:hlinkClick r:id="rId3"/>
+            </a:endParaRPr>
+          </a:p>
+          <a:p>
+            <a:pPr marL="0" indent="0" algn="just">
+              <a:buNone/>
+            </a:pPr>
+            <a:endParaRPr lang="pt-BR" sz="2000" dirty="0">
+              <a:solidFill>
+                <a:schemeClr val="tx1"/>
+              </a:solidFill>
+              <a:latin typeface="Times New Roman" panose="02020603050405020304" pitchFamily="18" charset="0"/>
+              <a:cs typeface="Times New Roman" panose="02020603050405020304" pitchFamily="18" charset="0"/>
+              <a:hlinkClick r:id="rId3"/>
+            </a:endParaRPr>
+          </a:p>
+          <a:p>
+            <a:pPr marL="0" indent="0" algn="just">
+              <a:buNone/>
+            </a:pPr>
+            <a:endParaRPr lang="pt-BR" sz="2000" dirty="0">
+              <a:solidFill>
+                <a:schemeClr val="tx1"/>
+              </a:solidFill>
+              <a:latin typeface="Times New Roman" panose="02020603050405020304" pitchFamily="18" charset="0"/>
+              <a:cs typeface="Times New Roman" panose="02020603050405020304" pitchFamily="18" charset="0"/>
+              <a:hlinkClick r:id="rId3"/>
+            </a:endParaRPr>
+          </a:p>
+          <a:p>
+            <a:pPr marL="0" indent="0" algn="just">
+              <a:buNone/>
+            </a:pPr>
+            <a:r>
+              <a:rPr lang="pt-BR" sz="2000" dirty="0">
+                <a:solidFill>
+                  <a:schemeClr val="tx1"/>
+                </a:solidFill>
+                <a:latin typeface="Times New Roman" panose="02020603050405020304" pitchFamily="18" charset="0"/>
+                <a:cs typeface="Times New Roman" panose="02020603050405020304" pitchFamily="18" charset="0"/>
+                <a:hlinkClick r:id="rId3"/>
+              </a:rPr>
+              <a:t>https://blog.eletrogate.com/guia-completo-do-display-lcd-arduino/</a:t>
+            </a:r>
+            <a:r>
+              <a:rPr lang="pt-BR" sz="2000" dirty="0">
+                <a:solidFill>
+                  <a:schemeClr val="tx1"/>
+                </a:solidFill>
+                <a:latin typeface="Times New Roman" panose="02020603050405020304" pitchFamily="18" charset="0"/>
+                <a:cs typeface="Times New Roman" panose="02020603050405020304" pitchFamily="18" charset="0"/>
+              </a:rPr>
+              <a:t> </a:t>
+            </a:r>
+          </a:p>
+        </p:txBody>
+      </p:sp>
+      <p:pic>
+        <p:nvPicPr>
+          <p:cNvPr id="3" name="Imagem 2">
+            <a:extLst>
+              <a:ext uri="{FF2B5EF4-FFF2-40B4-BE49-F238E27FC236}">
+                <a16:creationId xmlns:a16="http://schemas.microsoft.com/office/drawing/2014/main" id="{EA428A47-C806-7A0E-5C15-3AE43499F537}"/>
+              </a:ext>
+            </a:extLst>
+          </p:cNvPr>
+          <p:cNvPicPr>
+            <a:picLocks noChangeAspect="1"/>
+          </p:cNvPicPr>
+          <p:nvPr/>
+        </p:nvPicPr>
+        <p:blipFill>
+          <a:blip r:embed="rId4"/>
+          <a:stretch>
+            <a:fillRect/>
+          </a:stretch>
+        </p:blipFill>
+        <p:spPr>
+          <a:xfrm>
+            <a:off x="2179214" y="1063231"/>
+            <a:ext cx="4247344" cy="3295699"/>
+          </a:xfrm>
+          <a:prstGeom prst="rect">
+            <a:avLst/>
+          </a:prstGeom>
+        </p:spPr>
+      </p:pic>
+    </p:spTree>
+    <p:extLst>
+      <p:ext uri="{BB962C8B-B14F-4D97-AF65-F5344CB8AC3E}">
+        <p14:creationId xmlns:p14="http://schemas.microsoft.com/office/powerpoint/2010/main" val="3543915251"/>
+      </p:ext>
+    </p:extLst>
   </p:cSld>
   <p:clrMapOvr>
     <a:masterClrMapping/>

--- a/01 Classes/Aula 08 - Programação Microcontroladores - Periféricos Externos- Mostradores e Interrupções.pptx
+++ b/01 Classes/Aula 08 - Programação Microcontroladores - Periféricos Externos- Mostradores e Interrupções.pptx
@@ -4964,7 +4964,27 @@
                 <a:latin typeface="Times New Roman" panose="02020603050405020304" pitchFamily="18" charset="0"/>
                 <a:cs typeface="Times New Roman" panose="02020603050405020304" pitchFamily="18" charset="0"/>
               </a:rPr>
-              <a:t>Quantidade de pinos disponíveis no Arduino é limitada, pois após </a:t>
+              <a:t>Quantidade de pinos disponíveis no Arduino é limitada</a:t>
+            </a:r>
+            <a:r>
+              <a:rPr lang="pt-BR" sz="2000">
+                <a:solidFill>
+                  <a:schemeClr val="tx1"/>
+                </a:solidFill>
+                <a:latin typeface="Times New Roman" panose="02020603050405020304" pitchFamily="18" charset="0"/>
+                <a:cs typeface="Times New Roman" panose="02020603050405020304" pitchFamily="18" charset="0"/>
+              </a:rPr>
+              <a:t>, pois, </a:t>
+            </a:r>
+            <a:r>
+              <a:rPr lang="pt-BR" sz="2000" dirty="0">
+                <a:solidFill>
+                  <a:schemeClr val="tx1"/>
+                </a:solidFill>
+                <a:latin typeface="Times New Roman" panose="02020603050405020304" pitchFamily="18" charset="0"/>
+                <a:cs typeface="Times New Roman" panose="02020603050405020304" pitchFamily="18" charset="0"/>
+              </a:rPr>
+              <a:t>após </a:t>
             </a:r>
             <a:r>
               <a:rPr lang="pt-BR" sz="2000" b="1" dirty="0">
@@ -8966,10 +8986,28 @@
             <a:pPr marL="0" indent="0" algn="just">
               <a:buNone/>
             </a:pPr>
-            <a:endParaRPr lang="pt-BR" sz="2000" dirty="0">
-              <a:latin typeface="Times New Roman" panose="02020603050405020304" pitchFamily="18" charset="0"/>
-              <a:cs typeface="Times New Roman" panose="02020603050405020304" pitchFamily="18" charset="0"/>
-            </a:endParaRPr>
+            <a:r>
+              <a:rPr lang="pt-BR" sz="2000" dirty="0">
+                <a:latin typeface="Times New Roman" panose="02020603050405020304" pitchFamily="18" charset="0"/>
+                <a:cs typeface="Times New Roman" panose="02020603050405020304" pitchFamily="18" charset="0"/>
+              </a:rPr>
+              <a:t>		</a:t>
+            </a:r>
+            <a:r>
+              <a:rPr lang="pt-BR" sz="2000" dirty="0">
+                <a:latin typeface="Times New Roman" panose="02020603050405020304" pitchFamily="18" charset="0"/>
+                <a:cs typeface="Times New Roman" panose="02020603050405020304" pitchFamily="18" charset="0"/>
+                <a:hlinkClick r:id="rId3"/>
+              </a:rPr>
+              <a:t>https://www.squids.com.br/arduino/index.php/projetos-arduino/projetos-squids/basico/123-projeto-04-pushbutton</a:t>
+            </a:r>
+            <a:r>
+              <a:rPr lang="pt-BR" sz="2000" dirty="0">
+                <a:latin typeface="Times New Roman" panose="02020603050405020304" pitchFamily="18" charset="0"/>
+                <a:cs typeface="Times New Roman" panose="02020603050405020304" pitchFamily="18" charset="0"/>
+              </a:rPr>
+              <a:t> </a:t>
+            </a:r>
           </a:p>
           <a:p>
             <a:pPr marL="0" indent="0" algn="just">
@@ -8986,9 +9024,9 @@
               <a:rPr lang="pt-BR" sz="2000" dirty="0">
                 <a:latin typeface="Times New Roman" panose="02020603050405020304" pitchFamily="18" charset="0"/>
                 <a:cs typeface="Times New Roman" panose="02020603050405020304" pitchFamily="18" charset="0"/>
-                <a:hlinkClick r:id="rId3"/>
-              </a:rPr>
-              <a:t>https://www.squids.com.br/arduino/index.php/projetos-arduino/projetos-squids/basico/123-projeto-04-pushbutton</a:t>
+                <a:hlinkClick r:id="rId4"/>
+              </a:rPr>
+              <a:t>https://tecdicas.com/como-ligar-um-display-lcd-no-arduino-uno/</a:t>
             </a:r>
             <a:r>
               <a:rPr lang="pt-BR" sz="2000" dirty="0">
@@ -11101,7 +11139,7 @@
                 <a:latin typeface="Times New Roman" panose="02020603050405020304" pitchFamily="18" charset="0"/>
                 <a:cs typeface="Times New Roman" panose="02020603050405020304" pitchFamily="18" charset="0"/>
               </a:rPr>
-              <a:t>VDD (pino de alimentação +5V liga ao GND) – </a:t>
+              <a:t>VDD (pino de alimentação +5V liga ao +5V) – </a:t>
             </a:r>
             <a:r>
               <a:rPr lang="pt-BR" sz="1800" b="1" dirty="0">
@@ -11179,7 +11217,7 @@
                 <a:latin typeface="Times New Roman" panose="02020603050405020304" pitchFamily="18" charset="0"/>
                 <a:cs typeface="Times New Roman" panose="02020603050405020304" pitchFamily="18" charset="0"/>
               </a:rPr>
-              <a:t>RW - </a:t>
+              <a:t>R/W - </a:t>
             </a:r>
             <a:r>
               <a:rPr lang="pt-BR" sz="1800" dirty="0" err="1">
